--- a/UA Tutorials/Lecture 3 - Changing Target Positions IB2d and IBAMR.pptx
+++ b/UA Tutorials/Lecture 3 - Changing Target Positions IB2d and IBAMR.pptx
@@ -6,23 +6,29 @@
     <p:sldMasterId id="2147483666" r:id="rId2"/>
   </p:sldMasterIdLst>
   <p:notesMasterIdLst>
-    <p:notesMasterId r:id="rId17"/>
+    <p:notesMasterId r:id="rId23"/>
   </p:notesMasterIdLst>
   <p:sldIdLst>
     <p:sldId id="256" r:id="rId3"/>
     <p:sldId id="264" r:id="rId4"/>
     <p:sldId id="265" r:id="rId5"/>
-    <p:sldId id="266" r:id="rId6"/>
-    <p:sldId id="268" r:id="rId7"/>
-    <p:sldId id="269" r:id="rId8"/>
-    <p:sldId id="267" r:id="rId9"/>
-    <p:sldId id="257" r:id="rId10"/>
-    <p:sldId id="263" r:id="rId11"/>
-    <p:sldId id="258" r:id="rId12"/>
-    <p:sldId id="259" r:id="rId13"/>
-    <p:sldId id="260" r:id="rId14"/>
-    <p:sldId id="261" r:id="rId15"/>
-    <p:sldId id="262" r:id="rId16"/>
+    <p:sldId id="270" r:id="rId6"/>
+    <p:sldId id="271" r:id="rId7"/>
+    <p:sldId id="272" r:id="rId8"/>
+    <p:sldId id="266" r:id="rId9"/>
+    <p:sldId id="267" r:id="rId10"/>
+    <p:sldId id="275" r:id="rId11"/>
+    <p:sldId id="273" r:id="rId12"/>
+    <p:sldId id="274" r:id="rId13"/>
+    <p:sldId id="268" r:id="rId14"/>
+    <p:sldId id="269" r:id="rId15"/>
+    <p:sldId id="257" r:id="rId16"/>
+    <p:sldId id="263" r:id="rId17"/>
+    <p:sldId id="258" r:id="rId18"/>
+    <p:sldId id="259" r:id="rId19"/>
+    <p:sldId id="260" r:id="rId20"/>
+    <p:sldId id="261" r:id="rId21"/>
+    <p:sldId id="262" r:id="rId22"/>
   </p:sldIdLst>
   <p:sldSz cx="9144000" cy="6858000" type="screen4x3"/>
   <p:notesSz cx="6858000" cy="9144000"/>
@@ -813,6 +819,72 @@
 </file>
 
 <file path=ppt/notesSlides/notesSlide2.xml><?xml version="1.0" encoding="utf-8"?>
+<p:notes xmlns:a="http://schemas.openxmlformats.org/drawingml/2006/main" xmlns:r="http://schemas.openxmlformats.org/officeDocument/2006/relationships" xmlns:p="http://schemas.openxmlformats.org/presentationml/2006/main">
+  <p:cSld>
+    <p:spTree>
+      <p:nvGrpSpPr>
+        <p:cNvPr id="1" name=""/>
+        <p:cNvGrpSpPr/>
+        <p:nvPr/>
+      </p:nvGrpSpPr>
+      <p:grpSpPr>
+        <a:xfrm>
+          <a:off x="0" y="0"/>
+          <a:ext cx="0" cy="0"/>
+          <a:chOff x="0" y="0"/>
+          <a:chExt cx="0" cy="0"/>
+        </a:xfrm>
+      </p:grpSpPr>
+      <p:sp>
+        <p:nvSpPr>
+          <p:cNvPr id="2" name="Slide Image Placeholder 1"/>
+          <p:cNvSpPr>
+            <a:spLocks noGrp="1" noRot="1" noChangeAspect="1"/>
+          </p:cNvSpPr>
+          <p:nvPr>
+            <p:ph type="sldImg"/>
+          </p:nvPr>
+        </p:nvSpPr>
+        <p:spPr>
+          <a:xfrm>
+            <a:off x="1143000" y="685800"/>
+            <a:ext cx="4572000" cy="3429000"/>
+          </a:xfrm>
+        </p:spPr>
+      </p:sp>
+      <p:sp>
+        <p:nvSpPr>
+          <p:cNvPr id="3" name="Notes Placeholder 2"/>
+          <p:cNvSpPr>
+            <a:spLocks noGrp="1"/>
+          </p:cNvSpPr>
+          <p:nvPr>
+            <p:ph type="body" idx="1"/>
+          </p:nvPr>
+        </p:nvSpPr>
+        <p:spPr/>
+        <p:txBody>
+          <a:bodyPr/>
+          <a:lstStyle/>
+          <a:p>
+            <a:endParaRPr lang="en-US" dirty="0"/>
+          </a:p>
+        </p:txBody>
+      </p:sp>
+    </p:spTree>
+    <p:extLst>
+      <p:ext uri="{BB962C8B-B14F-4D97-AF65-F5344CB8AC3E}">
+        <p14:creationId xmlns:p14="http://schemas.microsoft.com/office/powerpoint/2010/main" val="1787293399"/>
+      </p:ext>
+    </p:extLst>
+  </p:cSld>
+  <p:clrMapOvr>
+    <a:masterClrMapping/>
+  </p:clrMapOvr>
+</p:notes>
+</file>
+
+<file path=ppt/notesSlides/notesSlide3.xml><?xml version="1.0" encoding="utf-8"?>
 <p:notes xmlns:a="http://schemas.openxmlformats.org/drawingml/2006/main" xmlns:r="http://schemas.openxmlformats.org/officeDocument/2006/relationships" xmlns:p="http://schemas.openxmlformats.org/presentationml/2006/main" showMasterSp="0" showMasterPhAnim="0">
   <p:cSld>
     <p:spTree>
@@ -920,7 +992,7 @@
 </p:notes>
 </file>
 
-<file path=ppt/notesSlides/notesSlide3.xml><?xml version="1.0" encoding="utf-8"?>
+<file path=ppt/notesSlides/notesSlide4.xml><?xml version="1.0" encoding="utf-8"?>
 <p:notes xmlns:a="http://schemas.openxmlformats.org/drawingml/2006/main" xmlns:r="http://schemas.openxmlformats.org/officeDocument/2006/relationships" xmlns:p="http://schemas.openxmlformats.org/presentationml/2006/main" showMasterSp="0" showMasterPhAnim="0">
   <p:cSld>
     <p:spTree>
@@ -1028,7 +1100,7 @@
 </p:notes>
 </file>
 
-<file path=ppt/notesSlides/notesSlide4.xml><?xml version="1.0" encoding="utf-8"?>
+<file path=ppt/notesSlides/notesSlide5.xml><?xml version="1.0" encoding="utf-8"?>
 <p:notes xmlns:a="http://schemas.openxmlformats.org/drawingml/2006/main" xmlns:r="http://schemas.openxmlformats.org/officeDocument/2006/relationships" xmlns:p="http://schemas.openxmlformats.org/presentationml/2006/main" showMasterSp="0" showMasterPhAnim="0">
   <p:cSld>
     <p:spTree>
@@ -1136,7 +1208,7 @@
 </p:notes>
 </file>
 
-<file path=ppt/notesSlides/notesSlide5.xml><?xml version="1.0" encoding="utf-8"?>
+<file path=ppt/notesSlides/notesSlide6.xml><?xml version="1.0" encoding="utf-8"?>
 <p:notes xmlns:a="http://schemas.openxmlformats.org/drawingml/2006/main" xmlns:r="http://schemas.openxmlformats.org/officeDocument/2006/relationships" xmlns:p="http://schemas.openxmlformats.org/presentationml/2006/main" showMasterSp="0" showMasterPhAnim="0">
   <p:cSld>
     <p:spTree>
@@ -1244,7 +1316,7 @@
 </p:notes>
 </file>
 
-<file path=ppt/notesSlides/notesSlide6.xml><?xml version="1.0" encoding="utf-8"?>
+<file path=ppt/notesSlides/notesSlide7.xml><?xml version="1.0" encoding="utf-8"?>
 <p:notes xmlns:a="http://schemas.openxmlformats.org/drawingml/2006/main" xmlns:r="http://schemas.openxmlformats.org/officeDocument/2006/relationships" xmlns:p="http://schemas.openxmlformats.org/presentationml/2006/main" showMasterSp="0" showMasterPhAnim="0">
   <p:cSld>
     <p:spTree>
@@ -1352,7 +1424,7 @@
 </p:notes>
 </file>
 
-<file path=ppt/notesSlides/notesSlide7.xml><?xml version="1.0" encoding="utf-8"?>
+<file path=ppt/notesSlides/notesSlide8.xml><?xml version="1.0" encoding="utf-8"?>
 <p:notes xmlns:a="http://schemas.openxmlformats.org/drawingml/2006/main" xmlns:r="http://schemas.openxmlformats.org/officeDocument/2006/relationships" xmlns:p="http://schemas.openxmlformats.org/presentationml/2006/main" showMasterSp="0" showMasterPhAnim="0">
   <p:cSld>
     <p:spTree>
@@ -1460,7 +1532,7 @@
 </p:notes>
 </file>
 
-<file path=ppt/notesSlides/notesSlide8.xml><?xml version="1.0" encoding="utf-8"?>
+<file path=ppt/notesSlides/notesSlide9.xml><?xml version="1.0" encoding="utf-8"?>
 <p:notes xmlns:a="http://schemas.openxmlformats.org/drawingml/2006/main" xmlns:r="http://schemas.openxmlformats.org/officeDocument/2006/relationships" xmlns:p="http://schemas.openxmlformats.org/presentationml/2006/main" showMasterSp="0" showMasterPhAnim="0">
   <p:cSld>
     <p:spTree>
@@ -11241,7 +11313,7 @@
   <p:cSld>
     <p:spTree>
       <p:nvGrpSpPr>
-        <p:cNvPr id="1" name="Shape 79"/>
+        <p:cNvPr id="1" name=""/>
         <p:cNvGrpSpPr/>
         <p:nvPr/>
       </p:nvGrpSpPr>
@@ -11255,499 +11327,263 @@
       </p:grpSpPr>
       <p:sp>
         <p:nvSpPr>
-          <p:cNvPr id="80" name="Google Shape;80;p22"/>
-          <p:cNvSpPr txBox="1">
+          <p:cNvPr id="2" name="Title 1">
+            <a:extLst>
+              <a:ext uri="{FF2B5EF4-FFF2-40B4-BE49-F238E27FC236}">
+                <a16:creationId xmlns:a16="http://schemas.microsoft.com/office/drawing/2014/main" id="{642570BD-E5AC-45DD-86C6-7DE1D231DE9D}"/>
+              </a:ext>
+            </a:extLst>
+          </p:cNvPr>
+          <p:cNvSpPr>
             <a:spLocks noGrp="1"/>
           </p:cNvSpPr>
           <p:nvPr>
             <p:ph type="title"/>
           </p:nvPr>
         </p:nvSpPr>
-        <p:spPr>
-          <a:xfrm>
-            <a:off x="457200" y="274637"/>
-            <a:ext cx="8229600" cy="1143000"/>
-          </a:xfrm>
-          <a:prstGeom prst="rect">
-            <a:avLst/>
-          </a:prstGeom>
-          <a:noFill/>
-          <a:ln>
-            <a:noFill/>
-          </a:ln>
-        </p:spPr>
+        <p:spPr/>
         <p:txBody>
-          <a:bodyPr spcFirstLastPara="1" wrap="square" lIns="91425" tIns="45700" rIns="91425" bIns="45700" anchor="ctr" anchorCtr="0">
-            <a:noAutofit/>
-          </a:bodyPr>
+          <a:bodyPr/>
           <a:lstStyle/>
           <a:p>
-            <a:pPr marL="0" marR="0" lvl="0" indent="0" algn="ctr" rtl="0">
-              <a:spcBef>
-                <a:spcPts val="0"/>
-              </a:spcBef>
-              <a:spcAft>
-                <a:spcPts val="0"/>
-              </a:spcAft>
-              <a:buClr>
-                <a:schemeClr val="dk1"/>
-              </a:buClr>
-              <a:buFont typeface="Calibri"/>
+            <a:pPr indent="0">
               <a:buNone/>
             </a:pPr>
             <a:r>
-              <a:rPr lang="en" sz="4400" b="0" i="0" u="none" strike="noStrike" cap="none">
-                <a:solidFill>
-                  <a:schemeClr val="dk1"/>
-                </a:solidFill>
-                <a:latin typeface="Calibri"/>
-                <a:ea typeface="Calibri"/>
-                <a:cs typeface="Calibri"/>
-                <a:sym typeface="Calibri"/>
-              </a:rPr>
-              <a:t>From IBAMR FAQ</a:t>
-            </a:r>
-            <a:endParaRPr sz="4400" b="0" i="0" u="none" strike="noStrike" cap="none">
-              <a:solidFill>
-                <a:schemeClr val="dk1"/>
-              </a:solidFill>
-              <a:latin typeface="Calibri"/>
-              <a:ea typeface="Calibri"/>
-              <a:cs typeface="Calibri"/>
-              <a:sym typeface="Calibri"/>
-            </a:endParaRPr>
+              <a:rPr lang="en-US" dirty="0" err="1"/>
+              <a:t>update_Target_Point_Positions</a:t>
+            </a:r>
+            <a:endParaRPr lang="en-US" dirty="0"/>
           </a:p>
         </p:txBody>
       </p:sp>
       <p:sp>
         <p:nvSpPr>
-          <p:cNvPr id="81" name="Google Shape;81;p22"/>
-          <p:cNvSpPr txBox="1">
+          <p:cNvPr id="3" name="Text Placeholder 2">
+            <a:extLst>
+              <a:ext uri="{FF2B5EF4-FFF2-40B4-BE49-F238E27FC236}">
+                <a16:creationId xmlns:a16="http://schemas.microsoft.com/office/drawing/2014/main" id="{553D304D-F071-4F00-9316-4F24756DA345}"/>
+              </a:ext>
+            </a:extLst>
+          </p:cNvPr>
+          <p:cNvSpPr>
             <a:spLocks noGrp="1"/>
           </p:cNvSpPr>
           <p:nvPr>
             <p:ph type="body" idx="1"/>
           </p:nvPr>
         </p:nvSpPr>
-        <p:spPr>
-          <a:xfrm>
-            <a:off x="457200" y="1600200"/>
-            <a:ext cx="8229600" cy="4800600"/>
-          </a:xfrm>
-          <a:prstGeom prst="rect">
-            <a:avLst/>
-          </a:prstGeom>
-          <a:noFill/>
-          <a:ln>
-            <a:noFill/>
-          </a:ln>
-        </p:spPr>
+        <p:spPr/>
         <p:txBody>
-          <a:bodyPr spcFirstLastPara="1" wrap="square" lIns="91425" tIns="45700" rIns="91425" bIns="45700" anchor="t" anchorCtr="0">
-            <a:noAutofit/>
-          </a:bodyPr>
+          <a:bodyPr/>
           <a:lstStyle/>
           <a:p>
-            <a:pPr marL="0" marR="0" lvl="0" indent="0" algn="l" rtl="0">
-              <a:lnSpc>
-                <a:spcPct val="80000"/>
-              </a:lnSpc>
-              <a:spcBef>
-                <a:spcPts val="640"/>
-              </a:spcBef>
-              <a:spcAft>
-                <a:spcPts val="0"/>
-              </a:spcAft>
-              <a:buClr>
-                <a:schemeClr val="dk1"/>
-              </a:buClr>
-              <a:buSzPts val="1100"/>
-              <a:buFont typeface="Calibri"/>
-              <a:buChar char="●"/>
+            <a:pPr marL="139700" indent="0">
+              <a:buNone/>
             </a:pPr>
             <a:r>
-              <a:rPr lang="en" sz="1600" b="0" i="0" u="none" strike="noStrike" cap="none" dirty="0">
-                <a:solidFill>
-                  <a:schemeClr val="dk1"/>
-                </a:solidFill>
-                <a:latin typeface="Calibri"/>
-                <a:ea typeface="Calibri"/>
-                <a:cs typeface="Calibri"/>
-                <a:sym typeface="Calibri"/>
-              </a:rPr>
-              <a:t> There is a routine (update_target_point_positions) that loops over the local IB points (i.e., the IB points that are "local to the processor"). The pseudo-code is roughly:</a:t>
-            </a:r>
-            <a:endParaRPr sz="1600" b="0" i="0" u="none" strike="noStrike" cap="none" dirty="0">
-              <a:solidFill>
-                <a:schemeClr val="dk1"/>
-              </a:solidFill>
-              <a:latin typeface="Calibri"/>
-              <a:ea typeface="Calibri"/>
-              <a:cs typeface="Calibri"/>
-              <a:sym typeface="Calibri"/>
+              <a:rPr lang="en-US" sz="1800" b="0" i="0" dirty="0">
+                <a:solidFill>
+                  <a:srgbClr val="028009"/>
+                </a:solidFill>
+                <a:effectLst/>
+                <a:latin typeface="Menlo"/>
+              </a:rPr>
+              <a:t>% PUMPING PARAMETERS</a:t>
+            </a:r>
+            <a:endParaRPr lang="en-US" sz="1800" b="0" i="0" dirty="0">
+              <a:effectLst/>
+              <a:latin typeface="Menlo"/>
             </a:endParaRPr>
           </a:p>
           <a:p>
-            <a:pPr marL="0" marR="0" lvl="0" indent="0" algn="l" rtl="0">
-              <a:spcBef>
-                <a:spcPts val="640"/>
-              </a:spcBef>
-              <a:spcAft>
-                <a:spcPts val="0"/>
-              </a:spcAft>
+            <a:pPr marL="139700" indent="0">
               <a:buNone/>
             </a:pPr>
-            <a:endParaRPr sz="1600" b="0" i="0" u="none" strike="noStrike" cap="none" dirty="0">
-              <a:solidFill>
-                <a:schemeClr val="dk1"/>
-              </a:solidFill>
-              <a:latin typeface="Calibri"/>
-              <a:ea typeface="Calibri"/>
-              <a:cs typeface="Calibri"/>
-              <a:sym typeface="Calibri"/>
+            <a:r>
+              <a:rPr lang="en-US" sz="1800" b="0" i="0" dirty="0">
+                <a:solidFill>
+                  <a:srgbClr val="028009"/>
+                </a:solidFill>
+                <a:effectLst/>
+                <a:latin typeface="Menlo"/>
+              </a:rPr>
+              <a:t>%</a:t>
+            </a:r>
+            <a:endParaRPr lang="en-US" sz="1800" b="0" i="0" dirty="0">
+              <a:effectLst/>
+              <a:latin typeface="Menlo"/>
             </a:endParaRPr>
           </a:p>
           <a:p>
-            <a:pPr marL="0" marR="0" lvl="0" indent="0" algn="l" rtl="0">
-              <a:lnSpc>
-                <a:spcPct val="80000"/>
-              </a:lnSpc>
-              <a:spcBef>
-                <a:spcPts val="640"/>
-              </a:spcBef>
-              <a:spcAft>
-                <a:spcPts val="0"/>
-              </a:spcAft>
-              <a:buClr>
-                <a:schemeClr val="dk1"/>
-              </a:buClr>
-              <a:buFont typeface="Calibri"/>
+            <a:pPr marL="139700" indent="0">
               <a:buNone/>
             </a:pPr>
             <a:r>
-              <a:rPr lang="en" sz="1600" b="0" i="0" u="none" strike="noStrike" cap="none" dirty="0">
-                <a:solidFill>
-                  <a:schemeClr val="dk1"/>
-                </a:solidFill>
-                <a:latin typeface="Calibri"/>
-                <a:ea typeface="Calibri"/>
-                <a:cs typeface="Calibri"/>
-                <a:sym typeface="Calibri"/>
-              </a:rPr>
-              <a:t> for each local IB point</a:t>
-            </a:r>
-            <a:br>
-              <a:rPr lang="en" sz="1600" b="0" i="0" u="none" strike="noStrike" cap="none" dirty="0">
-                <a:solidFill>
-                  <a:schemeClr val="dk1"/>
-                </a:solidFill>
-                <a:latin typeface="Calibri"/>
-                <a:ea typeface="Calibri"/>
-                <a:cs typeface="Calibri"/>
-                <a:sym typeface="Calibri"/>
-              </a:rPr>
-            </a:br>
-            <a:r>
-              <a:rPr lang="en" sz="1600" b="0" i="0" u="none" strike="noStrike" cap="none" dirty="0">
-                <a:solidFill>
-                  <a:schemeClr val="dk1"/>
-                </a:solidFill>
-                <a:latin typeface="Calibri"/>
-                <a:ea typeface="Calibri"/>
-                <a:cs typeface="Calibri"/>
-                <a:sym typeface="Calibri"/>
-              </a:rPr>
-              <a:t> {</a:t>
-            </a:r>
-            <a:br>
-              <a:rPr lang="en" sz="1600" b="0" i="0" u="none" strike="noStrike" cap="none" dirty="0">
-                <a:solidFill>
-                  <a:schemeClr val="dk1"/>
-                </a:solidFill>
-                <a:latin typeface="Calibri"/>
-                <a:ea typeface="Calibri"/>
-                <a:cs typeface="Calibri"/>
-                <a:sym typeface="Calibri"/>
-              </a:rPr>
-            </a:br>
-            <a:r>
-              <a:rPr lang="en" sz="1600" b="0" i="0" u="none" strike="noStrike" cap="none" dirty="0">
-                <a:solidFill>
-                  <a:schemeClr val="dk1"/>
-                </a:solidFill>
-                <a:latin typeface="Calibri"/>
-                <a:ea typeface="Calibri"/>
-                <a:cs typeface="Calibri"/>
-                <a:sym typeface="Calibri"/>
-              </a:rPr>
-              <a:t>     check to see if the point has a target point spec</a:t>
-            </a:r>
-            <a:br>
-              <a:rPr lang="en" sz="1600" b="0" i="0" u="none" strike="noStrike" cap="none" dirty="0">
-                <a:solidFill>
-                  <a:schemeClr val="dk1"/>
-                </a:solidFill>
-                <a:latin typeface="Calibri"/>
-                <a:ea typeface="Calibri"/>
-                <a:cs typeface="Calibri"/>
-                <a:sym typeface="Calibri"/>
-              </a:rPr>
-            </a:br>
-            <a:r>
-              <a:rPr lang="en" sz="1600" b="0" i="0" u="none" strike="noStrike" cap="none" dirty="0">
-                <a:solidFill>
-                  <a:schemeClr val="dk1"/>
-                </a:solidFill>
-                <a:latin typeface="Calibri"/>
-                <a:ea typeface="Calibri"/>
-                <a:cs typeface="Calibri"/>
-                <a:sym typeface="Calibri"/>
-              </a:rPr>
-              <a:t>     if yes: update the material properties w/that target spec</a:t>
-            </a:r>
-            <a:br>
-              <a:rPr lang="en" sz="1600" b="0" i="0" u="none" strike="noStrike" cap="none" dirty="0">
-                <a:solidFill>
-                  <a:schemeClr val="dk1"/>
-                </a:solidFill>
-                <a:latin typeface="Calibri"/>
-                <a:ea typeface="Calibri"/>
-                <a:cs typeface="Calibri"/>
-                <a:sym typeface="Calibri"/>
-              </a:rPr>
-            </a:br>
-            <a:r>
-              <a:rPr lang="en" sz="1600" b="0" i="0" u="none" strike="noStrike" cap="none" dirty="0">
-                <a:solidFill>
-                  <a:schemeClr val="dk1"/>
-                </a:solidFill>
-                <a:latin typeface="Calibri"/>
-                <a:ea typeface="Calibri"/>
-                <a:cs typeface="Calibri"/>
-                <a:sym typeface="Calibri"/>
-              </a:rPr>
-              <a:t> } </a:t>
-            </a:r>
-            <a:endParaRPr sz="1600" b="0" i="0" u="none" strike="noStrike" cap="none" dirty="0">
-              <a:solidFill>
-                <a:schemeClr val="dk1"/>
-              </a:solidFill>
-              <a:latin typeface="Calibri"/>
-              <a:ea typeface="Calibri"/>
-              <a:cs typeface="Calibri"/>
-              <a:sym typeface="Calibri"/>
+              <a:rPr lang="en-US" sz="1800" b="0" i="0" dirty="0" err="1">
+                <a:effectLst/>
+                <a:latin typeface="Menlo"/>
+              </a:rPr>
+              <a:t>freq</a:t>
+            </a:r>
+            <a:r>
+              <a:rPr lang="en-US" sz="1800" b="0" i="0" dirty="0">
+                <a:effectLst/>
+                <a:latin typeface="Menlo"/>
+              </a:rPr>
+              <a:t> = 2; </a:t>
+            </a:r>
+            <a:r>
+              <a:rPr lang="en-US" sz="1800" b="0" i="0" dirty="0">
+                <a:solidFill>
+                  <a:srgbClr val="028009"/>
+                </a:solidFill>
+                <a:effectLst/>
+                <a:latin typeface="Menlo"/>
+              </a:rPr>
+              <a:t>% pumping frequency</a:t>
+            </a:r>
+            <a:endParaRPr lang="en-US" sz="1800" b="0" i="0" dirty="0">
+              <a:effectLst/>
+              <a:latin typeface="Menlo"/>
             </a:endParaRPr>
           </a:p>
           <a:p>
-            <a:pPr marL="0" marR="0" lvl="0" indent="0" algn="l" rtl="0">
-              <a:spcBef>
-                <a:spcPts val="640"/>
-              </a:spcBef>
-              <a:spcAft>
-                <a:spcPts val="0"/>
-              </a:spcAft>
+            <a:pPr marL="139700" indent="0">
               <a:buNone/>
             </a:pPr>
-            <a:endParaRPr sz="1600" b="0" i="0" u="none" strike="noStrike" cap="none" dirty="0">
-              <a:solidFill>
-                <a:schemeClr val="dk1"/>
-              </a:solidFill>
-              <a:latin typeface="Calibri"/>
-              <a:ea typeface="Calibri"/>
-              <a:cs typeface="Calibri"/>
-              <a:sym typeface="Calibri"/>
+            <a:r>
+              <a:rPr lang="en-US" sz="1800" b="0" i="0" dirty="0">
+                <a:solidFill>
+                  <a:srgbClr val="028009"/>
+                </a:solidFill>
+                <a:effectLst/>
+                <a:latin typeface="Menlo"/>
+              </a:rPr>
+              <a:t>%G = 0.325; % vertical gap between teeth</a:t>
+            </a:r>
+            <a:endParaRPr lang="en-US" sz="1800" b="0" i="0" dirty="0">
+              <a:effectLst/>
+              <a:latin typeface="Menlo"/>
             </a:endParaRPr>
           </a:p>
           <a:p>
-            <a:pPr marL="0" marR="0" lvl="0" indent="0" algn="l" rtl="0">
-              <a:lnSpc>
-                <a:spcPct val="80000"/>
-              </a:lnSpc>
-              <a:spcBef>
-                <a:spcPts val="640"/>
-              </a:spcBef>
-              <a:spcAft>
-                <a:spcPts val="0"/>
-              </a:spcAft>
-              <a:buClr>
-                <a:schemeClr val="dk1"/>
-              </a:buClr>
-              <a:buSzPts val="1100"/>
-              <a:buFont typeface="Calibri"/>
-              <a:buChar char="●"/>
+            <a:pPr marL="139700" indent="0">
+              <a:buNone/>
             </a:pPr>
             <a:r>
-              <a:rPr lang="en" sz="1600" dirty="0"/>
-              <a:t> </a:t>
-            </a:r>
-            <a:r>
-              <a:rPr lang="en" sz="1600" b="0" i="0" u="none" strike="noStrike" cap="none" dirty="0">
-                <a:solidFill>
-                  <a:schemeClr val="dk1"/>
-                </a:solidFill>
-                <a:latin typeface="Calibri"/>
-                <a:ea typeface="Calibri"/>
-                <a:cs typeface="Calibri"/>
-                <a:sym typeface="Calibri"/>
-              </a:rPr>
-              <a:t>The properties for the target points are stored in IBTargetPointForceSpec objects. Functionality has been added to the most recent IBAMR versions to simplify the code required to access these objects. In particular, for each Lagrangian (IB) point, you can do:</a:t>
-            </a:r>
-            <a:endParaRPr sz="1600" b="0" i="0" u="none" strike="noStrike" cap="none" dirty="0">
-              <a:solidFill>
-                <a:schemeClr val="dk1"/>
-              </a:solidFill>
-              <a:latin typeface="Calibri"/>
-              <a:ea typeface="Calibri"/>
-              <a:cs typeface="Calibri"/>
-              <a:sym typeface="Calibri"/>
+              <a:rPr lang="en-US" sz="1800" b="0" i="0" dirty="0">
+                <a:solidFill>
+                  <a:srgbClr val="028009"/>
+                </a:solidFill>
+                <a:effectLst/>
+                <a:latin typeface="Menlo"/>
+              </a:rPr>
+              <a:t>%occ = 0.95; % occlusion total</a:t>
+            </a:r>
+            <a:endParaRPr lang="en-US" sz="1800" b="0" i="0" dirty="0">
+              <a:effectLst/>
+              <a:latin typeface="Menlo"/>
             </a:endParaRPr>
           </a:p>
           <a:p>
-            <a:pPr marL="0" marR="0" lvl="0" indent="0" algn="l" rtl="0">
-              <a:spcBef>
-                <a:spcPts val="640"/>
-              </a:spcBef>
-              <a:spcAft>
-                <a:spcPts val="0"/>
-              </a:spcAft>
+            <a:pPr marL="139700" indent="0">
               <a:buNone/>
             </a:pPr>
-            <a:endParaRPr sz="1600" b="0" i="0" u="none" strike="noStrike" cap="none" dirty="0">
-              <a:solidFill>
-                <a:schemeClr val="dk1"/>
-              </a:solidFill>
-              <a:latin typeface="Calibri"/>
-              <a:ea typeface="Calibri"/>
-              <a:cs typeface="Calibri"/>
-              <a:sym typeface="Calibri"/>
+            <a:r>
+              <a:rPr lang="en-US" sz="1800" b="0" i="0" dirty="0">
+                <a:effectLst/>
+                <a:latin typeface="Menlo"/>
+              </a:rPr>
+              <a:t>a = 0.337; </a:t>
+            </a:r>
+            <a:r>
+              <a:rPr lang="en-US" sz="1800" b="0" i="0" dirty="0">
+                <a:solidFill>
+                  <a:srgbClr val="028009"/>
+                </a:solidFill>
+                <a:effectLst/>
+                <a:latin typeface="Menlo"/>
+              </a:rPr>
+              <a:t>% total vertical distance pump travels</a:t>
+            </a:r>
+            <a:endParaRPr lang="en-US" sz="1800" b="0" i="0" dirty="0">
+              <a:effectLst/>
+              <a:latin typeface="Menlo"/>
             </a:endParaRPr>
           </a:p>
           <a:p>
-            <a:pPr marL="0" marR="0" lvl="0" indent="0" algn="l" rtl="0">
-              <a:lnSpc>
-                <a:spcPct val="80000"/>
-              </a:lnSpc>
-              <a:spcBef>
-                <a:spcPts val="640"/>
-              </a:spcBef>
-              <a:spcAft>
-                <a:spcPts val="0"/>
-              </a:spcAft>
-              <a:buClr>
-                <a:schemeClr val="dk1"/>
-              </a:buClr>
-              <a:buFont typeface="Calibri"/>
+            <a:pPr marL="139700" indent="0">
               <a:buNone/>
             </a:pPr>
             <a:r>
-              <a:rPr lang="en" sz="1600" b="0" i="0" u="none" strike="noStrike" cap="none" dirty="0">
-                <a:solidFill>
-                  <a:schemeClr val="dk1"/>
-                </a:solidFill>
-                <a:latin typeface="Calibri"/>
-                <a:ea typeface="Calibri"/>
-                <a:cs typeface="Calibri"/>
-                <a:sym typeface="Calibri"/>
-              </a:rPr>
-              <a:t> tbox::Pointer&lt;T&gt; spec = node_idx.getStashData&lt;T&gt;();</a:t>
-            </a:r>
-            <a:endParaRPr sz="1600" b="0" i="0" u="none" strike="noStrike" cap="none" dirty="0">
-              <a:solidFill>
-                <a:schemeClr val="dk1"/>
-              </a:solidFill>
-              <a:latin typeface="Calibri"/>
-              <a:ea typeface="Calibri"/>
-              <a:cs typeface="Calibri"/>
-              <a:sym typeface="Calibri"/>
+              <a:rPr lang="en-US" sz="1800" b="0" i="0" dirty="0" err="1">
+                <a:effectLst/>
+                <a:latin typeface="Menlo"/>
+              </a:rPr>
+              <a:t>N_top</a:t>
+            </a:r>
+            <a:r>
+              <a:rPr lang="en-US" sz="1800" b="0" i="0" dirty="0">
+                <a:effectLst/>
+                <a:latin typeface="Menlo"/>
+              </a:rPr>
+              <a:t> = 3276; </a:t>
+            </a:r>
+            <a:r>
+              <a:rPr lang="en-US" sz="1800" b="0" i="0" dirty="0">
+                <a:solidFill>
+                  <a:srgbClr val="028009"/>
+                </a:solidFill>
+                <a:effectLst/>
+                <a:latin typeface="Menlo"/>
+              </a:rPr>
+              <a:t>% # of points along top</a:t>
+            </a:r>
+          </a:p>
+          <a:p>
+            <a:pPr marL="139700" indent="0">
+              <a:buNone/>
+            </a:pPr>
+            <a:endParaRPr lang="en-US" sz="1800" b="0" i="0" dirty="0">
+              <a:effectLst/>
+              <a:latin typeface="Menlo"/>
             </a:endParaRPr>
           </a:p>
           <a:p>
-            <a:pPr marL="0" marR="0" lvl="0" indent="0" algn="l" rtl="0">
-              <a:spcBef>
-                <a:spcPts val="640"/>
-              </a:spcBef>
-              <a:spcAft>
-                <a:spcPts val="0"/>
-              </a:spcAft>
-              <a:buNone/>
-            </a:pPr>
-            <a:endParaRPr sz="1600" b="0" i="0" u="none" strike="noStrike" cap="none" dirty="0">
-              <a:solidFill>
-                <a:schemeClr val="dk1"/>
-              </a:solidFill>
-              <a:latin typeface="Calibri"/>
-              <a:ea typeface="Calibri"/>
-              <a:cs typeface="Calibri"/>
-              <a:sym typeface="Calibri"/>
-            </a:endParaRPr>
-          </a:p>
-          <a:p>
-            <a:pPr marL="0" marR="0" lvl="0" indent="0" algn="l" rtl="0">
-              <a:lnSpc>
-                <a:spcPct val="80000"/>
-              </a:lnSpc>
-              <a:spcBef>
-                <a:spcPts val="640"/>
-              </a:spcBef>
-              <a:spcAft>
-                <a:spcPts val="0"/>
-              </a:spcAft>
-              <a:buClr>
-                <a:schemeClr val="dk1"/>
-              </a:buClr>
-              <a:buSzPts val="1100"/>
-              <a:buFont typeface="Calibri"/>
-              <a:buChar char="●"/>
-            </a:pPr>
-            <a:r>
-              <a:rPr lang="en" sz="1600" dirty="0"/>
-              <a:t> </a:t>
-            </a:r>
-            <a:r>
-              <a:rPr lang="en" sz="1600" b="0" i="0" u="none" strike="noStrike" cap="none" dirty="0">
-                <a:solidFill>
-                  <a:schemeClr val="dk1"/>
-                </a:solidFill>
-                <a:latin typeface="Calibri"/>
-                <a:ea typeface="Calibri"/>
-                <a:cs typeface="Calibri"/>
-                <a:sym typeface="Calibri"/>
-              </a:rPr>
-              <a:t>to get a pointer to any object of type T that is associated with the Lagrangian point.</a:t>
-            </a:r>
-            <a:endParaRPr sz="1600" b="0" i="0" u="none" strike="noStrike" cap="none" dirty="0">
-              <a:solidFill>
-                <a:schemeClr val="dk1"/>
-              </a:solidFill>
-              <a:latin typeface="Calibri"/>
-              <a:ea typeface="Calibri"/>
-              <a:cs typeface="Calibri"/>
-              <a:sym typeface="Calibri"/>
-            </a:endParaRPr>
-          </a:p>
-          <a:p>
-            <a:pPr marL="0" marR="0" lvl="0" indent="0" algn="l" rtl="0">
-              <a:spcBef>
-                <a:spcPts val="640"/>
-              </a:spcBef>
-              <a:spcAft>
-                <a:spcPts val="0"/>
-              </a:spcAft>
-              <a:buNone/>
-            </a:pPr>
-            <a:endParaRPr sz="1600" b="0" i="0" u="none" strike="noStrike" cap="none" dirty="0">
-              <a:solidFill>
-                <a:schemeClr val="dk1"/>
-              </a:solidFill>
-              <a:latin typeface="Calibri"/>
-              <a:ea typeface="Calibri"/>
-              <a:cs typeface="Calibri"/>
-              <a:sym typeface="Calibri"/>
-            </a:endParaRPr>
+            <a:r>
+              <a:rPr lang="en-US" sz="2000" dirty="0"/>
+              <a:t>You need to update </a:t>
+            </a:r>
+            <a:r>
+              <a:rPr lang="en-US" sz="2000" dirty="0" err="1"/>
+              <a:t>N_top</a:t>
+            </a:r>
+            <a:r>
+              <a:rPr lang="en-US" sz="2000" dirty="0"/>
+              <a:t> if you change the resolution or geometry.</a:t>
+            </a:r>
+          </a:p>
+          <a:p>
+            <a:r>
+              <a:rPr lang="en-US" sz="2000" dirty="0"/>
+              <a:t>You may also need to change a, the total vertical distance the pump travels. </a:t>
+            </a:r>
+          </a:p>
+          <a:p>
+            <a:r>
+              <a:rPr lang="en-US" sz="2000" dirty="0"/>
+              <a:t>The gap is 0.325, and the pump will move down by a/2. Make sure the top and bottom don’t collide.</a:t>
+            </a:r>
           </a:p>
         </p:txBody>
       </p:sp>
     </p:spTree>
+    <p:extLst>
+      <p:ext uri="{BB962C8B-B14F-4D97-AF65-F5344CB8AC3E}">
+        <p14:creationId xmlns:p14="http://schemas.microsoft.com/office/powerpoint/2010/main" val="2970281585"/>
+      </p:ext>
+    </p:extLst>
   </p:cSld>
   <p:clrMapOvr>
     <a:masterClrMapping/>
@@ -11760,7 +11596,7 @@
   <p:cSld>
     <p:spTree>
       <p:nvGrpSpPr>
-        <p:cNvPr id="1" name="Shape 85"/>
+        <p:cNvPr id="1" name=""/>
         <p:cNvGrpSpPr/>
         <p:nvPr/>
       </p:nvGrpSpPr>
@@ -11774,74 +11610,46 @@
       </p:grpSpPr>
       <p:sp>
         <p:nvSpPr>
-          <p:cNvPr id="86" name="Google Shape;86;p23"/>
-          <p:cNvSpPr txBox="1">
+          <p:cNvPr id="2" name="Title 1">
+            <a:extLst>
+              <a:ext uri="{FF2B5EF4-FFF2-40B4-BE49-F238E27FC236}">
+                <a16:creationId xmlns:a16="http://schemas.microsoft.com/office/drawing/2014/main" id="{82020945-5CD8-442F-8E00-6264200D0A5B}"/>
+              </a:ext>
+            </a:extLst>
+          </p:cNvPr>
+          <p:cNvSpPr>
             <a:spLocks noGrp="1"/>
           </p:cNvSpPr>
           <p:nvPr>
             <p:ph type="title"/>
           </p:nvPr>
         </p:nvSpPr>
-        <p:spPr>
-          <a:xfrm>
-            <a:off x="457200" y="274637"/>
-            <a:ext cx="8229600" cy="1143000"/>
-          </a:xfrm>
-          <a:prstGeom prst="rect">
-            <a:avLst/>
-          </a:prstGeom>
-          <a:noFill/>
-          <a:ln>
-            <a:noFill/>
-          </a:ln>
-        </p:spPr>
+        <p:spPr/>
         <p:txBody>
-          <a:bodyPr spcFirstLastPara="1" wrap="square" lIns="91425" tIns="45700" rIns="91425" bIns="45700" anchor="ctr" anchorCtr="0">
-            <a:noAutofit/>
-          </a:bodyPr>
+          <a:bodyPr/>
           <a:lstStyle/>
           <a:p>
-            <a:pPr marL="0" marR="0" lvl="0" indent="0" algn="ctr" rtl="0">
-              <a:spcBef>
-                <a:spcPts val="0"/>
-              </a:spcBef>
-              <a:spcAft>
-                <a:spcPts val="0"/>
-              </a:spcAft>
-              <a:buClr>
-                <a:schemeClr val="dk1"/>
-              </a:buClr>
-              <a:buFont typeface="Calibri"/>
+            <a:pPr indent="0">
               <a:buNone/>
             </a:pPr>
             <a:r>
-              <a:rPr lang="en" sz="4400" b="0" i="0" u="none" strike="noStrike" cap="none">
-                <a:solidFill>
-                  <a:schemeClr val="dk1"/>
-                </a:solidFill>
-                <a:latin typeface="Calibri"/>
-                <a:ea typeface="Calibri"/>
-                <a:cs typeface="Calibri"/>
-                <a:sym typeface="Calibri"/>
-              </a:rPr>
-              <a:t>update_target_positions.C</a:t>
-            </a:r>
-            <a:endParaRPr sz="4400" b="0" i="0" u="none" strike="noStrike" cap="none">
-              <a:solidFill>
-                <a:schemeClr val="dk1"/>
-              </a:solidFill>
-              <a:latin typeface="Calibri"/>
-              <a:ea typeface="Calibri"/>
-              <a:cs typeface="Calibri"/>
-              <a:sym typeface="Calibri"/>
-            </a:endParaRPr>
+              <a:rPr lang="en-US" dirty="0" err="1"/>
+              <a:t>update_Target_Point_Positions</a:t>
+            </a:r>
+            <a:endParaRPr lang="en-US" dirty="0"/>
           </a:p>
         </p:txBody>
       </p:sp>
       <p:sp>
         <p:nvSpPr>
-          <p:cNvPr id="87" name="Google Shape;87;p23"/>
-          <p:cNvSpPr txBox="1">
+          <p:cNvPr id="3" name="Text Placeholder 2">
+            <a:extLst>
+              <a:ext uri="{FF2B5EF4-FFF2-40B4-BE49-F238E27FC236}">
+                <a16:creationId xmlns:a16="http://schemas.microsoft.com/office/drawing/2014/main" id="{AA1FE109-9F50-4E94-8FFA-F28AFFAC45BD}"/>
+              </a:ext>
+            </a:extLst>
+          </p:cNvPr>
+          <p:cNvSpPr>
             <a:spLocks noGrp="1"/>
           </p:cNvSpPr>
           <p:nvPr>
@@ -11850,303 +11658,276 @@
         </p:nvSpPr>
         <p:spPr>
           <a:xfrm>
-            <a:off x="457200" y="1600200"/>
+            <a:off x="457200" y="1626704"/>
             <a:ext cx="8229600" cy="4525962"/>
           </a:xfrm>
-          <a:prstGeom prst="rect">
-            <a:avLst/>
-          </a:prstGeom>
-          <a:noFill/>
-          <a:ln>
-            <a:noFill/>
-          </a:ln>
         </p:spPr>
         <p:txBody>
-          <a:bodyPr spcFirstLastPara="1" wrap="square" lIns="91425" tIns="45700" rIns="91425" bIns="45700" anchor="t" anchorCtr="0">
-            <a:noAutofit/>
-          </a:bodyPr>
+          <a:bodyPr/>
           <a:lstStyle/>
           <a:p>
-            <a:pPr marL="0" marR="0" lvl="0" indent="0" algn="l" rtl="0">
-              <a:spcBef>
-                <a:spcPts val="640"/>
-              </a:spcBef>
-              <a:spcAft>
-                <a:spcPts val="0"/>
-              </a:spcAft>
-              <a:buClr>
-                <a:schemeClr val="dk1"/>
-              </a:buClr>
-              <a:buFont typeface="Calibri"/>
+            <a:pPr marL="139700" indent="0">
               <a:buNone/>
             </a:pPr>
             <a:r>
-              <a:rPr lang="en" sz="2000" b="0" i="0" u="none" strike="noStrike" cap="none">
-                <a:solidFill>
-                  <a:schemeClr val="dk1"/>
-                </a:solidFill>
-                <a:latin typeface="Calibri"/>
-                <a:ea typeface="Calibri"/>
-                <a:cs typeface="Calibri"/>
-                <a:sym typeface="Calibri"/>
-              </a:rPr>
-              <a:t>update_target_point_positions(</a:t>
-            </a:r>
-            <a:endParaRPr sz="1800" b="0" i="0" u="none" strike="noStrike" cap="none">
+              <a:rPr lang="en-US" sz="1800" b="0" i="0" dirty="0">
+                <a:solidFill>
+                  <a:srgbClr val="028009"/>
+                </a:solidFill>
+                <a:effectLst/>
+                <a:latin typeface="Menlo"/>
+              </a:rPr>
+              <a:t>% Create the pumping behavior</a:t>
+            </a:r>
+            <a:endParaRPr lang="en-US" sz="1800" b="0" i="0" dirty="0">
+              <a:effectLst/>
+              <a:latin typeface="Menlo"/>
+            </a:endParaRPr>
+          </a:p>
+          <a:p>
+            <a:pPr marL="139700" indent="0">
+              <a:buNone/>
+            </a:pPr>
+            <a:r>
+              <a:rPr lang="en-US" sz="1800" b="0" i="0" dirty="0">
+                <a:solidFill>
+                  <a:srgbClr val="028009"/>
+                </a:solidFill>
+                <a:effectLst/>
+                <a:latin typeface="Menlo"/>
+              </a:rPr>
+              <a:t>%</a:t>
+            </a:r>
+            <a:endParaRPr lang="en-US" sz="1800" b="0" i="0" dirty="0">
+              <a:effectLst/>
+              <a:latin typeface="Menlo"/>
+            </a:endParaRPr>
+          </a:p>
+          <a:p>
+            <a:pPr marL="139700" indent="0">
+              <a:buNone/>
+            </a:pPr>
+            <a:r>
+              <a:rPr lang="en-US" sz="1800" b="0" i="0" dirty="0">
+                <a:effectLst/>
+                <a:latin typeface="Menlo"/>
+              </a:rPr>
+              <a:t>targets(1:N_top,3) = </a:t>
+            </a:r>
+            <a:r>
+              <a:rPr lang="en-US" sz="1800" b="0" i="0" dirty="0" err="1">
+                <a:effectLst/>
+                <a:latin typeface="Menlo"/>
+              </a:rPr>
+              <a:t>yPTS</a:t>
+            </a:r>
+            <a:r>
+              <a:rPr lang="en-US" sz="1800" b="0" i="0" dirty="0">
+                <a:effectLst/>
+                <a:latin typeface="Menlo"/>
+              </a:rPr>
+              <a:t>(1:N_top) - (a/2)*sin( 2*pi*</a:t>
+            </a:r>
+            <a:r>
+              <a:rPr lang="en-US" sz="1800" b="0" i="0" dirty="0" err="1">
+                <a:effectLst/>
+                <a:latin typeface="Menlo"/>
+              </a:rPr>
+              <a:t>freq</a:t>
+            </a:r>
+            <a:r>
+              <a:rPr lang="en-US" sz="1800" b="0" i="0" dirty="0">
+                <a:effectLst/>
+                <a:latin typeface="Menlo"/>
+              </a:rPr>
+              <a:t>*</a:t>
+            </a:r>
+            <a:r>
+              <a:rPr lang="en-US" sz="1800" b="0" i="0" dirty="0" err="1">
+                <a:effectLst/>
+                <a:latin typeface="Menlo"/>
+              </a:rPr>
+              <a:t>current_time</a:t>
+            </a:r>
+            <a:r>
+              <a:rPr lang="en-US" sz="1800" b="0" i="0" dirty="0">
+                <a:effectLst/>
+                <a:latin typeface="Menlo"/>
+              </a:rPr>
+              <a:t> );</a:t>
+            </a:r>
+          </a:p>
+          <a:p>
+            <a:pPr marL="139700" indent="0">
+              <a:buNone/>
+            </a:pPr>
+            <a:endParaRPr lang="en-US" sz="2400" dirty="0"/>
+          </a:p>
+          <a:p>
+            <a:r>
+              <a:rPr lang="en-US" sz="2400" dirty="0"/>
+              <a:t>In this line, we are changing the y-positions of the target points.</a:t>
+            </a:r>
+          </a:p>
+          <a:p>
+            <a:r>
+              <a:rPr lang="en-US" sz="2400" dirty="0"/>
+              <a:t>Note we only change 1-N_top.</a:t>
+            </a:r>
+          </a:p>
+          <a:p>
+            <a:r>
+              <a:rPr lang="en-US" sz="2400" dirty="0"/>
+              <a:t>We shift the position from the original y-coordinate:</a:t>
+            </a:r>
+          </a:p>
+          <a:p>
+            <a:pPr marL="139700" indent="0">
+              <a:buNone/>
+            </a:pPr>
+            <a:r>
+              <a:rPr lang="en-US" sz="1800" b="0" i="0" dirty="0">
+                <a:effectLst/>
+                <a:latin typeface="Menlo"/>
+              </a:rPr>
+              <a:t>	</a:t>
+            </a:r>
+            <a:r>
+              <a:rPr lang="en-US" sz="1800" b="0" i="0" dirty="0" err="1">
+                <a:effectLst/>
+                <a:latin typeface="Menlo"/>
+              </a:rPr>
+              <a:t>yPTS</a:t>
+            </a:r>
+            <a:r>
+              <a:rPr lang="en-US" sz="1800" b="0" i="0" dirty="0">
+                <a:effectLst/>
+                <a:latin typeface="Menlo"/>
+              </a:rPr>
+              <a:t> = </a:t>
+            </a:r>
+            <a:r>
+              <a:rPr lang="en-US" sz="1800" b="0" i="0" dirty="0" err="1">
+                <a:effectLst/>
+                <a:latin typeface="Menlo"/>
+              </a:rPr>
+              <a:t>read_In_yPT_Positions</a:t>
+            </a:r>
+            <a:r>
+              <a:rPr lang="en-US" sz="1800" b="0" i="0" dirty="0">
+                <a:effectLst/>
+                <a:latin typeface="Menlo"/>
+              </a:rPr>
+              <a:t>(</a:t>
+            </a:r>
+            <a:r>
+              <a:rPr lang="en-US" sz="1800" b="0" i="0" dirty="0">
+                <a:solidFill>
+                  <a:srgbClr val="AA04F9"/>
+                </a:solidFill>
+                <a:effectLst/>
+                <a:latin typeface="Menlo"/>
+              </a:rPr>
+              <a:t>'</a:t>
+            </a:r>
+            <a:r>
+              <a:rPr lang="en-US" sz="1800" b="0" i="0" dirty="0" err="1">
+                <a:solidFill>
+                  <a:srgbClr val="AA04F9"/>
+                </a:solidFill>
+                <a:effectLst/>
+                <a:latin typeface="Menlo"/>
+              </a:rPr>
+              <a:t>sawtooth.vertex</a:t>
+            </a:r>
+            <a:r>
+              <a:rPr lang="en-US" sz="1800" b="0" i="0" dirty="0">
+                <a:solidFill>
+                  <a:srgbClr val="AA04F9"/>
+                </a:solidFill>
+                <a:effectLst/>
+                <a:latin typeface="Menlo"/>
+              </a:rPr>
+              <a:t>’</a:t>
+            </a:r>
+            <a:r>
+              <a:rPr lang="en-US" sz="1800" b="0" i="0" dirty="0">
+                <a:effectLst/>
+                <a:latin typeface="Menlo"/>
+              </a:rPr>
+              <a:t>);</a:t>
+            </a:r>
+            <a:endParaRPr lang="en-US" dirty="0"/>
+          </a:p>
+          <a:p>
+            <a:r>
+              <a:rPr lang="en-US" sz="2400" dirty="0"/>
+              <a:t>The shift is </a:t>
+            </a:r>
+            <a:r>
+              <a:rPr lang="en-US" sz="2400" b="0" i="0" dirty="0">
+                <a:solidFill>
+                  <a:srgbClr val="00B050"/>
+                </a:solidFill>
+                <a:effectLst/>
+                <a:latin typeface="Menlo"/>
+              </a:rPr>
+              <a:t>- (a/2)*sin( 2*pi*</a:t>
+            </a:r>
+            <a:r>
+              <a:rPr lang="en-US" sz="2400" b="0" i="0" dirty="0" err="1">
+                <a:solidFill>
+                  <a:srgbClr val="00B050"/>
+                </a:solidFill>
+                <a:effectLst/>
+                <a:latin typeface="Menlo"/>
+              </a:rPr>
+              <a:t>freq</a:t>
+            </a:r>
+            <a:r>
+              <a:rPr lang="en-US" sz="2400" b="0" i="0" dirty="0">
+                <a:solidFill>
+                  <a:srgbClr val="00B050"/>
+                </a:solidFill>
+                <a:effectLst/>
+                <a:latin typeface="Menlo"/>
+              </a:rPr>
+              <a:t>*</a:t>
+            </a:r>
+            <a:r>
+              <a:rPr lang="en-US" sz="2400" b="0" i="0" dirty="0" err="1">
+                <a:solidFill>
+                  <a:srgbClr val="00B050"/>
+                </a:solidFill>
+                <a:effectLst/>
+                <a:latin typeface="Menlo"/>
+              </a:rPr>
+              <a:t>current_time</a:t>
+            </a:r>
+            <a:r>
+              <a:rPr lang="en-US" sz="2400" b="0" i="0" dirty="0">
+                <a:solidFill>
+                  <a:srgbClr val="00B050"/>
+                </a:solidFill>
+                <a:effectLst/>
+                <a:latin typeface="Menlo"/>
+              </a:rPr>
+              <a:t> );</a:t>
+            </a:r>
+            <a:endParaRPr lang="en-US" sz="2400" dirty="0">
               <a:solidFill>
-                <a:schemeClr val="dk1"/>
+                <a:srgbClr val="00B050"/>
               </a:solidFill>
-              <a:latin typeface="Calibri"/>
-              <a:ea typeface="Calibri"/>
-              <a:cs typeface="Calibri"/>
-              <a:sym typeface="Calibri"/>
-            </a:endParaRPr>
-          </a:p>
-          <a:p>
-            <a:pPr marL="0" marR="0" lvl="0" indent="0" algn="l" rtl="0">
-              <a:spcBef>
-                <a:spcPts val="640"/>
-              </a:spcBef>
-              <a:spcAft>
-                <a:spcPts val="0"/>
-              </a:spcAft>
-              <a:buClr>
-                <a:schemeClr val="dk1"/>
-              </a:buClr>
-              <a:buFont typeface="Calibri"/>
-              <a:buNone/>
-            </a:pPr>
-            <a:r>
-              <a:rPr lang="en" sz="2000" b="0" i="0" u="none" strike="noStrike" cap="none">
-                <a:solidFill>
-                  <a:schemeClr val="dk1"/>
-                </a:solidFill>
-                <a:latin typeface="Calibri"/>
-                <a:ea typeface="Calibri"/>
-                <a:cs typeface="Calibri"/>
-                <a:sym typeface="Calibri"/>
-              </a:rPr>
-              <a:t>    tbox::Pointer&lt;hier::PatchHierarchy&lt;NDIM&gt; &gt; hierarchy,</a:t>
-            </a:r>
-            <a:endParaRPr sz="1800" b="0" i="0" u="none" strike="noStrike" cap="none">
-              <a:solidFill>
-                <a:schemeClr val="dk1"/>
-              </a:solidFill>
-              <a:latin typeface="Calibri"/>
-              <a:ea typeface="Calibri"/>
-              <a:cs typeface="Calibri"/>
-              <a:sym typeface="Calibri"/>
-            </a:endParaRPr>
-          </a:p>
-          <a:p>
-            <a:pPr marL="0" marR="0" lvl="0" indent="0" algn="l" rtl="0">
-              <a:spcBef>
-                <a:spcPts val="640"/>
-              </a:spcBef>
-              <a:spcAft>
-                <a:spcPts val="0"/>
-              </a:spcAft>
-              <a:buClr>
-                <a:schemeClr val="dk1"/>
-              </a:buClr>
-              <a:buFont typeface="Calibri"/>
-              <a:buNone/>
-            </a:pPr>
-            <a:r>
-              <a:rPr lang="en" sz="2000" b="0" i="0" u="none" strike="noStrike" cap="none">
-                <a:solidFill>
-                  <a:schemeClr val="dk1"/>
-                </a:solidFill>
-                <a:latin typeface="Calibri"/>
-                <a:ea typeface="Calibri"/>
-                <a:cs typeface="Calibri"/>
-                <a:sym typeface="Calibri"/>
-              </a:rPr>
-              <a:t>    LDataManager* const l_data_manager,</a:t>
-            </a:r>
-            <a:endParaRPr sz="1800" b="0" i="0" u="none" strike="noStrike" cap="none">
-              <a:solidFill>
-                <a:schemeClr val="dk1"/>
-              </a:solidFill>
-              <a:latin typeface="Calibri"/>
-              <a:ea typeface="Calibri"/>
-              <a:cs typeface="Calibri"/>
-              <a:sym typeface="Calibri"/>
-            </a:endParaRPr>
-          </a:p>
-          <a:p>
-            <a:pPr marL="0" marR="0" lvl="0" indent="0" algn="l" rtl="0">
-              <a:spcBef>
-                <a:spcPts val="640"/>
-              </a:spcBef>
-              <a:spcAft>
-                <a:spcPts val="0"/>
-              </a:spcAft>
-              <a:buClr>
-                <a:schemeClr val="dk1"/>
-              </a:buClr>
-              <a:buFont typeface="Calibri"/>
-              <a:buNone/>
-            </a:pPr>
-            <a:r>
-              <a:rPr lang="en" sz="2000" b="0" i="0" u="none" strike="noStrike" cap="none">
-                <a:solidFill>
-                  <a:schemeClr val="dk1"/>
-                </a:solidFill>
-                <a:latin typeface="Calibri"/>
-                <a:ea typeface="Calibri"/>
-                <a:cs typeface="Calibri"/>
-                <a:sym typeface="Calibri"/>
-              </a:rPr>
-              <a:t>    const double current_time,</a:t>
-            </a:r>
-            <a:endParaRPr sz="1800" b="0" i="0" u="none" strike="noStrike" cap="none">
-              <a:solidFill>
-                <a:schemeClr val="dk1"/>
-              </a:solidFill>
-              <a:latin typeface="Calibri"/>
-              <a:ea typeface="Calibri"/>
-              <a:cs typeface="Calibri"/>
-              <a:sym typeface="Calibri"/>
-            </a:endParaRPr>
-          </a:p>
-          <a:p>
-            <a:pPr marL="0" marR="0" lvl="0" indent="0" algn="l" rtl="0">
-              <a:spcBef>
-                <a:spcPts val="640"/>
-              </a:spcBef>
-              <a:spcAft>
-                <a:spcPts val="0"/>
-              </a:spcAft>
-              <a:buClr>
-                <a:schemeClr val="dk1"/>
-              </a:buClr>
-              <a:buFont typeface="Calibri"/>
-              <a:buNone/>
-            </a:pPr>
-            <a:r>
-              <a:rPr lang="en" sz="2000" b="0" i="0" u="none" strike="noStrike" cap="none">
-                <a:solidFill>
-                  <a:schemeClr val="dk1"/>
-                </a:solidFill>
-                <a:latin typeface="Calibri"/>
-                <a:ea typeface="Calibri"/>
-                <a:cs typeface="Calibri"/>
-                <a:sym typeface="Calibri"/>
-              </a:rPr>
-              <a:t>    const double dt)</a:t>
-            </a:r>
-            <a:endParaRPr sz="1800" b="0" i="0" u="none" strike="noStrike" cap="none">
-              <a:solidFill>
-                <a:schemeClr val="dk1"/>
-              </a:solidFill>
-              <a:latin typeface="Calibri"/>
-              <a:ea typeface="Calibri"/>
-              <a:cs typeface="Calibri"/>
-              <a:sym typeface="Calibri"/>
-            </a:endParaRPr>
-          </a:p>
-          <a:p>
-            <a:pPr marL="0" marR="0" lvl="0" indent="0" algn="l" rtl="0">
-              <a:spcBef>
-                <a:spcPts val="640"/>
-              </a:spcBef>
-              <a:spcAft>
-                <a:spcPts val="0"/>
-              </a:spcAft>
-              <a:buNone/>
-            </a:pPr>
-            <a:endParaRPr sz="2000"/>
-          </a:p>
-          <a:p>
-            <a:pPr marL="457200" marR="0" lvl="0" indent="-317500" algn="l" rtl="0">
-              <a:spcBef>
-                <a:spcPts val="640"/>
-              </a:spcBef>
-              <a:spcAft>
-                <a:spcPts val="0"/>
-              </a:spcAft>
-              <a:buSzPts val="1400"/>
-              <a:buChar char="●"/>
-            </a:pPr>
-            <a:r>
-              <a:rPr lang="en" sz="2000" b="0" i="0" u="none" strike="noStrike" cap="none">
-                <a:solidFill>
-                  <a:schemeClr val="dk1"/>
-                </a:solidFill>
-                <a:latin typeface="Calibri"/>
-                <a:ea typeface="Calibri"/>
-                <a:cs typeface="Calibri"/>
-                <a:sym typeface="Calibri"/>
-              </a:rPr>
-              <a:t>You have access to the current_time and time step (dt).</a:t>
-            </a:r>
-            <a:endParaRPr sz="1800" b="0" i="0" u="none" strike="noStrike" cap="none">
-              <a:solidFill>
-                <a:schemeClr val="dk1"/>
-              </a:solidFill>
-              <a:latin typeface="Calibri"/>
-              <a:ea typeface="Calibri"/>
-              <a:cs typeface="Calibri"/>
-              <a:sym typeface="Calibri"/>
-            </a:endParaRPr>
-          </a:p>
-          <a:p>
-            <a:pPr marL="457200" marR="0" lvl="0" indent="-317500" algn="l" rtl="0">
-              <a:spcBef>
-                <a:spcPts val="0"/>
-              </a:spcBef>
-              <a:spcAft>
-                <a:spcPts val="0"/>
-              </a:spcAft>
-              <a:buSzPts val="1400"/>
-              <a:buChar char="●"/>
-            </a:pPr>
-            <a:r>
-              <a:rPr lang="en" sz="2000" b="0" i="0" u="none" strike="noStrike" cap="none">
-                <a:solidFill>
-                  <a:schemeClr val="dk1"/>
-                </a:solidFill>
-                <a:latin typeface="Calibri"/>
-                <a:ea typeface="Calibri"/>
-                <a:cs typeface="Calibri"/>
-                <a:sym typeface="Calibri"/>
-              </a:rPr>
-              <a:t>You also have access to the patch hierarchy and can get the nodes the particular processor is working on.</a:t>
-            </a:r>
-            <a:endParaRPr sz="1800" b="0" i="0" u="none" strike="noStrike" cap="none">
-              <a:solidFill>
-                <a:schemeClr val="dk1"/>
-              </a:solidFill>
-              <a:latin typeface="Calibri"/>
-              <a:ea typeface="Calibri"/>
-              <a:cs typeface="Calibri"/>
-              <a:sym typeface="Calibri"/>
-            </a:endParaRPr>
-          </a:p>
-          <a:p>
-            <a:pPr marL="0" marR="0" lvl="0" indent="0" algn="l" rtl="0">
-              <a:spcBef>
-                <a:spcPts val="640"/>
-              </a:spcBef>
-              <a:spcAft>
-                <a:spcPts val="0"/>
-              </a:spcAft>
-              <a:buNone/>
-            </a:pPr>
-            <a:endParaRPr sz="1800" b="0" i="0" u="none" strike="noStrike" cap="none">
-              <a:solidFill>
-                <a:schemeClr val="dk1"/>
-              </a:solidFill>
-              <a:latin typeface="Calibri"/>
-              <a:ea typeface="Calibri"/>
-              <a:cs typeface="Calibri"/>
-              <a:sym typeface="Calibri"/>
             </a:endParaRPr>
           </a:p>
         </p:txBody>
       </p:sp>
     </p:spTree>
+    <p:extLst>
+      <p:ext uri="{BB962C8B-B14F-4D97-AF65-F5344CB8AC3E}">
+        <p14:creationId xmlns:p14="http://schemas.microsoft.com/office/powerpoint/2010/main" val="105732913"/>
+      </p:ext>
+    </p:extLst>
   </p:cSld>
   <p:clrMapOvr>
     <a:masterClrMapping/>
@@ -12155,1483 +11936,6 @@
 </file>
 
 <file path=ppt/slides/slide12.xml><?xml version="1.0" encoding="utf-8"?>
-<p:sld xmlns:a="http://schemas.openxmlformats.org/drawingml/2006/main" xmlns:r="http://schemas.openxmlformats.org/officeDocument/2006/relationships" xmlns:p="http://schemas.openxmlformats.org/presentationml/2006/main">
-  <p:cSld>
-    <p:spTree>
-      <p:nvGrpSpPr>
-        <p:cNvPr id="1" name="Shape 91"/>
-        <p:cNvGrpSpPr/>
-        <p:nvPr/>
-      </p:nvGrpSpPr>
-      <p:grpSpPr>
-        <a:xfrm>
-          <a:off x="0" y="0"/>
-          <a:ext cx="0" cy="0"/>
-          <a:chOff x="0" y="0"/>
-          <a:chExt cx="0" cy="0"/>
-        </a:xfrm>
-      </p:grpSpPr>
-      <p:sp>
-        <p:nvSpPr>
-          <p:cNvPr id="92" name="Google Shape;92;p24"/>
-          <p:cNvSpPr txBox="1">
-            <a:spLocks noGrp="1"/>
-          </p:cNvSpPr>
-          <p:nvPr>
-            <p:ph type="title"/>
-          </p:nvPr>
-        </p:nvSpPr>
-        <p:spPr>
-          <a:xfrm>
-            <a:off x="457200" y="274637"/>
-            <a:ext cx="8229600" cy="1143000"/>
-          </a:xfrm>
-          <a:prstGeom prst="rect">
-            <a:avLst/>
-          </a:prstGeom>
-          <a:noFill/>
-          <a:ln>
-            <a:noFill/>
-          </a:ln>
-        </p:spPr>
-        <p:txBody>
-          <a:bodyPr spcFirstLastPara="1" wrap="square" lIns="91425" tIns="45700" rIns="91425" bIns="45700" anchor="ctr" anchorCtr="0">
-            <a:noAutofit/>
-          </a:bodyPr>
-          <a:lstStyle/>
-          <a:p>
-            <a:pPr marL="0" marR="0" lvl="0" indent="0" algn="ctr" rtl="0">
-              <a:spcBef>
-                <a:spcPts val="0"/>
-              </a:spcBef>
-              <a:spcAft>
-                <a:spcPts val="0"/>
-              </a:spcAft>
-              <a:buClr>
-                <a:schemeClr val="dk1"/>
-              </a:buClr>
-              <a:buFont typeface="Calibri"/>
-              <a:buNone/>
-            </a:pPr>
-            <a:r>
-              <a:rPr lang="en" sz="3600" b="0" i="0" u="none" strike="noStrike" cap="none">
-                <a:solidFill>
-                  <a:schemeClr val="dk1"/>
-                </a:solidFill>
-                <a:latin typeface="Calibri"/>
-                <a:ea typeface="Calibri"/>
-                <a:cs typeface="Calibri"/>
-                <a:sym typeface="Calibri"/>
-              </a:rPr>
-              <a:t>update_target_point_position example</a:t>
-            </a:r>
-            <a:endParaRPr sz="4400" b="0" i="0" u="none" strike="noStrike" cap="none">
-              <a:solidFill>
-                <a:schemeClr val="dk1"/>
-              </a:solidFill>
-              <a:latin typeface="Calibri"/>
-              <a:ea typeface="Calibri"/>
-              <a:cs typeface="Calibri"/>
-              <a:sym typeface="Calibri"/>
-            </a:endParaRPr>
-          </a:p>
-        </p:txBody>
-      </p:sp>
-      <p:sp>
-        <p:nvSpPr>
-          <p:cNvPr id="93" name="Google Shape;93;p24"/>
-          <p:cNvSpPr txBox="1">
-            <a:spLocks noGrp="1"/>
-          </p:cNvSpPr>
-          <p:nvPr>
-            <p:ph type="body" idx="1"/>
-          </p:nvPr>
-        </p:nvSpPr>
-        <p:spPr>
-          <a:xfrm>
-            <a:off x="457200" y="1600200"/>
-            <a:ext cx="8229600" cy="4525962"/>
-          </a:xfrm>
-          <a:prstGeom prst="rect">
-            <a:avLst/>
-          </a:prstGeom>
-          <a:noFill/>
-          <a:ln>
-            <a:noFill/>
-          </a:ln>
-        </p:spPr>
-        <p:txBody>
-          <a:bodyPr spcFirstLastPara="1" wrap="square" lIns="91425" tIns="45700" rIns="91425" bIns="45700" anchor="t" anchorCtr="0">
-            <a:noAutofit/>
-          </a:bodyPr>
-          <a:lstStyle/>
-          <a:p>
-            <a:pPr marL="0" marR="0" lvl="0" indent="0" algn="l" rtl="0">
-              <a:lnSpc>
-                <a:spcPct val="90000"/>
-              </a:lnSpc>
-              <a:spcBef>
-                <a:spcPts val="640"/>
-              </a:spcBef>
-              <a:spcAft>
-                <a:spcPts val="0"/>
-              </a:spcAft>
-              <a:buClr>
-                <a:schemeClr val="dk1"/>
-              </a:buClr>
-              <a:buFont typeface="Calibri"/>
-              <a:buNone/>
-            </a:pPr>
-            <a:r>
-              <a:rPr lang="en" sz="1400" b="0" i="0" u="none" strike="noStrike" cap="none" dirty="0">
-                <a:solidFill>
-                  <a:schemeClr val="dk1"/>
-                </a:solidFill>
-                <a:latin typeface="Calibri"/>
-                <a:ea typeface="Calibri"/>
-                <a:cs typeface="Calibri"/>
-                <a:sym typeface="Calibri"/>
-              </a:rPr>
-              <a:t>const std::pair&lt;int,int&gt;&amp; wing_lag_idxs = l_data_manager-&gt;getLagrangianStructureIndexRange(0, finest_ln);</a:t>
-            </a:r>
-            <a:endParaRPr sz="1400" b="0" i="0" u="none" strike="noStrike" cap="none" dirty="0">
-              <a:solidFill>
-                <a:schemeClr val="dk1"/>
-              </a:solidFill>
-              <a:latin typeface="Calibri"/>
-              <a:ea typeface="Calibri"/>
-              <a:cs typeface="Calibri"/>
-              <a:sym typeface="Calibri"/>
-            </a:endParaRPr>
-          </a:p>
-          <a:p>
-            <a:pPr marL="0" marR="0" lvl="0" indent="0" algn="l" rtl="0">
-              <a:lnSpc>
-                <a:spcPct val="90000"/>
-              </a:lnSpc>
-              <a:spcBef>
-                <a:spcPts val="640"/>
-              </a:spcBef>
-              <a:spcAft>
-                <a:spcPts val="0"/>
-              </a:spcAft>
-              <a:buClr>
-                <a:schemeClr val="dk1"/>
-              </a:buClr>
-              <a:buFont typeface="Calibri"/>
-              <a:buNone/>
-            </a:pPr>
-            <a:r>
-              <a:rPr lang="en" sz="1400" b="0" i="0" u="none" strike="noStrike" cap="none" dirty="0">
-                <a:solidFill>
-                  <a:schemeClr val="dk1"/>
-                </a:solidFill>
-                <a:latin typeface="Calibri"/>
-                <a:ea typeface="Calibri"/>
-                <a:cs typeface="Calibri"/>
-                <a:sym typeface="Calibri"/>
-              </a:rPr>
-              <a:t>//wing_lag_idxs.first is the first point on the wing. If you have more than one boundary, you can use this to determine which boundary you are on.</a:t>
-            </a:r>
-            <a:endParaRPr sz="1400" b="0" i="0" u="none" strike="noStrike" cap="none" dirty="0">
-              <a:solidFill>
-                <a:schemeClr val="dk1"/>
-              </a:solidFill>
-              <a:latin typeface="Calibri"/>
-              <a:ea typeface="Calibri"/>
-              <a:cs typeface="Calibri"/>
-              <a:sym typeface="Calibri"/>
-            </a:endParaRPr>
-          </a:p>
-          <a:p>
-            <a:pPr marL="0" marR="0" lvl="0" indent="0" algn="l" rtl="0">
-              <a:spcBef>
-                <a:spcPts val="640"/>
-              </a:spcBef>
-              <a:spcAft>
-                <a:spcPts val="0"/>
-              </a:spcAft>
-              <a:buNone/>
-            </a:pPr>
-            <a:endParaRPr sz="1400" b="0" i="0" u="none" strike="noStrike" cap="none" dirty="0">
-              <a:solidFill>
-                <a:schemeClr val="dk1"/>
-              </a:solidFill>
-              <a:latin typeface="Calibri"/>
-              <a:ea typeface="Calibri"/>
-              <a:cs typeface="Calibri"/>
-              <a:sym typeface="Calibri"/>
-            </a:endParaRPr>
-          </a:p>
-          <a:p>
-            <a:pPr marL="0" marR="0" lvl="0" indent="0" algn="l" rtl="0">
-              <a:lnSpc>
-                <a:spcPct val="90000"/>
-              </a:lnSpc>
-              <a:spcBef>
-                <a:spcPts val="640"/>
-              </a:spcBef>
-              <a:spcAft>
-                <a:spcPts val="0"/>
-              </a:spcAft>
-              <a:buClr>
-                <a:schemeClr val="dk1"/>
-              </a:buClr>
-              <a:buFont typeface="Calibri"/>
-              <a:buNone/>
-            </a:pPr>
-            <a:r>
-              <a:rPr lang="en" sz="1400" b="0" i="0" u="none" strike="noStrike" cap="none" dirty="0">
-                <a:solidFill>
-                  <a:schemeClr val="dk1"/>
-                </a:solidFill>
-                <a:latin typeface="Calibri"/>
-                <a:ea typeface="Calibri"/>
-                <a:cs typeface="Calibri"/>
-                <a:sym typeface="Calibri"/>
-              </a:rPr>
-              <a:t>for (vector&lt;LNode*&gt;::iterator it = nodes.begin(); it != nodes.end(); ++it)</a:t>
-            </a:r>
-            <a:endParaRPr sz="1400" b="0" i="0" u="none" strike="noStrike" cap="none" dirty="0">
-              <a:solidFill>
-                <a:schemeClr val="dk1"/>
-              </a:solidFill>
-              <a:latin typeface="Calibri"/>
-              <a:ea typeface="Calibri"/>
-              <a:cs typeface="Calibri"/>
-              <a:sym typeface="Calibri"/>
-            </a:endParaRPr>
-          </a:p>
-          <a:p>
-            <a:pPr marL="0" marR="0" lvl="0" indent="0" algn="l" rtl="0">
-              <a:lnSpc>
-                <a:spcPct val="90000"/>
-              </a:lnSpc>
-              <a:spcBef>
-                <a:spcPts val="640"/>
-              </a:spcBef>
-              <a:spcAft>
-                <a:spcPts val="0"/>
-              </a:spcAft>
-              <a:buClr>
-                <a:schemeClr val="dk1"/>
-              </a:buClr>
-              <a:buFont typeface="Calibri"/>
-              <a:buNone/>
-            </a:pPr>
-            <a:r>
-              <a:rPr lang="en" sz="1400" b="0" i="0" u="none" strike="noStrike" cap="none" dirty="0">
-                <a:solidFill>
-                  <a:schemeClr val="dk1"/>
-                </a:solidFill>
-                <a:latin typeface="Calibri"/>
-                <a:ea typeface="Calibri"/>
-                <a:cs typeface="Calibri"/>
-                <a:sym typeface="Calibri"/>
-              </a:rPr>
-              <a:t>//loops over all of the nodes</a:t>
-            </a:r>
-            <a:endParaRPr sz="1400" b="0" i="0" u="none" strike="noStrike" cap="none" dirty="0">
-              <a:solidFill>
-                <a:schemeClr val="dk1"/>
-              </a:solidFill>
-              <a:latin typeface="Calibri"/>
-              <a:ea typeface="Calibri"/>
-              <a:cs typeface="Calibri"/>
-              <a:sym typeface="Calibri"/>
-            </a:endParaRPr>
-          </a:p>
-          <a:p>
-            <a:pPr marL="0" marR="0" lvl="0" indent="0" algn="l" rtl="0">
-              <a:spcBef>
-                <a:spcPts val="640"/>
-              </a:spcBef>
-              <a:spcAft>
-                <a:spcPts val="0"/>
-              </a:spcAft>
-              <a:buNone/>
-            </a:pPr>
-            <a:endParaRPr sz="1400" b="0" i="0" u="none" strike="noStrike" cap="none" dirty="0">
-              <a:solidFill>
-                <a:schemeClr val="dk1"/>
-              </a:solidFill>
-              <a:latin typeface="Calibri"/>
-              <a:ea typeface="Calibri"/>
-              <a:cs typeface="Calibri"/>
-              <a:sym typeface="Calibri"/>
-            </a:endParaRPr>
-          </a:p>
-          <a:p>
-            <a:pPr marL="0" marR="0" lvl="0" indent="0" algn="l" rtl="0">
-              <a:lnSpc>
-                <a:spcPct val="90000"/>
-              </a:lnSpc>
-              <a:spcBef>
-                <a:spcPts val="640"/>
-              </a:spcBef>
-              <a:spcAft>
-                <a:spcPts val="0"/>
-              </a:spcAft>
-              <a:buClr>
-                <a:schemeClr val="dk1"/>
-              </a:buClr>
-              <a:buFont typeface="Calibri"/>
-              <a:buNone/>
-            </a:pPr>
-            <a:r>
-              <a:rPr lang="en" sz="1400" b="0" i="0" u="none" strike="noStrike" cap="none" dirty="0">
-                <a:solidFill>
-                  <a:schemeClr val="dk1"/>
-                </a:solidFill>
-                <a:latin typeface="Calibri"/>
-                <a:ea typeface="Calibri"/>
-                <a:cs typeface="Calibri"/>
-                <a:sym typeface="Calibri"/>
-              </a:rPr>
-              <a:t>IBTargetPointForceSpec* force_spec = node_idx-&gt;getNodeDataItem&lt;IBTargetPointForceSpec&gt;()</a:t>
-            </a:r>
-            <a:endParaRPr sz="1400" b="0" i="0" u="none" strike="noStrike" cap="none" dirty="0">
-              <a:solidFill>
-                <a:schemeClr val="dk1"/>
-              </a:solidFill>
-              <a:latin typeface="Calibri"/>
-              <a:ea typeface="Calibri"/>
-              <a:cs typeface="Calibri"/>
-              <a:sym typeface="Calibri"/>
-            </a:endParaRPr>
-          </a:p>
-          <a:p>
-            <a:pPr marL="0" marR="0" lvl="0" indent="0" algn="l" rtl="0">
-              <a:lnSpc>
-                <a:spcPct val="90000"/>
-              </a:lnSpc>
-              <a:spcBef>
-                <a:spcPts val="640"/>
-              </a:spcBef>
-              <a:spcAft>
-                <a:spcPts val="0"/>
-              </a:spcAft>
-              <a:buClr>
-                <a:schemeClr val="dk1"/>
-              </a:buClr>
-              <a:buFont typeface="Calibri"/>
-              <a:buNone/>
-            </a:pPr>
-            <a:r>
-              <a:rPr lang="en" sz="1400" b="0" i="0" u="none" strike="noStrike" cap="none" dirty="0">
-                <a:solidFill>
-                  <a:schemeClr val="dk1"/>
-                </a:solidFill>
-                <a:latin typeface="Calibri"/>
-                <a:ea typeface="Calibri"/>
-                <a:cs typeface="Calibri"/>
-                <a:sym typeface="Calibri"/>
-              </a:rPr>
-              <a:t>//get data from the target point, such as its position.</a:t>
-            </a:r>
-            <a:endParaRPr sz="1400" b="0" i="0" u="none" strike="noStrike" cap="none" dirty="0">
-              <a:solidFill>
-                <a:schemeClr val="dk1"/>
-              </a:solidFill>
-              <a:latin typeface="Calibri"/>
-              <a:ea typeface="Calibri"/>
-              <a:cs typeface="Calibri"/>
-              <a:sym typeface="Calibri"/>
-            </a:endParaRPr>
-          </a:p>
-          <a:p>
-            <a:pPr marL="0" marR="0" lvl="0" indent="0" algn="l" rtl="0">
-              <a:spcBef>
-                <a:spcPts val="640"/>
-              </a:spcBef>
-              <a:spcAft>
-                <a:spcPts val="0"/>
-              </a:spcAft>
-              <a:buNone/>
-            </a:pPr>
-            <a:endParaRPr sz="1400" b="0" i="0" u="none" strike="noStrike" cap="none" dirty="0">
-              <a:solidFill>
-                <a:schemeClr val="dk1"/>
-              </a:solidFill>
-              <a:latin typeface="Calibri"/>
-              <a:ea typeface="Calibri"/>
-              <a:cs typeface="Calibri"/>
-              <a:sym typeface="Calibri"/>
-            </a:endParaRPr>
-          </a:p>
-          <a:p>
-            <a:pPr marL="0" marR="0" lvl="0" indent="0" algn="l" rtl="0">
-              <a:lnSpc>
-                <a:spcPct val="90000"/>
-              </a:lnSpc>
-              <a:spcBef>
-                <a:spcPts val="640"/>
-              </a:spcBef>
-              <a:spcAft>
-                <a:spcPts val="0"/>
-              </a:spcAft>
-              <a:buClr>
-                <a:schemeClr val="dk1"/>
-              </a:buClr>
-              <a:buFont typeface="Calibri"/>
-              <a:buNone/>
-            </a:pPr>
-            <a:r>
-              <a:rPr lang="en" sz="1400" b="0" i="0" u="none" strike="noStrike" cap="none" dirty="0">
-                <a:solidFill>
-                  <a:schemeClr val="dk1"/>
-                </a:solidFill>
-                <a:latin typeface="Calibri"/>
-                <a:ea typeface="Calibri"/>
-                <a:cs typeface="Calibri"/>
-                <a:sym typeface="Calibri"/>
-              </a:rPr>
-              <a:t>if (force_spec == NULL) continue;</a:t>
-            </a:r>
-            <a:endParaRPr sz="1400" b="0" i="0" u="none" strike="noStrike" cap="none" dirty="0">
-              <a:solidFill>
-                <a:schemeClr val="dk1"/>
-              </a:solidFill>
-              <a:latin typeface="Calibri"/>
-              <a:ea typeface="Calibri"/>
-              <a:cs typeface="Calibri"/>
-              <a:sym typeface="Calibri"/>
-            </a:endParaRPr>
-          </a:p>
-          <a:p>
-            <a:pPr marL="0" marR="0" lvl="0" indent="0" algn="l" rtl="0">
-              <a:lnSpc>
-                <a:spcPct val="90000"/>
-              </a:lnSpc>
-              <a:spcBef>
-                <a:spcPts val="640"/>
-              </a:spcBef>
-              <a:spcAft>
-                <a:spcPts val="0"/>
-              </a:spcAft>
-              <a:buClr>
-                <a:schemeClr val="dk1"/>
-              </a:buClr>
-              <a:buFont typeface="Calibri"/>
-              <a:buNone/>
-            </a:pPr>
-            <a:r>
-              <a:rPr lang="en" sz="1400" b="0" i="0" u="none" strike="noStrike" cap="none" dirty="0">
-                <a:solidFill>
-                  <a:schemeClr val="dk1"/>
-                </a:solidFill>
-                <a:latin typeface="Calibri"/>
-                <a:ea typeface="Calibri"/>
-                <a:cs typeface="Calibri"/>
-                <a:sym typeface="Calibri"/>
-              </a:rPr>
-              <a:t>//check if there is a target point associated with the node.</a:t>
-            </a:r>
-            <a:endParaRPr sz="1400" b="0" i="0" u="none" strike="noStrike" cap="none" dirty="0">
-              <a:solidFill>
-                <a:schemeClr val="dk1"/>
-              </a:solidFill>
-              <a:latin typeface="Calibri"/>
-              <a:ea typeface="Calibri"/>
-              <a:cs typeface="Calibri"/>
-              <a:sym typeface="Calibri"/>
-            </a:endParaRPr>
-          </a:p>
-          <a:p>
-            <a:pPr marL="0" marR="0" lvl="0" indent="0" algn="l" rtl="0">
-              <a:spcBef>
-                <a:spcPts val="640"/>
-              </a:spcBef>
-              <a:spcAft>
-                <a:spcPts val="0"/>
-              </a:spcAft>
-              <a:buNone/>
-            </a:pPr>
-            <a:endParaRPr sz="1400" b="0" i="0" u="none" strike="noStrike" cap="none" dirty="0">
-              <a:solidFill>
-                <a:schemeClr val="dk1"/>
-              </a:solidFill>
-              <a:latin typeface="Calibri"/>
-              <a:ea typeface="Calibri"/>
-              <a:cs typeface="Calibri"/>
-              <a:sym typeface="Calibri"/>
-            </a:endParaRPr>
-          </a:p>
-          <a:p>
-            <a:pPr marL="0" marR="0" lvl="0" indent="0" algn="l" rtl="0">
-              <a:lnSpc>
-                <a:spcPct val="90000"/>
-              </a:lnSpc>
-              <a:spcBef>
-                <a:spcPts val="640"/>
-              </a:spcBef>
-              <a:spcAft>
-                <a:spcPts val="0"/>
-              </a:spcAft>
-              <a:buClr>
-                <a:schemeClr val="dk1"/>
-              </a:buClr>
-              <a:buFont typeface="Calibri"/>
-              <a:buNone/>
-            </a:pPr>
-            <a:r>
-              <a:rPr lang="en" sz="1400" b="0" i="0" u="none" strike="noStrike" cap="none" dirty="0">
-                <a:solidFill>
-                  <a:schemeClr val="dk1"/>
-                </a:solidFill>
-                <a:latin typeface="Calibri"/>
-                <a:ea typeface="Calibri"/>
-                <a:cs typeface="Calibri"/>
-                <a:sym typeface="Calibri"/>
-              </a:rPr>
-              <a:t>const int lag_idx = node_idx-&gt;getLagrangianIndex();</a:t>
-            </a:r>
-            <a:endParaRPr sz="1400" b="0" i="0" u="none" strike="noStrike" cap="none" dirty="0">
-              <a:solidFill>
-                <a:schemeClr val="dk1"/>
-              </a:solidFill>
-              <a:latin typeface="Calibri"/>
-              <a:ea typeface="Calibri"/>
-              <a:cs typeface="Calibri"/>
-              <a:sym typeface="Calibri"/>
-            </a:endParaRPr>
-          </a:p>
-          <a:p>
-            <a:pPr marL="0" marR="0" lvl="0" indent="0" algn="l" rtl="0">
-              <a:lnSpc>
-                <a:spcPct val="90000"/>
-              </a:lnSpc>
-              <a:spcBef>
-                <a:spcPts val="640"/>
-              </a:spcBef>
-              <a:spcAft>
-                <a:spcPts val="0"/>
-              </a:spcAft>
-              <a:buClr>
-                <a:schemeClr val="dk1"/>
-              </a:buClr>
-              <a:buFont typeface="Calibri"/>
-              <a:buNone/>
-            </a:pPr>
-            <a:r>
-              <a:rPr lang="en" sz="1400" b="0" i="0" u="none" strike="noStrike" cap="none" dirty="0">
-                <a:solidFill>
-                  <a:schemeClr val="dk1"/>
-                </a:solidFill>
-                <a:latin typeface="Calibri"/>
-                <a:ea typeface="Calibri"/>
-                <a:cs typeface="Calibri"/>
-                <a:sym typeface="Calibri"/>
-              </a:rPr>
-              <a:t>//get the Lagrangian index for that node</a:t>
-            </a:r>
-            <a:endParaRPr sz="1400" b="0" i="0" u="none" strike="noStrike" cap="none" dirty="0">
-              <a:solidFill>
-                <a:schemeClr val="dk1"/>
-              </a:solidFill>
-              <a:latin typeface="Calibri"/>
-              <a:ea typeface="Calibri"/>
-              <a:cs typeface="Calibri"/>
-              <a:sym typeface="Calibri"/>
-            </a:endParaRPr>
-          </a:p>
-          <a:p>
-            <a:pPr marL="0" marR="0" lvl="0" indent="0" algn="l" rtl="0">
-              <a:spcBef>
-                <a:spcPts val="640"/>
-              </a:spcBef>
-              <a:spcAft>
-                <a:spcPts val="0"/>
-              </a:spcAft>
-              <a:buNone/>
-            </a:pPr>
-            <a:endParaRPr sz="1400" b="0" i="0" u="none" strike="noStrike" cap="none" dirty="0">
-              <a:solidFill>
-                <a:schemeClr val="dk1"/>
-              </a:solidFill>
-              <a:latin typeface="Calibri"/>
-              <a:ea typeface="Calibri"/>
-              <a:cs typeface="Calibri"/>
-              <a:sym typeface="Calibri"/>
-            </a:endParaRPr>
-          </a:p>
-        </p:txBody>
-      </p:sp>
-    </p:spTree>
-  </p:cSld>
-  <p:clrMapOvr>
-    <a:masterClrMapping/>
-  </p:clrMapOvr>
-</p:sld>
-</file>
-
-<file path=ppt/slides/slide13.xml><?xml version="1.0" encoding="utf-8"?>
-<p:sld xmlns:a="http://schemas.openxmlformats.org/drawingml/2006/main" xmlns:r="http://schemas.openxmlformats.org/officeDocument/2006/relationships" xmlns:p="http://schemas.openxmlformats.org/presentationml/2006/main">
-  <p:cSld>
-    <p:spTree>
-      <p:nvGrpSpPr>
-        <p:cNvPr id="1" name="Shape 97"/>
-        <p:cNvGrpSpPr/>
-        <p:nvPr/>
-      </p:nvGrpSpPr>
-      <p:grpSpPr>
-        <a:xfrm>
-          <a:off x="0" y="0"/>
-          <a:ext cx="0" cy="0"/>
-          <a:chOff x="0" y="0"/>
-          <a:chExt cx="0" cy="0"/>
-        </a:xfrm>
-      </p:grpSpPr>
-      <p:sp>
-        <p:nvSpPr>
-          <p:cNvPr id="98" name="Google Shape;98;p25"/>
-          <p:cNvSpPr txBox="1">
-            <a:spLocks noGrp="1"/>
-          </p:cNvSpPr>
-          <p:nvPr>
-            <p:ph type="body" idx="1"/>
-          </p:nvPr>
-        </p:nvSpPr>
-        <p:spPr>
-          <a:xfrm>
-            <a:off x="457200" y="1295400"/>
-            <a:ext cx="8229600" cy="4526100"/>
-          </a:xfrm>
-          <a:prstGeom prst="rect">
-            <a:avLst/>
-          </a:prstGeom>
-          <a:noFill/>
-          <a:ln>
-            <a:noFill/>
-          </a:ln>
-        </p:spPr>
-        <p:txBody>
-          <a:bodyPr spcFirstLastPara="1" wrap="square" lIns="91425" tIns="45700" rIns="91425" bIns="45700" anchor="t" anchorCtr="0">
-            <a:noAutofit/>
-          </a:bodyPr>
-          <a:lstStyle/>
-          <a:p>
-            <a:pPr marL="0" marR="0" lvl="0" indent="0" algn="l" rtl="0">
-              <a:spcBef>
-                <a:spcPts val="640"/>
-              </a:spcBef>
-              <a:spcAft>
-                <a:spcPts val="0"/>
-              </a:spcAft>
-              <a:buClr>
-                <a:schemeClr val="dk1"/>
-              </a:buClr>
-              <a:buFont typeface="Calibri"/>
-              <a:buNone/>
-            </a:pPr>
-            <a:r>
-              <a:rPr lang="en" sz="1400" b="0" i="0" u="none" strike="noStrike" cap="none" dirty="0">
-                <a:solidFill>
-                  <a:schemeClr val="dk1"/>
-                </a:solidFill>
-                <a:latin typeface="Calibri"/>
-                <a:ea typeface="Calibri"/>
-                <a:cs typeface="Calibri"/>
-                <a:sym typeface="Calibri"/>
-              </a:rPr>
-              <a:t>//Depending on the version of IBAMR, you need to select one of the ways of accessing target point positions</a:t>
-            </a:r>
-            <a:endParaRPr sz="1400" b="0" i="0" u="none" strike="noStrike" cap="none" dirty="0">
-              <a:solidFill>
-                <a:schemeClr val="dk1"/>
-              </a:solidFill>
-              <a:latin typeface="Calibri"/>
-              <a:ea typeface="Calibri"/>
-              <a:cs typeface="Calibri"/>
-              <a:sym typeface="Calibri"/>
-            </a:endParaRPr>
-          </a:p>
-          <a:p>
-            <a:pPr marL="0" marR="0" lvl="0" indent="0" algn="l" rtl="0">
-              <a:spcBef>
-                <a:spcPts val="640"/>
-              </a:spcBef>
-              <a:spcAft>
-                <a:spcPts val="0"/>
-              </a:spcAft>
-              <a:buClr>
-                <a:schemeClr val="dk1"/>
-              </a:buClr>
-              <a:buFont typeface="Calibri"/>
-              <a:buNone/>
-            </a:pPr>
-            <a:r>
-              <a:rPr lang="en" sz="1400" b="0" i="0" u="none" strike="noStrike" cap="none" dirty="0">
-                <a:solidFill>
-                  <a:schemeClr val="dk1"/>
-                </a:solidFill>
-                <a:latin typeface="Calibri"/>
-                <a:ea typeface="Calibri"/>
-                <a:cs typeface="Calibri"/>
-                <a:sym typeface="Calibri"/>
-              </a:rPr>
-              <a:t>//TinyVector&lt;double,NDIM&gt;&amp; X_target = force_spec-&gt;getTargetPointPosition();</a:t>
-            </a:r>
-            <a:endParaRPr sz="1400" b="0" i="0" u="none" strike="noStrike" cap="none" dirty="0">
-              <a:solidFill>
-                <a:schemeClr val="dk1"/>
-              </a:solidFill>
-              <a:latin typeface="Calibri"/>
-              <a:ea typeface="Calibri"/>
-              <a:cs typeface="Calibri"/>
-              <a:sym typeface="Calibri"/>
-            </a:endParaRPr>
-          </a:p>
-          <a:p>
-            <a:pPr marL="0" marR="0" lvl="0" indent="0" algn="l" rtl="0">
-              <a:spcBef>
-                <a:spcPts val="640"/>
-              </a:spcBef>
-              <a:spcAft>
-                <a:spcPts val="0"/>
-              </a:spcAft>
-              <a:buClr>
-                <a:schemeClr val="dk1"/>
-              </a:buClr>
-              <a:buFont typeface="Calibri"/>
-              <a:buNone/>
-            </a:pPr>
-            <a:r>
-              <a:rPr lang="en" sz="1400" dirty="0"/>
-              <a:t>//</a:t>
-            </a:r>
-            <a:r>
-              <a:rPr lang="en" sz="1400" b="0" i="0" u="none" strike="noStrike" cap="none" dirty="0">
-                <a:solidFill>
-                  <a:schemeClr val="dk1"/>
-                </a:solidFill>
-                <a:latin typeface="Calibri"/>
-                <a:ea typeface="Calibri"/>
-                <a:cs typeface="Calibri"/>
-                <a:sym typeface="Calibri"/>
-              </a:rPr>
-              <a:t>IBTK::Vector&lt;double,NDIM&gt;&amp; X_target = force_spec-&gt;getTargetPointPosition();</a:t>
-            </a:r>
-            <a:endParaRPr sz="1400" b="0" i="0" u="none" strike="noStrike" cap="none" dirty="0">
-              <a:solidFill>
-                <a:schemeClr val="dk1"/>
-              </a:solidFill>
-              <a:latin typeface="Calibri"/>
-              <a:ea typeface="Calibri"/>
-              <a:cs typeface="Calibri"/>
-              <a:sym typeface="Calibri"/>
-            </a:endParaRPr>
-          </a:p>
-          <a:p>
-            <a:pPr marL="0" marR="0" lvl="0" indent="0" algn="l" rtl="0">
-              <a:spcBef>
-                <a:spcPts val="640"/>
-              </a:spcBef>
-              <a:spcAft>
-                <a:spcPts val="0"/>
-              </a:spcAft>
-              <a:buClr>
-                <a:schemeClr val="dk1"/>
-              </a:buClr>
-              <a:buFont typeface="Calibri"/>
-              <a:buNone/>
-            </a:pPr>
-            <a:r>
-              <a:rPr lang="en" sz="1400" dirty="0"/>
-              <a:t>Point&amp; X_target = force_spec-&gt;getTargetPointPosition();</a:t>
-            </a:r>
-            <a:endParaRPr sz="1400" dirty="0"/>
-          </a:p>
-          <a:p>
-            <a:pPr marL="0" marR="0" lvl="0" indent="0" algn="l" rtl="0">
-              <a:spcBef>
-                <a:spcPts val="640"/>
-              </a:spcBef>
-              <a:spcAft>
-                <a:spcPts val="0"/>
-              </a:spcAft>
-              <a:buClr>
-                <a:schemeClr val="dk1"/>
-              </a:buClr>
-              <a:buFont typeface="Calibri"/>
-              <a:buNone/>
-            </a:pPr>
-            <a:r>
-              <a:rPr lang="en" sz="1400" b="0" i="0" u="none" strike="noStrike" cap="none" dirty="0">
-                <a:solidFill>
-                  <a:schemeClr val="dk1"/>
-                </a:solidFill>
-                <a:latin typeface="Calibri"/>
-                <a:ea typeface="Calibri"/>
-                <a:cs typeface="Calibri"/>
-                <a:sym typeface="Calibri"/>
-              </a:rPr>
-              <a:t>//get the target point position since we are going to modify it.</a:t>
-            </a:r>
-            <a:endParaRPr sz="1400" b="0" i="0" u="none" strike="noStrike" cap="none" dirty="0">
-              <a:solidFill>
-                <a:schemeClr val="dk1"/>
-              </a:solidFill>
-              <a:latin typeface="Calibri"/>
-              <a:ea typeface="Calibri"/>
-              <a:cs typeface="Calibri"/>
-              <a:sym typeface="Calibri"/>
-            </a:endParaRPr>
-          </a:p>
-          <a:p>
-            <a:pPr marL="0" marR="0" lvl="0" indent="0" algn="l" rtl="0">
-              <a:spcBef>
-                <a:spcPts val="640"/>
-              </a:spcBef>
-              <a:spcAft>
-                <a:spcPts val="0"/>
-              </a:spcAft>
-              <a:buNone/>
-            </a:pPr>
-            <a:endParaRPr sz="1400" b="0" i="0" u="none" strike="noStrike" cap="none" dirty="0">
-              <a:solidFill>
-                <a:schemeClr val="dk1"/>
-              </a:solidFill>
-              <a:latin typeface="Calibri"/>
-              <a:ea typeface="Calibri"/>
-              <a:cs typeface="Calibri"/>
-              <a:sym typeface="Calibri"/>
-            </a:endParaRPr>
-          </a:p>
-          <a:p>
-            <a:pPr marL="0" marR="0" lvl="0" indent="0" algn="l" rtl="0">
-              <a:spcBef>
-                <a:spcPts val="640"/>
-              </a:spcBef>
-              <a:spcAft>
-                <a:spcPts val="0"/>
-              </a:spcAft>
-              <a:buClr>
-                <a:schemeClr val="dk1"/>
-              </a:buClr>
-              <a:buFont typeface="Calibri"/>
-              <a:buNone/>
-            </a:pPr>
-            <a:r>
-              <a:rPr lang="en" sz="1400" b="0" i="0" u="none" strike="noStrike" cap="none" dirty="0">
-                <a:solidFill>
-                  <a:schemeClr val="dk1"/>
-                </a:solidFill>
-                <a:latin typeface="Calibri"/>
-                <a:ea typeface="Calibri"/>
-                <a:cs typeface="Calibri"/>
-                <a:sym typeface="Calibri"/>
-              </a:rPr>
-              <a:t>if (current_time &lt;= time_to_acc)</a:t>
-            </a:r>
-            <a:endParaRPr sz="1400" b="0" i="0" u="none" strike="noStrike" cap="none" dirty="0">
-              <a:solidFill>
-                <a:schemeClr val="dk1"/>
-              </a:solidFill>
-              <a:latin typeface="Calibri"/>
-              <a:ea typeface="Calibri"/>
-              <a:cs typeface="Calibri"/>
-              <a:sym typeface="Calibri"/>
-            </a:endParaRPr>
-          </a:p>
-          <a:p>
-            <a:pPr marL="0" marR="0" lvl="0" indent="0" algn="l" rtl="0">
-              <a:spcBef>
-                <a:spcPts val="640"/>
-              </a:spcBef>
-              <a:spcAft>
-                <a:spcPts val="0"/>
-              </a:spcAft>
-              <a:buClr>
-                <a:schemeClr val="dk1"/>
-              </a:buClr>
-              <a:buFont typeface="Calibri"/>
-              <a:buNone/>
-            </a:pPr>
-            <a:r>
-              <a:rPr lang="en" sz="1400" b="0" i="0" u="none" strike="noStrike" cap="none" dirty="0">
-                <a:solidFill>
-                  <a:schemeClr val="dk1"/>
-                </a:solidFill>
-                <a:latin typeface="Calibri"/>
-                <a:ea typeface="Calibri"/>
-                <a:cs typeface="Calibri"/>
-                <a:sym typeface="Calibri"/>
-              </a:rPr>
-              <a:t>//check to see if we are in the acceleration phase of the wing.</a:t>
-            </a:r>
-            <a:endParaRPr sz="1400" b="0" i="0" u="none" strike="noStrike" cap="none" dirty="0">
-              <a:solidFill>
-                <a:schemeClr val="dk1"/>
-              </a:solidFill>
-              <a:latin typeface="Calibri"/>
-              <a:ea typeface="Calibri"/>
-              <a:cs typeface="Calibri"/>
-              <a:sym typeface="Calibri"/>
-            </a:endParaRPr>
-          </a:p>
-          <a:p>
-            <a:pPr marL="0" marR="0" lvl="0" indent="0" algn="l" rtl="0">
-              <a:spcBef>
-                <a:spcPts val="640"/>
-              </a:spcBef>
-              <a:spcAft>
-                <a:spcPts val="0"/>
-              </a:spcAft>
-              <a:buNone/>
-            </a:pPr>
-            <a:endParaRPr sz="1400" b="0" i="0" u="none" strike="noStrike" cap="none" dirty="0">
-              <a:solidFill>
-                <a:schemeClr val="dk1"/>
-              </a:solidFill>
-              <a:latin typeface="Calibri"/>
-              <a:ea typeface="Calibri"/>
-              <a:cs typeface="Calibri"/>
-              <a:sym typeface="Calibri"/>
-            </a:endParaRPr>
-          </a:p>
-          <a:p>
-            <a:pPr marL="0" marR="0" lvl="0" indent="0" algn="l" rtl="0">
-              <a:spcBef>
-                <a:spcPts val="640"/>
-              </a:spcBef>
-              <a:spcAft>
-                <a:spcPts val="0"/>
-              </a:spcAft>
-              <a:buClr>
-                <a:schemeClr val="dk1"/>
-              </a:buClr>
-              <a:buFont typeface="Calibri"/>
-              <a:buNone/>
-            </a:pPr>
-            <a:r>
-              <a:rPr lang="en" sz="1400" b="0" i="0" u="none" strike="noStrike" cap="none" dirty="0">
-                <a:solidFill>
-                  <a:schemeClr val="dk1"/>
-                </a:solidFill>
-                <a:latin typeface="Calibri"/>
-                <a:ea typeface="Calibri"/>
-                <a:cs typeface="Calibri"/>
-                <a:sym typeface="Calibri"/>
-              </a:rPr>
-              <a:t>if (wing_lag_idxs.first &lt;= lag_idx &amp;&amp; lag_idx &lt; wing_lag_idxs.second)</a:t>
-            </a:r>
-            <a:endParaRPr sz="1400" b="0" i="0" u="none" strike="noStrike" cap="none" dirty="0">
-              <a:solidFill>
-                <a:schemeClr val="dk1"/>
-              </a:solidFill>
-              <a:latin typeface="Calibri"/>
-              <a:ea typeface="Calibri"/>
-              <a:cs typeface="Calibri"/>
-              <a:sym typeface="Calibri"/>
-            </a:endParaRPr>
-          </a:p>
-          <a:p>
-            <a:pPr marL="0" marR="0" lvl="0" indent="0" algn="l" rtl="0">
-              <a:spcBef>
-                <a:spcPts val="640"/>
-              </a:spcBef>
-              <a:spcAft>
-                <a:spcPts val="0"/>
-              </a:spcAft>
-              <a:buClr>
-                <a:schemeClr val="dk1"/>
-              </a:buClr>
-              <a:buFont typeface="Calibri"/>
-              <a:buNone/>
-            </a:pPr>
-            <a:r>
-              <a:rPr lang="en" sz="1400" b="0" i="0" u="none" strike="noStrike" cap="none" dirty="0">
-                <a:solidFill>
-                  <a:schemeClr val="dk1"/>
-                </a:solidFill>
-                <a:latin typeface="Calibri"/>
-                <a:ea typeface="Calibri"/>
-                <a:cs typeface="Calibri"/>
-                <a:sym typeface="Calibri"/>
-              </a:rPr>
-              <a:t>//check to see if the node is on the first wing (it is because we only have one wing in this case).</a:t>
-            </a:r>
-            <a:endParaRPr sz="1400" b="0" i="0" u="none" strike="noStrike" cap="none" dirty="0">
-              <a:solidFill>
-                <a:schemeClr val="dk1"/>
-              </a:solidFill>
-              <a:latin typeface="Calibri"/>
-              <a:ea typeface="Calibri"/>
-              <a:cs typeface="Calibri"/>
-              <a:sym typeface="Calibri"/>
-            </a:endParaRPr>
-          </a:p>
-          <a:p>
-            <a:pPr marL="0" marR="0" lvl="0" indent="0" algn="l" rtl="0">
-              <a:spcBef>
-                <a:spcPts val="640"/>
-              </a:spcBef>
-              <a:spcAft>
-                <a:spcPts val="0"/>
-              </a:spcAft>
-              <a:buNone/>
-            </a:pPr>
-            <a:endParaRPr sz="1400" b="0" i="0" u="none" strike="noStrike" cap="none" dirty="0">
-              <a:solidFill>
-                <a:schemeClr val="dk1"/>
-              </a:solidFill>
-              <a:latin typeface="Calibri"/>
-              <a:ea typeface="Calibri"/>
-              <a:cs typeface="Calibri"/>
-              <a:sym typeface="Calibri"/>
-            </a:endParaRPr>
-          </a:p>
-          <a:p>
-            <a:pPr marL="0" marR="0" lvl="0" indent="0" algn="l" rtl="0">
-              <a:spcBef>
-                <a:spcPts val="640"/>
-              </a:spcBef>
-              <a:spcAft>
-                <a:spcPts val="0"/>
-              </a:spcAft>
-              <a:buClr>
-                <a:schemeClr val="dk1"/>
-              </a:buClr>
-              <a:buFont typeface="Calibri"/>
-              <a:buNone/>
-            </a:pPr>
-            <a:r>
-              <a:rPr lang="en" sz="1400" b="0" i="0" u="none" strike="noStrike" cap="none" dirty="0">
-                <a:solidFill>
-                  <a:schemeClr val="dk1"/>
-                </a:solidFill>
-                <a:latin typeface="Calibri"/>
-                <a:ea typeface="Calibri"/>
-                <a:cs typeface="Calibri"/>
-                <a:sym typeface="Calibri"/>
-              </a:rPr>
-              <a:t>X_target[1]+=current_time/time_to_acc*V*dt;</a:t>
-            </a:r>
-            <a:endParaRPr sz="1400" b="0" i="0" u="none" strike="noStrike" cap="none" dirty="0">
-              <a:solidFill>
-                <a:schemeClr val="dk1"/>
-              </a:solidFill>
-              <a:latin typeface="Calibri"/>
-              <a:ea typeface="Calibri"/>
-              <a:cs typeface="Calibri"/>
-              <a:sym typeface="Calibri"/>
-            </a:endParaRPr>
-          </a:p>
-          <a:p>
-            <a:pPr marL="0" marR="0" lvl="0" indent="0" algn="l" rtl="0">
-              <a:spcBef>
-                <a:spcPts val="640"/>
-              </a:spcBef>
-              <a:spcAft>
-                <a:spcPts val="0"/>
-              </a:spcAft>
-              <a:buClr>
-                <a:schemeClr val="dk1"/>
-              </a:buClr>
-              <a:buFont typeface="Calibri"/>
-              <a:buNone/>
-            </a:pPr>
-            <a:r>
-              <a:rPr lang="en" sz="1400" b="0" i="0" u="none" strike="noStrike" cap="none" dirty="0">
-                <a:solidFill>
-                  <a:schemeClr val="dk1"/>
-                </a:solidFill>
-                <a:latin typeface="Calibri"/>
-                <a:ea typeface="Calibri"/>
-                <a:cs typeface="Calibri"/>
-                <a:sym typeface="Calibri"/>
-              </a:rPr>
-              <a:t>//determine the new position in the y-direction. We aren’t moving in the x-direction here.</a:t>
-            </a:r>
-            <a:endParaRPr sz="1400" b="0" i="0" u="none" strike="noStrike" cap="none" dirty="0">
-              <a:solidFill>
-                <a:schemeClr val="dk1"/>
-              </a:solidFill>
-              <a:latin typeface="Calibri"/>
-              <a:ea typeface="Calibri"/>
-              <a:cs typeface="Calibri"/>
-              <a:sym typeface="Calibri"/>
-            </a:endParaRPr>
-          </a:p>
-          <a:p>
-            <a:pPr marL="0" marR="0" lvl="0" indent="0" algn="l" rtl="0">
-              <a:spcBef>
-                <a:spcPts val="640"/>
-              </a:spcBef>
-              <a:spcAft>
-                <a:spcPts val="0"/>
-              </a:spcAft>
-              <a:buNone/>
-            </a:pPr>
-            <a:endParaRPr sz="1400" b="0" i="0" u="none" strike="noStrike" cap="none" dirty="0">
-              <a:solidFill>
-                <a:schemeClr val="dk1"/>
-              </a:solidFill>
-              <a:latin typeface="Calibri"/>
-              <a:ea typeface="Calibri"/>
-              <a:cs typeface="Calibri"/>
-              <a:sym typeface="Calibri"/>
-            </a:endParaRPr>
-          </a:p>
-          <a:p>
-            <a:pPr marL="0" marR="0" lvl="0" indent="0" algn="l" rtl="0">
-              <a:spcBef>
-                <a:spcPts val="640"/>
-              </a:spcBef>
-              <a:spcAft>
-                <a:spcPts val="0"/>
-              </a:spcAft>
-              <a:buClr>
-                <a:schemeClr val="dk1"/>
-              </a:buClr>
-              <a:buFont typeface="Calibri"/>
-              <a:buNone/>
-            </a:pPr>
-            <a:r>
-              <a:rPr lang="en" sz="1400" b="0" i="0" u="none" strike="noStrike" cap="none" dirty="0">
-                <a:solidFill>
-                  <a:schemeClr val="dk1"/>
-                </a:solidFill>
-                <a:latin typeface="Calibri"/>
-                <a:ea typeface="Calibri"/>
-                <a:cs typeface="Calibri"/>
-                <a:sym typeface="Calibri"/>
-              </a:rPr>
-              <a:t>else</a:t>
-            </a:r>
-            <a:endParaRPr sz="1400" b="0" i="0" u="none" strike="noStrike" cap="none" dirty="0">
-              <a:solidFill>
-                <a:schemeClr val="dk1"/>
-              </a:solidFill>
-              <a:latin typeface="Calibri"/>
-              <a:ea typeface="Calibri"/>
-              <a:cs typeface="Calibri"/>
-              <a:sym typeface="Calibri"/>
-            </a:endParaRPr>
-          </a:p>
-          <a:p>
-            <a:pPr marL="0" marR="0" lvl="0" indent="0" algn="l" rtl="0">
-              <a:spcBef>
-                <a:spcPts val="640"/>
-              </a:spcBef>
-              <a:spcAft>
-                <a:spcPts val="0"/>
-              </a:spcAft>
-              <a:buClr>
-                <a:schemeClr val="dk1"/>
-              </a:buClr>
-              <a:buFont typeface="Calibri"/>
-              <a:buNone/>
-            </a:pPr>
-            <a:r>
-              <a:rPr lang="en" sz="1400" b="0" i="0" u="none" strike="noStrike" cap="none" dirty="0">
-                <a:solidFill>
-                  <a:schemeClr val="dk1"/>
-                </a:solidFill>
-                <a:latin typeface="Calibri"/>
-                <a:ea typeface="Calibri"/>
-                <a:cs typeface="Calibri"/>
-                <a:sym typeface="Calibri"/>
-              </a:rPr>
-              <a:t>//here we move the wing at a constant speed.</a:t>
-            </a:r>
-            <a:endParaRPr sz="1400" b="0" i="0" u="none" strike="noStrike" cap="none" dirty="0">
-              <a:solidFill>
-                <a:schemeClr val="dk1"/>
-              </a:solidFill>
-              <a:latin typeface="Calibri"/>
-              <a:ea typeface="Calibri"/>
-              <a:cs typeface="Calibri"/>
-              <a:sym typeface="Calibri"/>
-            </a:endParaRPr>
-          </a:p>
-        </p:txBody>
-      </p:sp>
-      <p:sp>
-        <p:nvSpPr>
-          <p:cNvPr id="99" name="Google Shape;99;p25"/>
-          <p:cNvSpPr txBox="1">
-            <a:spLocks noGrp="1"/>
-          </p:cNvSpPr>
-          <p:nvPr>
-            <p:ph type="title"/>
-          </p:nvPr>
-        </p:nvSpPr>
-        <p:spPr>
-          <a:xfrm>
-            <a:off x="457200" y="152400"/>
-            <a:ext cx="8229600" cy="1143000"/>
-          </a:xfrm>
-          <a:prstGeom prst="rect">
-            <a:avLst/>
-          </a:prstGeom>
-          <a:noFill/>
-          <a:ln>
-            <a:noFill/>
-          </a:ln>
-        </p:spPr>
-        <p:txBody>
-          <a:bodyPr spcFirstLastPara="1" wrap="square" lIns="91425" tIns="45700" rIns="91425" bIns="45700" anchor="ctr" anchorCtr="0">
-            <a:noAutofit/>
-          </a:bodyPr>
-          <a:lstStyle/>
-          <a:p>
-            <a:pPr marL="0" marR="0" lvl="0" indent="0" algn="ctr" rtl="0">
-              <a:spcBef>
-                <a:spcPts val="0"/>
-              </a:spcBef>
-              <a:spcAft>
-                <a:spcPts val="0"/>
-              </a:spcAft>
-              <a:buClr>
-                <a:schemeClr val="dk1"/>
-              </a:buClr>
-              <a:buFont typeface="Calibri"/>
-              <a:buNone/>
-            </a:pPr>
-            <a:r>
-              <a:rPr lang="en" sz="3600" b="0" i="0" u="none" strike="noStrike" cap="none">
-                <a:solidFill>
-                  <a:schemeClr val="dk1"/>
-                </a:solidFill>
-                <a:latin typeface="Calibri"/>
-                <a:ea typeface="Calibri"/>
-                <a:cs typeface="Calibri"/>
-                <a:sym typeface="Calibri"/>
-              </a:rPr>
-              <a:t>update_target_point_position example</a:t>
-            </a:r>
-            <a:endParaRPr sz="4400" b="0" i="0" u="none" strike="noStrike" cap="none">
-              <a:solidFill>
-                <a:schemeClr val="dk1"/>
-              </a:solidFill>
-              <a:latin typeface="Calibri"/>
-              <a:ea typeface="Calibri"/>
-              <a:cs typeface="Calibri"/>
-              <a:sym typeface="Calibri"/>
-            </a:endParaRPr>
-          </a:p>
-        </p:txBody>
-      </p:sp>
-    </p:spTree>
-  </p:cSld>
-  <p:clrMapOvr>
-    <a:masterClrMapping/>
-  </p:clrMapOvr>
-</p:sld>
-</file>
-
-<file path=ppt/slides/slide14.xml><?xml version="1.0" encoding="utf-8"?>
-<p:sld xmlns:a="http://schemas.openxmlformats.org/drawingml/2006/main" xmlns:r="http://schemas.openxmlformats.org/officeDocument/2006/relationships" xmlns:p="http://schemas.openxmlformats.org/presentationml/2006/main">
-  <p:cSld>
-    <p:spTree>
-      <p:nvGrpSpPr>
-        <p:cNvPr id="1" name="Shape 103"/>
-        <p:cNvGrpSpPr/>
-        <p:nvPr/>
-      </p:nvGrpSpPr>
-      <p:grpSpPr>
-        <a:xfrm>
-          <a:off x="0" y="0"/>
-          <a:ext cx="0" cy="0"/>
-          <a:chOff x="0" y="0"/>
-          <a:chExt cx="0" cy="0"/>
-        </a:xfrm>
-      </p:grpSpPr>
-      <p:sp>
-        <p:nvSpPr>
-          <p:cNvPr id="104" name="Google Shape;104;p26"/>
-          <p:cNvSpPr txBox="1">
-            <a:spLocks noGrp="1"/>
-          </p:cNvSpPr>
-          <p:nvPr>
-            <p:ph type="title"/>
-          </p:nvPr>
-        </p:nvSpPr>
-        <p:spPr>
-          <a:xfrm>
-            <a:off x="457200" y="274637"/>
-            <a:ext cx="8229600" cy="1143000"/>
-          </a:xfrm>
-          <a:prstGeom prst="rect">
-            <a:avLst/>
-          </a:prstGeom>
-        </p:spPr>
-        <p:txBody>
-          <a:bodyPr spcFirstLastPara="1" wrap="square" lIns="91425" tIns="91425" rIns="91425" bIns="91425" anchor="t" anchorCtr="0">
-            <a:noAutofit/>
-          </a:bodyPr>
-          <a:lstStyle/>
-          <a:p>
-            <a:pPr marL="0" lvl="0" indent="0" algn="ctr" rtl="0">
-              <a:spcBef>
-                <a:spcPts val="0"/>
-              </a:spcBef>
-              <a:spcAft>
-                <a:spcPts val="0"/>
-              </a:spcAft>
-              <a:buNone/>
-            </a:pPr>
-            <a:r>
-              <a:rPr lang="en"/>
-              <a:t>update_target_point_position.C continued</a:t>
-            </a:r>
-            <a:endParaRPr/>
-          </a:p>
-        </p:txBody>
-      </p:sp>
-      <p:sp>
-        <p:nvSpPr>
-          <p:cNvPr id="105" name="Google Shape;105;p26"/>
-          <p:cNvSpPr txBox="1">
-            <a:spLocks noGrp="1"/>
-          </p:cNvSpPr>
-          <p:nvPr>
-            <p:ph type="body" idx="1"/>
-          </p:nvPr>
-        </p:nvSpPr>
-        <p:spPr>
-          <a:xfrm>
-            <a:off x="457200" y="1600200"/>
-            <a:ext cx="8229600" cy="4526100"/>
-          </a:xfrm>
-          <a:prstGeom prst="rect">
-            <a:avLst/>
-          </a:prstGeom>
-        </p:spPr>
-        <p:txBody>
-          <a:bodyPr spcFirstLastPara="1" wrap="square" lIns="91425" tIns="91425" rIns="91425" bIns="91425" anchor="t" anchorCtr="0">
-            <a:noAutofit/>
-          </a:bodyPr>
-          <a:lstStyle/>
-          <a:p>
-            <a:pPr marL="0" lvl="0" indent="0" algn="l" rtl="0">
-              <a:spcBef>
-                <a:spcPts val="640"/>
-              </a:spcBef>
-              <a:spcAft>
-                <a:spcPts val="0"/>
-              </a:spcAft>
-              <a:buClr>
-                <a:schemeClr val="dk1"/>
-              </a:buClr>
-              <a:buFont typeface="Calibri"/>
-              <a:buNone/>
-            </a:pPr>
-            <a:r>
-              <a:rPr lang="en" sz="1400"/>
-              <a:t>else</a:t>
-            </a:r>
-            <a:endParaRPr sz="1400"/>
-          </a:p>
-          <a:p>
-            <a:pPr marL="0" lvl="0" indent="0" algn="l" rtl="0">
-              <a:spcBef>
-                <a:spcPts val="640"/>
-              </a:spcBef>
-              <a:spcAft>
-                <a:spcPts val="0"/>
-              </a:spcAft>
-              <a:buNone/>
-            </a:pPr>
-            <a:r>
-              <a:rPr lang="en" sz="1400"/>
-              <a:t>//here we move the wing at a constant speed.</a:t>
-            </a:r>
-            <a:endParaRPr sz="1400"/>
-          </a:p>
-          <a:p>
-            <a:pPr marL="0" lvl="0" indent="0" algn="l" rtl="0">
-              <a:spcBef>
-                <a:spcPts val="640"/>
-              </a:spcBef>
-              <a:spcAft>
-                <a:spcPts val="0"/>
-              </a:spcAft>
-              <a:buNone/>
-            </a:pPr>
-            <a:endParaRPr sz="1400"/>
-          </a:p>
-          <a:p>
-            <a:pPr marL="0" lvl="0" indent="0" algn="l" rtl="0">
-              <a:spcBef>
-                <a:spcPts val="640"/>
-              </a:spcBef>
-              <a:spcAft>
-                <a:spcPts val="0"/>
-              </a:spcAft>
-              <a:buNone/>
-            </a:pPr>
-            <a:r>
-              <a:rPr lang="en" sz="1400"/>
-              <a:t>if (wing_lag_idxs.first &lt;= lag_idx &amp;&amp; lag_idx &lt; wing_lag_idxs.second)</a:t>
-            </a:r>
-            <a:endParaRPr sz="1400"/>
-          </a:p>
-          <a:p>
-            <a:pPr marL="0" lvl="0" indent="0" algn="l" rtl="0">
-              <a:spcBef>
-                <a:spcPts val="640"/>
-              </a:spcBef>
-              <a:spcAft>
-                <a:spcPts val="0"/>
-              </a:spcAft>
-              <a:buNone/>
-            </a:pPr>
-            <a:r>
-              <a:rPr lang="en" sz="1400"/>
-              <a:t>//check to see if the node is on the first wing (it is because we only have one wing in this case).</a:t>
-            </a:r>
-            <a:endParaRPr sz="1400"/>
-          </a:p>
-          <a:p>
-            <a:pPr marL="0" lvl="0" indent="0" algn="l" rtl="0">
-              <a:spcBef>
-                <a:spcPts val="640"/>
-              </a:spcBef>
-              <a:spcAft>
-                <a:spcPts val="0"/>
-              </a:spcAft>
-              <a:buClr>
-                <a:schemeClr val="dk1"/>
-              </a:buClr>
-              <a:buFont typeface="Arial"/>
-              <a:buNone/>
-            </a:pPr>
-            <a:endParaRPr sz="1400"/>
-          </a:p>
-          <a:p>
-            <a:pPr marL="0" lvl="0" indent="0" algn="l" rtl="0">
-              <a:spcBef>
-                <a:spcPts val="640"/>
-              </a:spcBef>
-              <a:spcAft>
-                <a:spcPts val="0"/>
-              </a:spcAft>
-              <a:buClr>
-                <a:schemeClr val="dk1"/>
-              </a:buClr>
-              <a:buFont typeface="Calibri"/>
-              <a:buNone/>
-            </a:pPr>
-            <a:r>
-              <a:rPr lang="en" sz="1400"/>
-              <a:t>X_target[1]+=V*dt;</a:t>
-            </a:r>
-            <a:endParaRPr sz="1400"/>
-          </a:p>
-        </p:txBody>
-      </p:sp>
-    </p:spTree>
-  </p:cSld>
-  <p:clrMapOvr>
-    <a:masterClrMapping/>
-  </p:clrMapOvr>
-</p:sld>
-</file>
-
-<file path=ppt/slides/slide2.xml><?xml version="1.0" encoding="utf-8"?>
 <p:sld xmlns:a="http://schemas.openxmlformats.org/drawingml/2006/main" xmlns:r="http://schemas.openxmlformats.org/officeDocument/2006/relationships" xmlns:p="http://schemas.openxmlformats.org/presentationml/2006/main">
   <p:cSld>
     <p:spTree>
@@ -13667,8 +11971,8 @@
               <a:buNone/>
             </a:pPr>
             <a:r>
-              <a:rPr lang="en-US" dirty="0" smtClean="0"/>
-              <a:t>Moving boundaries</a:t>
+              <a:rPr lang="en-US" dirty="0" err="1"/>
+              <a:t>Sawtooth.vertex</a:t>
             </a:r>
             <a:endParaRPr lang="en-US" dirty="0"/>
           </a:p>
@@ -13676,59 +11980,142 @@
       </p:sp>
       <p:sp>
         <p:nvSpPr>
-          <p:cNvPr id="3" name="Text Placeholder 2"/>
-          <p:cNvSpPr>
-            <a:spLocks noGrp="1"/>
-          </p:cNvSpPr>
-          <p:nvPr>
-            <p:ph type="body" idx="1"/>
-          </p:nvPr>
+          <p:cNvPr id="5" name="Rectangle 4"/>
+          <p:cNvSpPr/>
+          <p:nvPr/>
         </p:nvSpPr>
-        <p:spPr/>
+        <p:spPr>
+          <a:xfrm>
+            <a:off x="798844" y="1800730"/>
+            <a:ext cx="7983416" cy="3108543"/>
+          </a:xfrm>
+          <a:prstGeom prst="rect">
+            <a:avLst/>
+          </a:prstGeom>
+        </p:spPr>
         <p:txBody>
-          <a:bodyPr/>
+          <a:bodyPr wrap="square">
+            <a:spAutoFit/>
+          </a:bodyPr>
           <a:lstStyle/>
           <a:p>
             <a:r>
-              <a:rPr lang="en-US" dirty="0" smtClean="0"/>
-              <a:t>You can make boundaries actively move using</a:t>
-            </a:r>
-          </a:p>
-          <a:p>
-            <a:pPr lvl="1"/>
-            <a:r>
-              <a:rPr lang="en-US" dirty="0" smtClean="0"/>
-              <a:t>Target points to provide a preferred motion</a:t>
-            </a:r>
-          </a:p>
-          <a:p>
-            <a:pPr lvl="1"/>
-            <a:r>
-              <a:rPr lang="en-US" dirty="0" smtClean="0"/>
-              <a:t>Springs whose stiffness or resting lengths change in time</a:t>
-            </a:r>
-          </a:p>
-          <a:p>
-            <a:pPr lvl="1"/>
-            <a:r>
-              <a:rPr lang="en-US" dirty="0" smtClean="0"/>
-              <a:t>Beams whose resting curvature changes in time</a:t>
-            </a:r>
-          </a:p>
-          <a:p>
-            <a:pPr lvl="1"/>
-            <a:r>
-              <a:rPr lang="en-US" dirty="0" smtClean="0"/>
-              <a:t>Muscle models / muscle springs</a:t>
-            </a:r>
-            <a:endParaRPr lang="en-US" dirty="0"/>
+              <a:rPr lang="en-US" dirty="0">
+                <a:latin typeface="Courier New" panose="02070309020205020404" pitchFamily="49" charset="0"/>
+              </a:rPr>
+              <a:t>6552</a:t>
+            </a:r>
+          </a:p>
+          <a:p>
+            <a:r>
+              <a:rPr lang="en-US" dirty="0">
+                <a:latin typeface="Courier New" panose="02070309020205020404" pitchFamily="49" charset="0"/>
+              </a:rPr>
+              <a:t>2.2241789313828884e+00 1.6625000000000001e+00</a:t>
+            </a:r>
+          </a:p>
+          <a:p>
+            <a:r>
+              <a:rPr lang="en-US" dirty="0">
+                <a:latin typeface="Courier New" panose="02070309020205020404" pitchFamily="49" charset="0"/>
+              </a:rPr>
+              <a:t>2.2241789313828884e+00 1.6680803571428571e+00</a:t>
+            </a:r>
+          </a:p>
+          <a:p>
+            <a:r>
+              <a:rPr lang="en-US" dirty="0">
+                <a:latin typeface="Courier New" panose="02070309020205020404" pitchFamily="49" charset="0"/>
+              </a:rPr>
+              <a:t>2.2241789313828884e+00 1.6736607142857143e+00</a:t>
+            </a:r>
+          </a:p>
+          <a:p>
+            <a:r>
+              <a:rPr lang="en-US" dirty="0">
+                <a:latin typeface="Courier New" panose="02070309020205020404" pitchFamily="49" charset="0"/>
+              </a:rPr>
+              <a:t>2.2241789313828884e+00 1.6792410714285715e+00</a:t>
+            </a:r>
+          </a:p>
+          <a:p>
+            <a:r>
+              <a:rPr lang="en-US" dirty="0">
+                <a:latin typeface="Courier New" panose="02070309020205020404" pitchFamily="49" charset="0"/>
+              </a:rPr>
+              <a:t>2.2241789313828884e+00 1.6848214285714285e+00</a:t>
+            </a:r>
+          </a:p>
+          <a:p>
+            <a:r>
+              <a:rPr lang="en-US" dirty="0">
+                <a:latin typeface="Courier New" panose="02070309020205020404" pitchFamily="49" charset="0"/>
+              </a:rPr>
+              <a:t>2.2241789313828884e+00 1.6904017857142857e+00</a:t>
+            </a:r>
+          </a:p>
+          <a:p>
+            <a:r>
+              <a:rPr lang="en-US" dirty="0">
+                <a:latin typeface="Courier New" panose="02070309020205020404" pitchFamily="49" charset="0"/>
+              </a:rPr>
+              <a:t>2.2241789313828884e+00 1.6959821428571429e+00</a:t>
+            </a:r>
+          </a:p>
+          <a:p>
+            <a:r>
+              <a:rPr lang="en-US" dirty="0">
+                <a:latin typeface="Courier New" panose="02070309020205020404" pitchFamily="49" charset="0"/>
+              </a:rPr>
+              <a:t>2.2241789313828884e+00 1.7015625000000001e+00</a:t>
+            </a:r>
+          </a:p>
+          <a:p>
+            <a:r>
+              <a:rPr lang="en-US" dirty="0">
+                <a:latin typeface="Courier New" panose="02070309020205020404" pitchFamily="49" charset="0"/>
+              </a:rPr>
+              <a:t>2.2241789313828884e+00 1.7071428571428571e+00</a:t>
+            </a:r>
+          </a:p>
+          <a:p>
+            <a:r>
+              <a:rPr lang="en-US" dirty="0">
+                <a:latin typeface="Courier New" panose="02070309020205020404" pitchFamily="49" charset="0"/>
+              </a:rPr>
+              <a:t>2.2241789313828884e+00 1.7127232142857143e+00</a:t>
+            </a:r>
+          </a:p>
+          <a:p>
+            <a:r>
+              <a:rPr lang="en-US" dirty="0">
+                <a:latin typeface="Courier New" panose="02070309020205020404" pitchFamily="49" charset="0"/>
+              </a:rPr>
+              <a:t>2.2241789313828884e+00 1.7183035714285715e+00</a:t>
+            </a:r>
+          </a:p>
+          <a:p>
+            <a:r>
+              <a:rPr lang="en-US" dirty="0">
+                <a:latin typeface="Courier New" panose="02070309020205020404" pitchFamily="49" charset="0"/>
+              </a:rPr>
+              <a:t> </a:t>
+            </a:r>
+          </a:p>
+          <a:p>
+            <a:r>
+              <a:rPr lang="en-US" dirty="0">
+                <a:latin typeface="Courier New" panose="02070309020205020404" pitchFamily="49" charset="0"/>
+              </a:rPr>
+              <a:t>…….</a:t>
+            </a:r>
           </a:p>
         </p:txBody>
       </p:sp>
     </p:spTree>
     <p:extLst>
       <p:ext uri="{BB962C8B-B14F-4D97-AF65-F5344CB8AC3E}">
-        <p14:creationId xmlns:p14="http://schemas.microsoft.com/office/powerpoint/2010/main" val="3946931788"/>
+        <p14:creationId xmlns:p14="http://schemas.microsoft.com/office/powerpoint/2010/main" val="1560706487"/>
       </p:ext>
     </p:extLst>
   </p:cSld>
@@ -13738,7 +12125,7 @@
 </p:sld>
 </file>
 
-<file path=ppt/slides/slide3.xml><?xml version="1.0" encoding="utf-8"?>
+<file path=ppt/slides/slide13.xml><?xml version="1.0" encoding="utf-8"?>
 <p:sld xmlns:a="http://schemas.openxmlformats.org/drawingml/2006/main" xmlns:r="http://schemas.openxmlformats.org/officeDocument/2006/relationships" xmlns:p="http://schemas.openxmlformats.org/presentationml/2006/main">
   <p:cSld>
     <p:spTree>
@@ -13774,587 +12161,8 @@
               <a:buNone/>
             </a:pPr>
             <a:r>
-              <a:rPr lang="en-US" dirty="0" smtClean="0"/>
-              <a:t>IB2d – Example </a:t>
-            </a:r>
-            <a:r>
-              <a:rPr lang="en-US" dirty="0" err="1" smtClean="0"/>
-              <a:t>Sawtooth</a:t>
-            </a:r>
-            <a:endParaRPr lang="en-US" dirty="0"/>
-          </a:p>
-        </p:txBody>
-      </p:sp>
-      <p:pic>
-        <p:nvPicPr>
-          <p:cNvPr id="4" name="Picture 3"/>
-          <p:cNvPicPr>
-            <a:picLocks noChangeAspect="1"/>
-          </p:cNvPicPr>
-          <p:nvPr/>
-        </p:nvPicPr>
-        <p:blipFill>
-          <a:blip r:embed="rId2"/>
-          <a:stretch>
-            <a:fillRect/>
-          </a:stretch>
-        </p:blipFill>
-        <p:spPr>
-          <a:xfrm>
-            <a:off x="176840" y="3613363"/>
-            <a:ext cx="8509960" cy="2802855"/>
-          </a:xfrm>
-          <a:prstGeom prst="rect">
-            <a:avLst/>
-          </a:prstGeom>
-        </p:spPr>
-      </p:pic>
-      <p:sp>
-        <p:nvSpPr>
-          <p:cNvPr id="5" name="TextBox 4"/>
-          <p:cNvSpPr txBox="1"/>
-          <p:nvPr/>
-        </p:nvSpPr>
-        <p:spPr>
-          <a:xfrm>
-            <a:off x="760700" y="1738364"/>
-            <a:ext cx="6894836" cy="1554272"/>
-          </a:xfrm>
-          <a:prstGeom prst="rect">
-            <a:avLst/>
-          </a:prstGeom>
-          <a:noFill/>
-        </p:spPr>
-        <p:txBody>
-          <a:bodyPr wrap="none" rtlCol="0">
-            <a:spAutoFit/>
-          </a:bodyPr>
-          <a:lstStyle/>
-          <a:p>
-            <a:pPr indent="-285750">
-              <a:spcAft>
-                <a:spcPts val="600"/>
-              </a:spcAft>
-              <a:buFont typeface="Arial" panose="020B0604020202020204" pitchFamily="34" charset="0"/>
-              <a:buChar char="•"/>
-            </a:pPr>
-            <a:r>
-              <a:rPr lang="en-US" sz="2000" dirty="0" smtClean="0"/>
-              <a:t>Vertices make up a saw tooth channel.</a:t>
-            </a:r>
-          </a:p>
-          <a:p>
-            <a:pPr indent="-285750">
-              <a:spcAft>
-                <a:spcPts val="600"/>
-              </a:spcAft>
-              <a:buFont typeface="Arial" panose="020B0604020202020204" pitchFamily="34" charset="0"/>
-              <a:buChar char="•"/>
-            </a:pPr>
-            <a:r>
-              <a:rPr lang="en-US" sz="2000" dirty="0" smtClean="0"/>
-              <a:t>The top of the channel moves up and down to drive flow.</a:t>
-            </a:r>
-          </a:p>
-          <a:p>
-            <a:pPr indent="-285750">
-              <a:spcAft>
-                <a:spcPts val="600"/>
-              </a:spcAft>
-              <a:buFont typeface="Arial" panose="020B0604020202020204" pitchFamily="34" charset="0"/>
-              <a:buChar char="•"/>
-            </a:pPr>
-            <a:r>
-              <a:rPr lang="en-US" sz="2000" dirty="0" smtClean="0"/>
-              <a:t>Target points are used to impose a preferred motion.</a:t>
-            </a:r>
-          </a:p>
-          <a:p>
-            <a:pPr indent="-285750">
-              <a:spcAft>
-                <a:spcPts val="600"/>
-              </a:spcAft>
-              <a:buFont typeface="Arial" panose="020B0604020202020204" pitchFamily="34" charset="0"/>
-              <a:buChar char="•"/>
-            </a:pPr>
-            <a:r>
-              <a:rPr lang="en-US" sz="2000" dirty="0" smtClean="0"/>
-              <a:t>The bottom of the channel does not move.</a:t>
-            </a:r>
-            <a:endParaRPr lang="en-US" sz="2000" dirty="0"/>
-          </a:p>
-        </p:txBody>
-      </p:sp>
-    </p:spTree>
-    <p:extLst>
-      <p:ext uri="{BB962C8B-B14F-4D97-AF65-F5344CB8AC3E}">
-        <p14:creationId xmlns:p14="http://schemas.microsoft.com/office/powerpoint/2010/main" val="2241024837"/>
-      </p:ext>
-    </p:extLst>
-  </p:cSld>
-  <p:clrMapOvr>
-    <a:masterClrMapping/>
-  </p:clrMapOvr>
-</p:sld>
-</file>
-
-<file path=ppt/slides/slide4.xml><?xml version="1.0" encoding="utf-8"?>
-<p:sld xmlns:a="http://schemas.openxmlformats.org/drawingml/2006/main" xmlns:r="http://schemas.openxmlformats.org/officeDocument/2006/relationships" xmlns:p="http://schemas.openxmlformats.org/presentationml/2006/main">
-  <p:cSld>
-    <p:spTree>
-      <p:nvGrpSpPr>
-        <p:cNvPr id="1" name=""/>
-        <p:cNvGrpSpPr/>
-        <p:nvPr/>
-      </p:nvGrpSpPr>
-      <p:grpSpPr>
-        <a:xfrm>
-          <a:off x="0" y="0"/>
-          <a:ext cx="0" cy="0"/>
-          <a:chOff x="0" y="0"/>
-          <a:chExt cx="0" cy="0"/>
-        </a:xfrm>
-      </p:grpSpPr>
-      <p:sp>
-        <p:nvSpPr>
-          <p:cNvPr id="2" name="Title 1"/>
-          <p:cNvSpPr>
-            <a:spLocks noGrp="1"/>
-          </p:cNvSpPr>
-          <p:nvPr>
-            <p:ph type="title"/>
-          </p:nvPr>
-        </p:nvSpPr>
-        <p:spPr/>
-        <p:txBody>
-          <a:bodyPr/>
-          <a:lstStyle/>
-          <a:p>
-            <a:pPr indent="0">
-              <a:buNone/>
-            </a:pPr>
-            <a:r>
               <a:rPr lang="en-US" dirty="0" err="1"/>
-              <a:t>update_Target_Point_Positions</a:t>
-            </a:r>
-            <a:endParaRPr lang="en-US" dirty="0"/>
-          </a:p>
-        </p:txBody>
-      </p:sp>
-      <p:sp>
-        <p:nvSpPr>
-          <p:cNvPr id="3" name="Text Placeholder 2"/>
-          <p:cNvSpPr>
-            <a:spLocks noGrp="1"/>
-          </p:cNvSpPr>
-          <p:nvPr>
-            <p:ph type="body" idx="1"/>
-          </p:nvPr>
-        </p:nvSpPr>
-        <p:spPr>
-          <a:xfrm>
-            <a:off x="457200" y="1509764"/>
-            <a:ext cx="8229600" cy="4525962"/>
-          </a:xfrm>
-        </p:spPr>
-        <p:txBody>
-          <a:bodyPr/>
-          <a:lstStyle/>
-          <a:p>
-            <a:r>
-              <a:rPr lang="en-US" sz="2400" dirty="0"/>
-              <a:t>function targets = </a:t>
-            </a:r>
-            <a:r>
-              <a:rPr lang="en-US" sz="2400" dirty="0" err="1"/>
-              <a:t>update_Target_Point_Positions</a:t>
-            </a:r>
-            <a:r>
-              <a:rPr lang="en-US" sz="2400" dirty="0"/>
-              <a:t>(</a:t>
-            </a:r>
-            <a:r>
-              <a:rPr lang="en-US" sz="2400" dirty="0" err="1"/>
-              <a:t>dt,current_time,targets</a:t>
-            </a:r>
-            <a:r>
-              <a:rPr lang="en-US" sz="2400" dirty="0" smtClean="0"/>
-              <a:t>)</a:t>
-            </a:r>
-          </a:p>
-          <a:p>
-            <a:pPr lvl="1"/>
-            <a:r>
-              <a:rPr lang="en-US" sz="2000" dirty="0" smtClean="0"/>
-              <a:t>Function reads in the time step, current time, and target points information.</a:t>
-            </a:r>
-          </a:p>
-          <a:p>
-            <a:pPr lvl="1"/>
-            <a:r>
-              <a:rPr lang="en-US" sz="2000" dirty="0" smtClean="0"/>
-              <a:t>Function returns updated target point information.</a:t>
-            </a:r>
-            <a:endParaRPr lang="en-US" sz="2000" dirty="0"/>
-          </a:p>
-          <a:p>
-            <a:r>
-              <a:rPr lang="en-US" sz="2400" dirty="0" err="1"/>
-              <a:t>yPts</a:t>
-            </a:r>
-            <a:r>
-              <a:rPr lang="en-US" sz="2400" dirty="0"/>
-              <a:t>= targets(:,3);               </a:t>
-            </a:r>
-            <a:r>
-              <a:rPr lang="en-US" sz="2400" dirty="0" smtClean="0"/>
-              <a:t>% </a:t>
-            </a:r>
-            <a:r>
-              <a:rPr lang="en-US" sz="2400" dirty="0"/>
-              <a:t>Previous y-Values of y-Target </a:t>
-            </a:r>
-            <a:r>
-              <a:rPr lang="en-US" sz="2400" dirty="0" smtClean="0"/>
-              <a:t>Pts</a:t>
-            </a:r>
-          </a:p>
-          <a:p>
-            <a:pPr lvl="1"/>
-            <a:r>
-              <a:rPr lang="en-US" sz="2000" dirty="0" smtClean="0"/>
-              <a:t>We are only modifying the y-values, which are stored in the third column.</a:t>
-            </a:r>
-          </a:p>
-          <a:p>
-            <a:pPr lvl="1"/>
-            <a:r>
-              <a:rPr lang="en-US" sz="2000" dirty="0" smtClean="0"/>
-              <a:t>The </a:t>
-            </a:r>
-            <a:r>
-              <a:rPr lang="en-US" sz="2000" dirty="0" err="1" smtClean="0"/>
-              <a:t>lagrangian</a:t>
-            </a:r>
-            <a:r>
-              <a:rPr lang="en-US" sz="2000" dirty="0" smtClean="0"/>
-              <a:t> IDs are in the first column, and the x- positions are in the second. The fourth column stores the spring </a:t>
-            </a:r>
-            <a:r>
-              <a:rPr lang="en-US" sz="2000" dirty="0" err="1" smtClean="0"/>
-              <a:t>stiffnesses</a:t>
-            </a:r>
-            <a:r>
-              <a:rPr lang="en-US" sz="2000" dirty="0" smtClean="0"/>
-              <a:t>.</a:t>
-            </a:r>
-            <a:endParaRPr lang="en-US" sz="2000" dirty="0"/>
-          </a:p>
-          <a:p>
-            <a:r>
-              <a:rPr lang="en-US" sz="2400" dirty="0" err="1"/>
-              <a:t>N_top</a:t>
-            </a:r>
-            <a:r>
-              <a:rPr lang="en-US" sz="2400" dirty="0"/>
-              <a:t> = 3276;  </a:t>
-            </a:r>
-            <a:r>
-              <a:rPr lang="en-US" sz="2400" dirty="0" smtClean="0"/>
-              <a:t>                    % </a:t>
-            </a:r>
-            <a:r>
-              <a:rPr lang="en-US" sz="2400" dirty="0"/>
-              <a:t># of points along </a:t>
-            </a:r>
-            <a:r>
-              <a:rPr lang="en-US" sz="2400" dirty="0" smtClean="0"/>
-              <a:t>top</a:t>
-            </a:r>
-          </a:p>
-          <a:p>
-            <a:pPr lvl="1"/>
-            <a:r>
-              <a:rPr lang="en-US" sz="2000" dirty="0" smtClean="0"/>
-              <a:t>Look at the </a:t>
-            </a:r>
-            <a:r>
-              <a:rPr lang="en-US" sz="2000" dirty="0" err="1" smtClean="0"/>
               <a:t>sawtooth.target</a:t>
-            </a:r>
-            <a:r>
-              <a:rPr lang="en-US" sz="2000" dirty="0" smtClean="0"/>
-              <a:t> file. There are 6552 points. 1-3276 are the top of the </a:t>
-            </a:r>
-            <a:r>
-              <a:rPr lang="en-US" sz="2000" dirty="0" err="1" smtClean="0"/>
-              <a:t>sawtooth</a:t>
-            </a:r>
-            <a:r>
-              <a:rPr lang="en-US" sz="2000" dirty="0" smtClean="0"/>
-              <a:t>, 3277-6552 are the bottom.</a:t>
-            </a:r>
-            <a:endParaRPr lang="en-US" sz="2000" dirty="0"/>
-          </a:p>
-          <a:p>
-            <a:pPr marL="596900" lvl="1" indent="0">
-              <a:buNone/>
-            </a:pPr>
-            <a:endParaRPr lang="en-US" sz="2000" dirty="0"/>
-          </a:p>
-          <a:p>
-            <a:endParaRPr lang="en-US" sz="2400" dirty="0"/>
-          </a:p>
-        </p:txBody>
-      </p:sp>
-    </p:spTree>
-    <p:extLst>
-      <p:ext uri="{BB962C8B-B14F-4D97-AF65-F5344CB8AC3E}">
-        <p14:creationId xmlns:p14="http://schemas.microsoft.com/office/powerpoint/2010/main" val="3797415975"/>
-      </p:ext>
-    </p:extLst>
-  </p:cSld>
-  <p:clrMapOvr>
-    <a:masterClrMapping/>
-  </p:clrMapOvr>
-</p:sld>
-</file>
-
-<file path=ppt/slides/slide5.xml><?xml version="1.0" encoding="utf-8"?>
-<p:sld xmlns:a="http://schemas.openxmlformats.org/drawingml/2006/main" xmlns:r="http://schemas.openxmlformats.org/officeDocument/2006/relationships" xmlns:p="http://schemas.openxmlformats.org/presentationml/2006/main">
-  <p:cSld>
-    <p:spTree>
-      <p:nvGrpSpPr>
-        <p:cNvPr id="1" name=""/>
-        <p:cNvGrpSpPr/>
-        <p:nvPr/>
-      </p:nvGrpSpPr>
-      <p:grpSpPr>
-        <a:xfrm>
-          <a:off x="0" y="0"/>
-          <a:ext cx="0" cy="0"/>
-          <a:chOff x="0" y="0"/>
-          <a:chExt cx="0" cy="0"/>
-        </a:xfrm>
-      </p:grpSpPr>
-      <p:sp>
-        <p:nvSpPr>
-          <p:cNvPr id="2" name="Title 1"/>
-          <p:cNvSpPr>
-            <a:spLocks noGrp="1"/>
-          </p:cNvSpPr>
-          <p:nvPr>
-            <p:ph type="title"/>
-          </p:nvPr>
-        </p:nvSpPr>
-        <p:spPr/>
-        <p:txBody>
-          <a:bodyPr/>
-          <a:lstStyle/>
-          <a:p>
-            <a:pPr indent="0">
-              <a:buNone/>
-            </a:pPr>
-            <a:r>
-              <a:rPr lang="en-US" dirty="0" err="1" smtClean="0"/>
-              <a:t>Sawtooth.vertex</a:t>
-            </a:r>
-            <a:endParaRPr lang="en-US" dirty="0"/>
-          </a:p>
-        </p:txBody>
-      </p:sp>
-      <p:sp>
-        <p:nvSpPr>
-          <p:cNvPr id="5" name="Rectangle 4"/>
-          <p:cNvSpPr/>
-          <p:nvPr/>
-        </p:nvSpPr>
-        <p:spPr>
-          <a:xfrm>
-            <a:off x="798844" y="1800730"/>
-            <a:ext cx="7983416" cy="3108543"/>
-          </a:xfrm>
-          <a:prstGeom prst="rect">
-            <a:avLst/>
-          </a:prstGeom>
-        </p:spPr>
-        <p:txBody>
-          <a:bodyPr wrap="square">
-            <a:spAutoFit/>
-          </a:bodyPr>
-          <a:lstStyle/>
-          <a:p>
-            <a:r>
-              <a:rPr lang="en-US" dirty="0">
-                <a:latin typeface="Courier New" panose="02070309020205020404" pitchFamily="49" charset="0"/>
-              </a:rPr>
-              <a:t>6552</a:t>
-            </a:r>
-          </a:p>
-          <a:p>
-            <a:r>
-              <a:rPr lang="en-US" dirty="0">
-                <a:latin typeface="Courier New" panose="02070309020205020404" pitchFamily="49" charset="0"/>
-              </a:rPr>
-              <a:t>2.2241789313828884e+00 1.6625000000000001e+00</a:t>
-            </a:r>
-          </a:p>
-          <a:p>
-            <a:r>
-              <a:rPr lang="en-US" dirty="0">
-                <a:latin typeface="Courier New" panose="02070309020205020404" pitchFamily="49" charset="0"/>
-              </a:rPr>
-              <a:t>2.2241789313828884e+00 1.6680803571428571e+00</a:t>
-            </a:r>
-          </a:p>
-          <a:p>
-            <a:r>
-              <a:rPr lang="en-US" dirty="0">
-                <a:latin typeface="Courier New" panose="02070309020205020404" pitchFamily="49" charset="0"/>
-              </a:rPr>
-              <a:t>2.2241789313828884e+00 1.6736607142857143e+00</a:t>
-            </a:r>
-          </a:p>
-          <a:p>
-            <a:r>
-              <a:rPr lang="en-US" dirty="0">
-                <a:latin typeface="Courier New" panose="02070309020205020404" pitchFamily="49" charset="0"/>
-              </a:rPr>
-              <a:t>2.2241789313828884e+00 1.6792410714285715e+00</a:t>
-            </a:r>
-          </a:p>
-          <a:p>
-            <a:r>
-              <a:rPr lang="en-US" dirty="0">
-                <a:latin typeface="Courier New" panose="02070309020205020404" pitchFamily="49" charset="0"/>
-              </a:rPr>
-              <a:t>2.2241789313828884e+00 1.6848214285714285e+00</a:t>
-            </a:r>
-          </a:p>
-          <a:p>
-            <a:r>
-              <a:rPr lang="en-US" dirty="0">
-                <a:latin typeface="Courier New" panose="02070309020205020404" pitchFamily="49" charset="0"/>
-              </a:rPr>
-              <a:t>2.2241789313828884e+00 1.6904017857142857e+00</a:t>
-            </a:r>
-          </a:p>
-          <a:p>
-            <a:r>
-              <a:rPr lang="en-US" dirty="0">
-                <a:latin typeface="Courier New" panose="02070309020205020404" pitchFamily="49" charset="0"/>
-              </a:rPr>
-              <a:t>2.2241789313828884e+00 1.6959821428571429e+00</a:t>
-            </a:r>
-          </a:p>
-          <a:p>
-            <a:r>
-              <a:rPr lang="en-US" dirty="0">
-                <a:latin typeface="Courier New" panose="02070309020205020404" pitchFamily="49" charset="0"/>
-              </a:rPr>
-              <a:t>2.2241789313828884e+00 1.7015625000000001e+00</a:t>
-            </a:r>
-          </a:p>
-          <a:p>
-            <a:r>
-              <a:rPr lang="en-US" dirty="0">
-                <a:latin typeface="Courier New" panose="02070309020205020404" pitchFamily="49" charset="0"/>
-              </a:rPr>
-              <a:t>2.2241789313828884e+00 1.7071428571428571e+00</a:t>
-            </a:r>
-          </a:p>
-          <a:p>
-            <a:r>
-              <a:rPr lang="en-US" dirty="0">
-                <a:latin typeface="Courier New" panose="02070309020205020404" pitchFamily="49" charset="0"/>
-              </a:rPr>
-              <a:t>2.2241789313828884e+00 1.7127232142857143e+00</a:t>
-            </a:r>
-          </a:p>
-          <a:p>
-            <a:r>
-              <a:rPr lang="en-US" dirty="0">
-                <a:latin typeface="Courier New" panose="02070309020205020404" pitchFamily="49" charset="0"/>
-              </a:rPr>
-              <a:t>2.2241789313828884e+00 1.7183035714285715e+00</a:t>
-            </a:r>
-          </a:p>
-          <a:p>
-            <a:r>
-              <a:rPr lang="en-US" dirty="0" smtClean="0">
-                <a:latin typeface="Courier New" panose="02070309020205020404" pitchFamily="49" charset="0"/>
-              </a:rPr>
-              <a:t> </a:t>
-            </a:r>
-          </a:p>
-          <a:p>
-            <a:r>
-              <a:rPr lang="en-US" dirty="0" smtClean="0">
-                <a:latin typeface="Courier New" panose="02070309020205020404" pitchFamily="49" charset="0"/>
-              </a:rPr>
-              <a:t>…….</a:t>
-            </a:r>
-            <a:endParaRPr lang="en-US" dirty="0">
-              <a:latin typeface="Courier New" panose="02070309020205020404" pitchFamily="49" charset="0"/>
-            </a:endParaRPr>
-          </a:p>
-        </p:txBody>
-      </p:sp>
-    </p:spTree>
-    <p:extLst>
-      <p:ext uri="{BB962C8B-B14F-4D97-AF65-F5344CB8AC3E}">
-        <p14:creationId xmlns:p14="http://schemas.microsoft.com/office/powerpoint/2010/main" val="1560706487"/>
-      </p:ext>
-    </p:extLst>
-  </p:cSld>
-  <p:clrMapOvr>
-    <a:masterClrMapping/>
-  </p:clrMapOvr>
-</p:sld>
-</file>
-
-<file path=ppt/slides/slide6.xml><?xml version="1.0" encoding="utf-8"?>
-<p:sld xmlns:a="http://schemas.openxmlformats.org/drawingml/2006/main" xmlns:r="http://schemas.openxmlformats.org/officeDocument/2006/relationships" xmlns:p="http://schemas.openxmlformats.org/presentationml/2006/main">
-  <p:cSld>
-    <p:spTree>
-      <p:nvGrpSpPr>
-        <p:cNvPr id="1" name=""/>
-        <p:cNvGrpSpPr/>
-        <p:nvPr/>
-      </p:nvGrpSpPr>
-      <p:grpSpPr>
-        <a:xfrm>
-          <a:off x="0" y="0"/>
-          <a:ext cx="0" cy="0"/>
-          <a:chOff x="0" y="0"/>
-          <a:chExt cx="0" cy="0"/>
-        </a:xfrm>
-      </p:grpSpPr>
-      <p:sp>
-        <p:nvSpPr>
-          <p:cNvPr id="2" name="Title 1"/>
-          <p:cNvSpPr>
-            <a:spLocks noGrp="1"/>
-          </p:cNvSpPr>
-          <p:nvPr>
-            <p:ph type="title"/>
-          </p:nvPr>
-        </p:nvSpPr>
-        <p:spPr/>
-        <p:txBody>
-          <a:bodyPr/>
-          <a:lstStyle/>
-          <a:p>
-            <a:pPr indent="0">
-              <a:buNone/>
-            </a:pPr>
-            <a:r>
-              <a:rPr lang="en-US" dirty="0" err="1"/>
-              <a:t>s</a:t>
-            </a:r>
-            <a:r>
-              <a:rPr lang="en-US" dirty="0" err="1" smtClean="0"/>
-              <a:t>awtooth.target</a:t>
             </a:r>
             <a:endParaRPr lang="en-US" dirty="0"/>
           </a:p>
@@ -14558,14 +12366,11 @@
           </a:p>
           <a:p>
             <a:r>
-              <a:rPr lang="en-US" dirty="0" smtClean="0">
+              <a:rPr lang="en-US" dirty="0">
                 <a:latin typeface="Courier New" panose="02070309020205020404" pitchFamily="49" charset="0"/>
               </a:rPr>
               <a:t>…..</a:t>
             </a:r>
-            <a:endParaRPr lang="en-US" dirty="0">
-              <a:latin typeface="Courier New" panose="02070309020205020404" pitchFamily="49" charset="0"/>
-            </a:endParaRPr>
           </a:p>
         </p:txBody>
       </p:sp>
@@ -14582,248 +12387,7 @@
 </p:sld>
 </file>
 
-<file path=ppt/slides/slide7.xml><?xml version="1.0" encoding="utf-8"?>
-<p:sld xmlns:a="http://schemas.openxmlformats.org/drawingml/2006/main" xmlns:r="http://schemas.openxmlformats.org/officeDocument/2006/relationships" xmlns:p="http://schemas.openxmlformats.org/presentationml/2006/main">
-  <p:cSld>
-    <p:spTree>
-      <p:nvGrpSpPr>
-        <p:cNvPr id="1" name=""/>
-        <p:cNvGrpSpPr/>
-        <p:nvPr/>
-      </p:nvGrpSpPr>
-      <p:grpSpPr>
-        <a:xfrm>
-          <a:off x="0" y="0"/>
-          <a:ext cx="0" cy="0"/>
-          <a:chOff x="0" y="0"/>
-          <a:chExt cx="0" cy="0"/>
-        </a:xfrm>
-      </p:grpSpPr>
-      <p:sp>
-        <p:nvSpPr>
-          <p:cNvPr id="2" name="Title 1"/>
-          <p:cNvSpPr>
-            <a:spLocks noGrp="1"/>
-          </p:cNvSpPr>
-          <p:nvPr>
-            <p:ph type="title"/>
-          </p:nvPr>
-        </p:nvSpPr>
-        <p:spPr/>
-        <p:txBody>
-          <a:bodyPr/>
-          <a:lstStyle/>
-          <a:p>
-            <a:pPr indent="0">
-              <a:buNone/>
-            </a:pPr>
-            <a:r>
-              <a:rPr lang="en-US" dirty="0" err="1"/>
-              <a:t>update_Target_Point_Positions</a:t>
-            </a:r>
-            <a:endParaRPr lang="en-US" dirty="0"/>
-          </a:p>
-        </p:txBody>
-      </p:sp>
-      <p:sp>
-        <p:nvSpPr>
-          <p:cNvPr id="3" name="Text Placeholder 2"/>
-          <p:cNvSpPr>
-            <a:spLocks noGrp="1"/>
-          </p:cNvSpPr>
-          <p:nvPr>
-            <p:ph type="body" idx="1"/>
-          </p:nvPr>
-        </p:nvSpPr>
-        <p:spPr>
-          <a:xfrm>
-            <a:off x="457200" y="1417637"/>
-            <a:ext cx="8229600" cy="4525962"/>
-          </a:xfrm>
-        </p:spPr>
-        <p:txBody>
-          <a:bodyPr/>
-          <a:lstStyle/>
-          <a:p>
-            <a:r>
-              <a:rPr lang="en-US" sz="2400" dirty="0" err="1"/>
-              <a:t>yPTS</a:t>
-            </a:r>
-            <a:r>
-              <a:rPr lang="en-US" sz="2400" dirty="0"/>
-              <a:t> = </a:t>
-            </a:r>
-            <a:r>
-              <a:rPr lang="en-US" sz="2400" dirty="0" err="1"/>
-              <a:t>read_In_yPT_Positions</a:t>
-            </a:r>
-            <a:r>
-              <a:rPr lang="en-US" sz="2400" dirty="0"/>
-              <a:t>('</a:t>
-            </a:r>
-            <a:r>
-              <a:rPr lang="en-US" sz="2400" dirty="0" err="1"/>
-              <a:t>sawtooth.vertex</a:t>
-            </a:r>
-            <a:r>
-              <a:rPr lang="en-US" sz="2400" dirty="0" smtClean="0"/>
-              <a:t>');</a:t>
-            </a:r>
-          </a:p>
-          <a:p>
-            <a:pPr lvl="1"/>
-            <a:r>
-              <a:rPr lang="en-US" sz="1800" dirty="0" smtClean="0"/>
-              <a:t>This code is written such that the new positions are calculated using the original positions. You could also modify based on the position from the previous time step.</a:t>
-            </a:r>
-            <a:endParaRPr lang="en-US" sz="1800" dirty="0"/>
-          </a:p>
-          <a:p>
-            <a:r>
-              <a:rPr lang="en-US" sz="2400" dirty="0" smtClean="0"/>
-              <a:t>targets(1:N_top,3</a:t>
-            </a:r>
-            <a:r>
-              <a:rPr lang="en-US" sz="2400" dirty="0"/>
-              <a:t>) = </a:t>
-            </a:r>
-            <a:r>
-              <a:rPr lang="en-US" sz="2400" dirty="0" err="1"/>
-              <a:t>yPTS</a:t>
-            </a:r>
-            <a:r>
-              <a:rPr lang="en-US" sz="2400" dirty="0"/>
-              <a:t>(1:N_top) - (a/2)*sin( 2*pi*</a:t>
-            </a:r>
-            <a:r>
-              <a:rPr lang="en-US" sz="2400" dirty="0" err="1"/>
-              <a:t>freq</a:t>
-            </a:r>
-            <a:r>
-              <a:rPr lang="en-US" sz="2400" dirty="0"/>
-              <a:t>*</a:t>
-            </a:r>
-            <a:r>
-              <a:rPr lang="en-US" sz="2400" dirty="0" err="1"/>
-              <a:t>current_time</a:t>
-            </a:r>
-            <a:r>
-              <a:rPr lang="en-US" sz="2400" dirty="0"/>
-              <a:t> </a:t>
-            </a:r>
-            <a:r>
-              <a:rPr lang="en-US" sz="2400" dirty="0" smtClean="0"/>
-              <a:t>);</a:t>
-            </a:r>
-          </a:p>
-          <a:p>
-            <a:pPr lvl="1"/>
-            <a:r>
-              <a:rPr lang="en-US" sz="1800" dirty="0" smtClean="0"/>
-              <a:t>Note that we are only modifying target points 1-N_top, representing the top of the </a:t>
-            </a:r>
-            <a:r>
-              <a:rPr lang="en-US" sz="1800" dirty="0" err="1" smtClean="0"/>
-              <a:t>sawtooth</a:t>
-            </a:r>
-            <a:r>
-              <a:rPr lang="en-US" sz="1800" dirty="0" smtClean="0"/>
-              <a:t>. </a:t>
-            </a:r>
-          </a:p>
-          <a:p>
-            <a:pPr lvl="1"/>
-            <a:r>
-              <a:rPr lang="en-US" sz="1800" dirty="0" smtClean="0"/>
-              <a:t>Recall that the third column are the y-positions.</a:t>
-            </a:r>
-          </a:p>
-          <a:p>
-            <a:r>
-              <a:rPr lang="en-US" sz="2200" dirty="0" smtClean="0"/>
-              <a:t>Note that if you change the resolution, geometry, etc. you will need to update </a:t>
-            </a:r>
-            <a:r>
-              <a:rPr lang="en-US" sz="2200" dirty="0" err="1" smtClean="0"/>
-              <a:t>N_top</a:t>
-            </a:r>
-            <a:r>
-              <a:rPr lang="en-US" sz="2200" dirty="0" smtClean="0"/>
-              <a:t> in this file.</a:t>
-            </a:r>
-          </a:p>
-          <a:p>
-            <a:r>
-              <a:rPr lang="en-US" sz="2200" dirty="0" smtClean="0"/>
-              <a:t>To move the bottom, you would want to do something like the following ---</a:t>
-            </a:r>
-          </a:p>
-          <a:p>
-            <a:pPr lvl="1"/>
-            <a:r>
-              <a:rPr lang="en-US" sz="1600" dirty="0" smtClean="0"/>
-              <a:t>targets(N_top+1:2*N_top,3</a:t>
-            </a:r>
-            <a:r>
-              <a:rPr lang="en-US" sz="1600" dirty="0"/>
-              <a:t>) = </a:t>
-            </a:r>
-            <a:r>
-              <a:rPr lang="en-US" sz="1600" dirty="0" err="1" smtClean="0"/>
-              <a:t>yPTS</a:t>
-            </a:r>
-            <a:r>
-              <a:rPr lang="en-US" sz="1600" dirty="0" smtClean="0"/>
-              <a:t>(</a:t>
-            </a:r>
-            <a:r>
-              <a:rPr lang="en-US" sz="1600" dirty="0"/>
-              <a:t>N_top+1:2*</a:t>
-            </a:r>
-            <a:r>
-              <a:rPr lang="en-US" sz="1600" dirty="0" err="1"/>
-              <a:t>N_top</a:t>
-            </a:r>
-            <a:r>
-              <a:rPr lang="en-US" sz="1600" dirty="0" smtClean="0"/>
-              <a:t>) + </a:t>
-            </a:r>
-            <a:r>
-              <a:rPr lang="en-US" sz="1600" i="1" dirty="0" err="1" smtClean="0"/>
-              <a:t>movement_function</a:t>
-            </a:r>
-            <a:r>
-              <a:rPr lang="en-US" sz="1600" dirty="0" smtClean="0"/>
-              <a:t>.</a:t>
-            </a:r>
-            <a:endParaRPr lang="en-US" sz="1600" dirty="0"/>
-          </a:p>
-          <a:p>
-            <a:endParaRPr lang="en-US" sz="2200" dirty="0" smtClean="0"/>
-          </a:p>
-          <a:p>
-            <a:pPr lvl="1"/>
-            <a:endParaRPr lang="en-US" sz="1800" dirty="0"/>
-          </a:p>
-          <a:p>
-            <a:endParaRPr lang="en-US" sz="2400" dirty="0"/>
-          </a:p>
-        </p:txBody>
-      </p:sp>
-    </p:spTree>
-    <p:extLst>
-      <p:ext uri="{BB962C8B-B14F-4D97-AF65-F5344CB8AC3E}">
-        <p14:creationId xmlns:p14="http://schemas.microsoft.com/office/powerpoint/2010/main" val="1074517670"/>
-      </p:ext>
-    </p:extLst>
-  </p:cSld>
-  <p:clrMapOvr>
-    <a:masterClrMapping/>
-  </p:clrMapOvr>
-</p:sld>
-</file>
-
-<file path=ppt/slides/slide8.xml><?xml version="1.0" encoding="utf-8"?>
+<file path=ppt/slides/slide14.xml><?xml version="1.0" encoding="utf-8"?>
 <p:sld xmlns:a="http://schemas.openxmlformats.org/drawingml/2006/main" xmlns:r="http://schemas.openxmlformats.org/officeDocument/2006/relationships" xmlns:p="http://schemas.openxmlformats.org/presentationml/2006/main">
   <p:cSld>
     <p:spTree>
@@ -14883,7 +12447,7 @@
               <a:buNone/>
             </a:pPr>
             <a:r>
-              <a:rPr lang="en" sz="4000" b="0" i="0" u="none" strike="noStrike" cap="none" dirty="0" smtClean="0">
+              <a:rPr lang="en" sz="4000" b="0" i="0" u="none" strike="noStrike" cap="none" dirty="0">
                 <a:solidFill>
                   <a:schemeClr val="dk1"/>
                 </a:solidFill>
@@ -14892,19 +12456,7 @@
                 <a:cs typeface="Calibri"/>
                 <a:sym typeface="Calibri"/>
               </a:rPr>
-              <a:t>IBAMR: Simple </a:t>
-            </a:r>
-            <a:r>
-              <a:rPr lang="en" sz="4000" b="0" i="0" u="none" strike="noStrike" cap="none" dirty="0">
-                <a:solidFill>
-                  <a:schemeClr val="dk1"/>
-                </a:solidFill>
-                <a:latin typeface="Calibri"/>
-                <a:ea typeface="Calibri"/>
-                <a:cs typeface="Calibri"/>
-                <a:sym typeface="Calibri"/>
-              </a:rPr>
-              <a:t>example to move target points</a:t>
+              <a:t>IBAMR: Simple example to move target points</a:t>
             </a:r>
             <a:endParaRPr sz="4400" b="0" i="0" u="none" strike="noStrike" cap="none" dirty="0">
               <a:solidFill>
@@ -15024,7 +12576,7 @@
               <a:buChar char="●"/>
             </a:pPr>
             <a:r>
-              <a:rPr lang="en" sz="3200" b="0" i="0" u="none" strike="noStrike" cap="none" dirty="0" smtClean="0">
+              <a:rPr lang="en" sz="3200" b="0" i="0" u="none" strike="noStrike" cap="none" dirty="0">
                 <a:solidFill>
                   <a:schemeClr val="dk1"/>
                 </a:solidFill>
@@ -15033,19 +12585,7 @@
                 <a:cs typeface="Calibri"/>
                 <a:sym typeface="Calibri"/>
               </a:rPr>
-              <a:t>The </a:t>
-            </a:r>
-            <a:r>
-              <a:rPr lang="en" sz="3200" b="0" i="0" u="none" strike="noStrike" cap="none" dirty="0">
-                <a:solidFill>
-                  <a:schemeClr val="dk1"/>
-                </a:solidFill>
-                <a:latin typeface="Calibri"/>
-                <a:ea typeface="Calibri"/>
-                <a:cs typeface="Calibri"/>
-                <a:sym typeface="Calibri"/>
-              </a:rPr>
-              <a:t>relevant files are update_target_point_positions.C and update_target_point_positions.h</a:t>
+              <a:t>The relevant files are update_target_point_positions.C and update_target_point_positions.h</a:t>
             </a:r>
             <a:endParaRPr sz="1800" b="0" i="0" u="none" strike="noStrike" cap="none" dirty="0">
               <a:solidFill>
@@ -15067,7 +12607,7 @@
 </p:sld>
 </file>
 
-<file path=ppt/slides/slide9.xml><?xml version="1.0" encoding="utf-8"?>
+<file path=ppt/slides/slide15.xml><?xml version="1.0" encoding="utf-8"?>
 <p:sld xmlns:a="http://schemas.openxmlformats.org/drawingml/2006/main" xmlns:r="http://schemas.openxmlformats.org/officeDocument/2006/relationships" xmlns:p="http://schemas.openxmlformats.org/presentationml/2006/main">
   <p:cSld>
     <p:spTree>
@@ -15155,7 +12695,7 @@
               <a:buNone/>
             </a:pPr>
             <a:r>
-              <a:rPr lang="en" sz="3600" b="0" i="0" u="none" strike="noStrike" cap="none" dirty="0" smtClean="0">
+              <a:rPr lang="en" sz="3600" b="0" i="0" u="none" strike="noStrike" cap="none" dirty="0">
                 <a:solidFill>
                   <a:schemeClr val="dk1"/>
                 </a:solidFill>
@@ -15164,19 +12704,7 @@
                 <a:cs typeface="Calibri"/>
                 <a:sym typeface="Calibri"/>
               </a:rPr>
-              <a:t>Moving cylinders: </a:t>
-            </a:r>
-            <a:r>
-              <a:rPr lang="en" sz="3600" b="0" i="0" u="none" strike="noStrike" cap="none" dirty="0">
-                <a:solidFill>
-                  <a:schemeClr val="dk1"/>
-                </a:solidFill>
-                <a:latin typeface="Calibri"/>
-                <a:ea typeface="Calibri"/>
-                <a:cs typeface="Calibri"/>
-                <a:sym typeface="Calibri"/>
-              </a:rPr>
-              <a:t>Magnitude of Velocity</a:t>
+              <a:t>Moving cylinders: Magnitude of Velocity</a:t>
             </a:r>
             <a:endParaRPr sz="4400" b="0" i="0" u="none" strike="noStrike" cap="none" dirty="0">
               <a:solidFill>
@@ -15191,6 +12719,4424 @@
         </p:txBody>
       </p:sp>
     </p:spTree>
+  </p:cSld>
+  <p:clrMapOvr>
+    <a:masterClrMapping/>
+  </p:clrMapOvr>
+</p:sld>
+</file>
+
+<file path=ppt/slides/slide16.xml><?xml version="1.0" encoding="utf-8"?>
+<p:sld xmlns:a="http://schemas.openxmlformats.org/drawingml/2006/main" xmlns:r="http://schemas.openxmlformats.org/officeDocument/2006/relationships" xmlns:p="http://schemas.openxmlformats.org/presentationml/2006/main">
+  <p:cSld>
+    <p:spTree>
+      <p:nvGrpSpPr>
+        <p:cNvPr id="1" name="Shape 79"/>
+        <p:cNvGrpSpPr/>
+        <p:nvPr/>
+      </p:nvGrpSpPr>
+      <p:grpSpPr>
+        <a:xfrm>
+          <a:off x="0" y="0"/>
+          <a:ext cx="0" cy="0"/>
+          <a:chOff x="0" y="0"/>
+          <a:chExt cx="0" cy="0"/>
+        </a:xfrm>
+      </p:grpSpPr>
+      <p:sp>
+        <p:nvSpPr>
+          <p:cNvPr id="80" name="Google Shape;80;p22"/>
+          <p:cNvSpPr txBox="1">
+            <a:spLocks noGrp="1"/>
+          </p:cNvSpPr>
+          <p:nvPr>
+            <p:ph type="title"/>
+          </p:nvPr>
+        </p:nvSpPr>
+        <p:spPr>
+          <a:xfrm>
+            <a:off x="457200" y="274637"/>
+            <a:ext cx="8229600" cy="1143000"/>
+          </a:xfrm>
+          <a:prstGeom prst="rect">
+            <a:avLst/>
+          </a:prstGeom>
+          <a:noFill/>
+          <a:ln>
+            <a:noFill/>
+          </a:ln>
+        </p:spPr>
+        <p:txBody>
+          <a:bodyPr spcFirstLastPara="1" wrap="square" lIns="91425" tIns="45700" rIns="91425" bIns="45700" anchor="ctr" anchorCtr="0">
+            <a:noAutofit/>
+          </a:bodyPr>
+          <a:lstStyle/>
+          <a:p>
+            <a:pPr marL="0" marR="0" lvl="0" indent="0" algn="ctr" rtl="0">
+              <a:spcBef>
+                <a:spcPts val="0"/>
+              </a:spcBef>
+              <a:spcAft>
+                <a:spcPts val="0"/>
+              </a:spcAft>
+              <a:buClr>
+                <a:schemeClr val="dk1"/>
+              </a:buClr>
+              <a:buFont typeface="Calibri"/>
+              <a:buNone/>
+            </a:pPr>
+            <a:r>
+              <a:rPr lang="en" sz="4400" b="0" i="0" u="none" strike="noStrike" cap="none">
+                <a:solidFill>
+                  <a:schemeClr val="dk1"/>
+                </a:solidFill>
+                <a:latin typeface="Calibri"/>
+                <a:ea typeface="Calibri"/>
+                <a:cs typeface="Calibri"/>
+                <a:sym typeface="Calibri"/>
+              </a:rPr>
+              <a:t>From IBAMR FAQ</a:t>
+            </a:r>
+            <a:endParaRPr sz="4400" b="0" i="0" u="none" strike="noStrike" cap="none">
+              <a:solidFill>
+                <a:schemeClr val="dk1"/>
+              </a:solidFill>
+              <a:latin typeface="Calibri"/>
+              <a:ea typeface="Calibri"/>
+              <a:cs typeface="Calibri"/>
+              <a:sym typeface="Calibri"/>
+            </a:endParaRPr>
+          </a:p>
+        </p:txBody>
+      </p:sp>
+      <p:sp>
+        <p:nvSpPr>
+          <p:cNvPr id="81" name="Google Shape;81;p22"/>
+          <p:cNvSpPr txBox="1">
+            <a:spLocks noGrp="1"/>
+          </p:cNvSpPr>
+          <p:nvPr>
+            <p:ph type="body" idx="1"/>
+          </p:nvPr>
+        </p:nvSpPr>
+        <p:spPr>
+          <a:xfrm>
+            <a:off x="457200" y="1600200"/>
+            <a:ext cx="8229600" cy="4800600"/>
+          </a:xfrm>
+          <a:prstGeom prst="rect">
+            <a:avLst/>
+          </a:prstGeom>
+          <a:noFill/>
+          <a:ln>
+            <a:noFill/>
+          </a:ln>
+        </p:spPr>
+        <p:txBody>
+          <a:bodyPr spcFirstLastPara="1" wrap="square" lIns="91425" tIns="45700" rIns="91425" bIns="45700" anchor="t" anchorCtr="0">
+            <a:noAutofit/>
+          </a:bodyPr>
+          <a:lstStyle/>
+          <a:p>
+            <a:pPr marL="0" marR="0" lvl="0" indent="0" algn="l" rtl="0">
+              <a:lnSpc>
+                <a:spcPct val="80000"/>
+              </a:lnSpc>
+              <a:spcBef>
+                <a:spcPts val="640"/>
+              </a:spcBef>
+              <a:spcAft>
+                <a:spcPts val="0"/>
+              </a:spcAft>
+              <a:buClr>
+                <a:schemeClr val="dk1"/>
+              </a:buClr>
+              <a:buSzPts val="1100"/>
+              <a:buFont typeface="Calibri"/>
+              <a:buChar char="●"/>
+            </a:pPr>
+            <a:r>
+              <a:rPr lang="en" sz="1600" b="0" i="0" u="none" strike="noStrike" cap="none" dirty="0">
+                <a:solidFill>
+                  <a:schemeClr val="dk1"/>
+                </a:solidFill>
+                <a:latin typeface="Calibri"/>
+                <a:ea typeface="Calibri"/>
+                <a:cs typeface="Calibri"/>
+                <a:sym typeface="Calibri"/>
+              </a:rPr>
+              <a:t> There is a routine (update_target_point_positions) that loops over the local IB points (i.e., the IB points that are "local to the processor"). The pseudo-code is roughly:</a:t>
+            </a:r>
+            <a:endParaRPr sz="1600" b="0" i="0" u="none" strike="noStrike" cap="none" dirty="0">
+              <a:solidFill>
+                <a:schemeClr val="dk1"/>
+              </a:solidFill>
+              <a:latin typeface="Calibri"/>
+              <a:ea typeface="Calibri"/>
+              <a:cs typeface="Calibri"/>
+              <a:sym typeface="Calibri"/>
+            </a:endParaRPr>
+          </a:p>
+          <a:p>
+            <a:pPr marL="0" marR="0" lvl="0" indent="0" algn="l" rtl="0">
+              <a:spcBef>
+                <a:spcPts val="640"/>
+              </a:spcBef>
+              <a:spcAft>
+                <a:spcPts val="0"/>
+              </a:spcAft>
+              <a:buNone/>
+            </a:pPr>
+            <a:endParaRPr sz="1600" b="0" i="0" u="none" strike="noStrike" cap="none" dirty="0">
+              <a:solidFill>
+                <a:schemeClr val="dk1"/>
+              </a:solidFill>
+              <a:latin typeface="Calibri"/>
+              <a:ea typeface="Calibri"/>
+              <a:cs typeface="Calibri"/>
+              <a:sym typeface="Calibri"/>
+            </a:endParaRPr>
+          </a:p>
+          <a:p>
+            <a:pPr marL="0" marR="0" lvl="0" indent="0" algn="l" rtl="0">
+              <a:lnSpc>
+                <a:spcPct val="80000"/>
+              </a:lnSpc>
+              <a:spcBef>
+                <a:spcPts val="640"/>
+              </a:spcBef>
+              <a:spcAft>
+                <a:spcPts val="0"/>
+              </a:spcAft>
+              <a:buClr>
+                <a:schemeClr val="dk1"/>
+              </a:buClr>
+              <a:buFont typeface="Calibri"/>
+              <a:buNone/>
+            </a:pPr>
+            <a:r>
+              <a:rPr lang="en" sz="1600" b="0" i="0" u="none" strike="noStrike" cap="none" dirty="0">
+                <a:solidFill>
+                  <a:schemeClr val="dk1"/>
+                </a:solidFill>
+                <a:latin typeface="Calibri"/>
+                <a:ea typeface="Calibri"/>
+                <a:cs typeface="Calibri"/>
+                <a:sym typeface="Calibri"/>
+              </a:rPr>
+              <a:t> for each local IB point</a:t>
+            </a:r>
+            <a:br>
+              <a:rPr lang="en" sz="1600" b="0" i="0" u="none" strike="noStrike" cap="none" dirty="0">
+                <a:solidFill>
+                  <a:schemeClr val="dk1"/>
+                </a:solidFill>
+                <a:latin typeface="Calibri"/>
+                <a:ea typeface="Calibri"/>
+                <a:cs typeface="Calibri"/>
+                <a:sym typeface="Calibri"/>
+              </a:rPr>
+            </a:br>
+            <a:r>
+              <a:rPr lang="en" sz="1600" b="0" i="0" u="none" strike="noStrike" cap="none" dirty="0">
+                <a:solidFill>
+                  <a:schemeClr val="dk1"/>
+                </a:solidFill>
+                <a:latin typeface="Calibri"/>
+                <a:ea typeface="Calibri"/>
+                <a:cs typeface="Calibri"/>
+                <a:sym typeface="Calibri"/>
+              </a:rPr>
+              <a:t> {</a:t>
+            </a:r>
+            <a:br>
+              <a:rPr lang="en" sz="1600" b="0" i="0" u="none" strike="noStrike" cap="none" dirty="0">
+                <a:solidFill>
+                  <a:schemeClr val="dk1"/>
+                </a:solidFill>
+                <a:latin typeface="Calibri"/>
+                <a:ea typeface="Calibri"/>
+                <a:cs typeface="Calibri"/>
+                <a:sym typeface="Calibri"/>
+              </a:rPr>
+            </a:br>
+            <a:r>
+              <a:rPr lang="en" sz="1600" b="0" i="0" u="none" strike="noStrike" cap="none" dirty="0">
+                <a:solidFill>
+                  <a:schemeClr val="dk1"/>
+                </a:solidFill>
+                <a:latin typeface="Calibri"/>
+                <a:ea typeface="Calibri"/>
+                <a:cs typeface="Calibri"/>
+                <a:sym typeface="Calibri"/>
+              </a:rPr>
+              <a:t>     check to see if the point has a target point spec</a:t>
+            </a:r>
+            <a:br>
+              <a:rPr lang="en" sz="1600" b="0" i="0" u="none" strike="noStrike" cap="none" dirty="0">
+                <a:solidFill>
+                  <a:schemeClr val="dk1"/>
+                </a:solidFill>
+                <a:latin typeface="Calibri"/>
+                <a:ea typeface="Calibri"/>
+                <a:cs typeface="Calibri"/>
+                <a:sym typeface="Calibri"/>
+              </a:rPr>
+            </a:br>
+            <a:r>
+              <a:rPr lang="en" sz="1600" b="0" i="0" u="none" strike="noStrike" cap="none" dirty="0">
+                <a:solidFill>
+                  <a:schemeClr val="dk1"/>
+                </a:solidFill>
+                <a:latin typeface="Calibri"/>
+                <a:ea typeface="Calibri"/>
+                <a:cs typeface="Calibri"/>
+                <a:sym typeface="Calibri"/>
+              </a:rPr>
+              <a:t>     if yes: update the material properties w/that target spec</a:t>
+            </a:r>
+            <a:br>
+              <a:rPr lang="en" sz="1600" b="0" i="0" u="none" strike="noStrike" cap="none" dirty="0">
+                <a:solidFill>
+                  <a:schemeClr val="dk1"/>
+                </a:solidFill>
+                <a:latin typeface="Calibri"/>
+                <a:ea typeface="Calibri"/>
+                <a:cs typeface="Calibri"/>
+                <a:sym typeface="Calibri"/>
+              </a:rPr>
+            </a:br>
+            <a:r>
+              <a:rPr lang="en" sz="1600" b="0" i="0" u="none" strike="noStrike" cap="none" dirty="0">
+                <a:solidFill>
+                  <a:schemeClr val="dk1"/>
+                </a:solidFill>
+                <a:latin typeface="Calibri"/>
+                <a:ea typeface="Calibri"/>
+                <a:cs typeface="Calibri"/>
+                <a:sym typeface="Calibri"/>
+              </a:rPr>
+              <a:t> } </a:t>
+            </a:r>
+            <a:endParaRPr sz="1600" b="0" i="0" u="none" strike="noStrike" cap="none" dirty="0">
+              <a:solidFill>
+                <a:schemeClr val="dk1"/>
+              </a:solidFill>
+              <a:latin typeface="Calibri"/>
+              <a:ea typeface="Calibri"/>
+              <a:cs typeface="Calibri"/>
+              <a:sym typeface="Calibri"/>
+            </a:endParaRPr>
+          </a:p>
+          <a:p>
+            <a:pPr marL="0" marR="0" lvl="0" indent="0" algn="l" rtl="0">
+              <a:spcBef>
+                <a:spcPts val="640"/>
+              </a:spcBef>
+              <a:spcAft>
+                <a:spcPts val="0"/>
+              </a:spcAft>
+              <a:buNone/>
+            </a:pPr>
+            <a:endParaRPr sz="1600" b="0" i="0" u="none" strike="noStrike" cap="none" dirty="0">
+              <a:solidFill>
+                <a:schemeClr val="dk1"/>
+              </a:solidFill>
+              <a:latin typeface="Calibri"/>
+              <a:ea typeface="Calibri"/>
+              <a:cs typeface="Calibri"/>
+              <a:sym typeface="Calibri"/>
+            </a:endParaRPr>
+          </a:p>
+          <a:p>
+            <a:pPr marL="0" marR="0" lvl="0" indent="0" algn="l" rtl="0">
+              <a:lnSpc>
+                <a:spcPct val="80000"/>
+              </a:lnSpc>
+              <a:spcBef>
+                <a:spcPts val="640"/>
+              </a:spcBef>
+              <a:spcAft>
+                <a:spcPts val="0"/>
+              </a:spcAft>
+              <a:buClr>
+                <a:schemeClr val="dk1"/>
+              </a:buClr>
+              <a:buSzPts val="1100"/>
+              <a:buFont typeface="Calibri"/>
+              <a:buChar char="●"/>
+            </a:pPr>
+            <a:r>
+              <a:rPr lang="en" sz="1600" dirty="0"/>
+              <a:t> </a:t>
+            </a:r>
+            <a:r>
+              <a:rPr lang="en" sz="1600" b="0" i="0" u="none" strike="noStrike" cap="none" dirty="0">
+                <a:solidFill>
+                  <a:schemeClr val="dk1"/>
+                </a:solidFill>
+                <a:latin typeface="Calibri"/>
+                <a:ea typeface="Calibri"/>
+                <a:cs typeface="Calibri"/>
+                <a:sym typeface="Calibri"/>
+              </a:rPr>
+              <a:t>The properties for the target points are stored in IBTargetPointForceSpec objects. Functionality has been added to the most recent IBAMR versions to simplify the code required to access these objects. In particular, for each Lagrangian (IB) point, you can do:</a:t>
+            </a:r>
+            <a:endParaRPr sz="1600" b="0" i="0" u="none" strike="noStrike" cap="none" dirty="0">
+              <a:solidFill>
+                <a:schemeClr val="dk1"/>
+              </a:solidFill>
+              <a:latin typeface="Calibri"/>
+              <a:ea typeface="Calibri"/>
+              <a:cs typeface="Calibri"/>
+              <a:sym typeface="Calibri"/>
+            </a:endParaRPr>
+          </a:p>
+          <a:p>
+            <a:pPr marL="0" marR="0" lvl="0" indent="0" algn="l" rtl="0">
+              <a:spcBef>
+                <a:spcPts val="640"/>
+              </a:spcBef>
+              <a:spcAft>
+                <a:spcPts val="0"/>
+              </a:spcAft>
+              <a:buNone/>
+            </a:pPr>
+            <a:endParaRPr sz="1600" b="0" i="0" u="none" strike="noStrike" cap="none" dirty="0">
+              <a:solidFill>
+                <a:schemeClr val="dk1"/>
+              </a:solidFill>
+              <a:latin typeface="Calibri"/>
+              <a:ea typeface="Calibri"/>
+              <a:cs typeface="Calibri"/>
+              <a:sym typeface="Calibri"/>
+            </a:endParaRPr>
+          </a:p>
+          <a:p>
+            <a:pPr marL="0" marR="0" lvl="0" indent="0" algn="l" rtl="0">
+              <a:lnSpc>
+                <a:spcPct val="80000"/>
+              </a:lnSpc>
+              <a:spcBef>
+                <a:spcPts val="640"/>
+              </a:spcBef>
+              <a:spcAft>
+                <a:spcPts val="0"/>
+              </a:spcAft>
+              <a:buClr>
+                <a:schemeClr val="dk1"/>
+              </a:buClr>
+              <a:buFont typeface="Calibri"/>
+              <a:buNone/>
+            </a:pPr>
+            <a:r>
+              <a:rPr lang="en" sz="1600" b="0" i="0" u="none" strike="noStrike" cap="none" dirty="0">
+                <a:solidFill>
+                  <a:schemeClr val="dk1"/>
+                </a:solidFill>
+                <a:latin typeface="Calibri"/>
+                <a:ea typeface="Calibri"/>
+                <a:cs typeface="Calibri"/>
+                <a:sym typeface="Calibri"/>
+              </a:rPr>
+              <a:t> tbox::Pointer&lt;T&gt; spec = node_idx.getStashData&lt;T&gt;();</a:t>
+            </a:r>
+            <a:endParaRPr sz="1600" b="0" i="0" u="none" strike="noStrike" cap="none" dirty="0">
+              <a:solidFill>
+                <a:schemeClr val="dk1"/>
+              </a:solidFill>
+              <a:latin typeface="Calibri"/>
+              <a:ea typeface="Calibri"/>
+              <a:cs typeface="Calibri"/>
+              <a:sym typeface="Calibri"/>
+            </a:endParaRPr>
+          </a:p>
+          <a:p>
+            <a:pPr marL="0" marR="0" lvl="0" indent="0" algn="l" rtl="0">
+              <a:spcBef>
+                <a:spcPts val="640"/>
+              </a:spcBef>
+              <a:spcAft>
+                <a:spcPts val="0"/>
+              </a:spcAft>
+              <a:buNone/>
+            </a:pPr>
+            <a:endParaRPr sz="1600" b="0" i="0" u="none" strike="noStrike" cap="none" dirty="0">
+              <a:solidFill>
+                <a:schemeClr val="dk1"/>
+              </a:solidFill>
+              <a:latin typeface="Calibri"/>
+              <a:ea typeface="Calibri"/>
+              <a:cs typeface="Calibri"/>
+              <a:sym typeface="Calibri"/>
+            </a:endParaRPr>
+          </a:p>
+          <a:p>
+            <a:pPr marL="0" marR="0" lvl="0" indent="0" algn="l" rtl="0">
+              <a:lnSpc>
+                <a:spcPct val="80000"/>
+              </a:lnSpc>
+              <a:spcBef>
+                <a:spcPts val="640"/>
+              </a:spcBef>
+              <a:spcAft>
+                <a:spcPts val="0"/>
+              </a:spcAft>
+              <a:buClr>
+                <a:schemeClr val="dk1"/>
+              </a:buClr>
+              <a:buSzPts val="1100"/>
+              <a:buFont typeface="Calibri"/>
+              <a:buChar char="●"/>
+            </a:pPr>
+            <a:r>
+              <a:rPr lang="en" sz="1600" dirty="0"/>
+              <a:t> </a:t>
+            </a:r>
+            <a:r>
+              <a:rPr lang="en" sz="1600" b="0" i="0" u="none" strike="noStrike" cap="none" dirty="0">
+                <a:solidFill>
+                  <a:schemeClr val="dk1"/>
+                </a:solidFill>
+                <a:latin typeface="Calibri"/>
+                <a:ea typeface="Calibri"/>
+                <a:cs typeface="Calibri"/>
+                <a:sym typeface="Calibri"/>
+              </a:rPr>
+              <a:t>to get a pointer to any object of type T that is associated with the Lagrangian point.</a:t>
+            </a:r>
+            <a:endParaRPr sz="1600" b="0" i="0" u="none" strike="noStrike" cap="none" dirty="0">
+              <a:solidFill>
+                <a:schemeClr val="dk1"/>
+              </a:solidFill>
+              <a:latin typeface="Calibri"/>
+              <a:ea typeface="Calibri"/>
+              <a:cs typeface="Calibri"/>
+              <a:sym typeface="Calibri"/>
+            </a:endParaRPr>
+          </a:p>
+          <a:p>
+            <a:pPr marL="0" marR="0" lvl="0" indent="0" algn="l" rtl="0">
+              <a:spcBef>
+                <a:spcPts val="640"/>
+              </a:spcBef>
+              <a:spcAft>
+                <a:spcPts val="0"/>
+              </a:spcAft>
+              <a:buNone/>
+            </a:pPr>
+            <a:endParaRPr sz="1600" b="0" i="0" u="none" strike="noStrike" cap="none" dirty="0">
+              <a:solidFill>
+                <a:schemeClr val="dk1"/>
+              </a:solidFill>
+              <a:latin typeface="Calibri"/>
+              <a:ea typeface="Calibri"/>
+              <a:cs typeface="Calibri"/>
+              <a:sym typeface="Calibri"/>
+            </a:endParaRPr>
+          </a:p>
+        </p:txBody>
+      </p:sp>
+    </p:spTree>
+  </p:cSld>
+  <p:clrMapOvr>
+    <a:masterClrMapping/>
+  </p:clrMapOvr>
+</p:sld>
+</file>
+
+<file path=ppt/slides/slide17.xml><?xml version="1.0" encoding="utf-8"?>
+<p:sld xmlns:a="http://schemas.openxmlformats.org/drawingml/2006/main" xmlns:r="http://schemas.openxmlformats.org/officeDocument/2006/relationships" xmlns:p="http://schemas.openxmlformats.org/presentationml/2006/main">
+  <p:cSld>
+    <p:spTree>
+      <p:nvGrpSpPr>
+        <p:cNvPr id="1" name="Shape 85"/>
+        <p:cNvGrpSpPr/>
+        <p:nvPr/>
+      </p:nvGrpSpPr>
+      <p:grpSpPr>
+        <a:xfrm>
+          <a:off x="0" y="0"/>
+          <a:ext cx="0" cy="0"/>
+          <a:chOff x="0" y="0"/>
+          <a:chExt cx="0" cy="0"/>
+        </a:xfrm>
+      </p:grpSpPr>
+      <p:sp>
+        <p:nvSpPr>
+          <p:cNvPr id="86" name="Google Shape;86;p23"/>
+          <p:cNvSpPr txBox="1">
+            <a:spLocks noGrp="1"/>
+          </p:cNvSpPr>
+          <p:nvPr>
+            <p:ph type="title"/>
+          </p:nvPr>
+        </p:nvSpPr>
+        <p:spPr>
+          <a:xfrm>
+            <a:off x="457200" y="274637"/>
+            <a:ext cx="8229600" cy="1143000"/>
+          </a:xfrm>
+          <a:prstGeom prst="rect">
+            <a:avLst/>
+          </a:prstGeom>
+          <a:noFill/>
+          <a:ln>
+            <a:noFill/>
+          </a:ln>
+        </p:spPr>
+        <p:txBody>
+          <a:bodyPr spcFirstLastPara="1" wrap="square" lIns="91425" tIns="45700" rIns="91425" bIns="45700" anchor="ctr" anchorCtr="0">
+            <a:noAutofit/>
+          </a:bodyPr>
+          <a:lstStyle/>
+          <a:p>
+            <a:pPr marL="0" marR="0" lvl="0" indent="0" algn="ctr" rtl="0">
+              <a:spcBef>
+                <a:spcPts val="0"/>
+              </a:spcBef>
+              <a:spcAft>
+                <a:spcPts val="0"/>
+              </a:spcAft>
+              <a:buClr>
+                <a:schemeClr val="dk1"/>
+              </a:buClr>
+              <a:buFont typeface="Calibri"/>
+              <a:buNone/>
+            </a:pPr>
+            <a:r>
+              <a:rPr lang="en" sz="4400" b="0" i="0" u="none" strike="noStrike" cap="none">
+                <a:solidFill>
+                  <a:schemeClr val="dk1"/>
+                </a:solidFill>
+                <a:latin typeface="Calibri"/>
+                <a:ea typeface="Calibri"/>
+                <a:cs typeface="Calibri"/>
+                <a:sym typeface="Calibri"/>
+              </a:rPr>
+              <a:t>update_target_positions.C</a:t>
+            </a:r>
+            <a:endParaRPr sz="4400" b="0" i="0" u="none" strike="noStrike" cap="none">
+              <a:solidFill>
+                <a:schemeClr val="dk1"/>
+              </a:solidFill>
+              <a:latin typeface="Calibri"/>
+              <a:ea typeface="Calibri"/>
+              <a:cs typeface="Calibri"/>
+              <a:sym typeface="Calibri"/>
+            </a:endParaRPr>
+          </a:p>
+        </p:txBody>
+      </p:sp>
+      <p:sp>
+        <p:nvSpPr>
+          <p:cNvPr id="87" name="Google Shape;87;p23"/>
+          <p:cNvSpPr txBox="1">
+            <a:spLocks noGrp="1"/>
+          </p:cNvSpPr>
+          <p:nvPr>
+            <p:ph type="body" idx="1"/>
+          </p:nvPr>
+        </p:nvSpPr>
+        <p:spPr>
+          <a:xfrm>
+            <a:off x="457200" y="1600200"/>
+            <a:ext cx="8229600" cy="4525962"/>
+          </a:xfrm>
+          <a:prstGeom prst="rect">
+            <a:avLst/>
+          </a:prstGeom>
+          <a:noFill/>
+          <a:ln>
+            <a:noFill/>
+          </a:ln>
+        </p:spPr>
+        <p:txBody>
+          <a:bodyPr spcFirstLastPara="1" wrap="square" lIns="91425" tIns="45700" rIns="91425" bIns="45700" anchor="t" anchorCtr="0">
+            <a:noAutofit/>
+          </a:bodyPr>
+          <a:lstStyle/>
+          <a:p>
+            <a:pPr marL="0" marR="0" lvl="0" indent="0" algn="l" rtl="0">
+              <a:spcBef>
+                <a:spcPts val="640"/>
+              </a:spcBef>
+              <a:spcAft>
+                <a:spcPts val="0"/>
+              </a:spcAft>
+              <a:buClr>
+                <a:schemeClr val="dk1"/>
+              </a:buClr>
+              <a:buFont typeface="Calibri"/>
+              <a:buNone/>
+            </a:pPr>
+            <a:r>
+              <a:rPr lang="en" sz="2000" b="0" i="0" u="none" strike="noStrike" cap="none">
+                <a:solidFill>
+                  <a:schemeClr val="dk1"/>
+                </a:solidFill>
+                <a:latin typeface="Calibri"/>
+                <a:ea typeface="Calibri"/>
+                <a:cs typeface="Calibri"/>
+                <a:sym typeface="Calibri"/>
+              </a:rPr>
+              <a:t>update_target_point_positions(</a:t>
+            </a:r>
+            <a:endParaRPr sz="1800" b="0" i="0" u="none" strike="noStrike" cap="none">
+              <a:solidFill>
+                <a:schemeClr val="dk1"/>
+              </a:solidFill>
+              <a:latin typeface="Calibri"/>
+              <a:ea typeface="Calibri"/>
+              <a:cs typeface="Calibri"/>
+              <a:sym typeface="Calibri"/>
+            </a:endParaRPr>
+          </a:p>
+          <a:p>
+            <a:pPr marL="0" marR="0" lvl="0" indent="0" algn="l" rtl="0">
+              <a:spcBef>
+                <a:spcPts val="640"/>
+              </a:spcBef>
+              <a:spcAft>
+                <a:spcPts val="0"/>
+              </a:spcAft>
+              <a:buClr>
+                <a:schemeClr val="dk1"/>
+              </a:buClr>
+              <a:buFont typeface="Calibri"/>
+              <a:buNone/>
+            </a:pPr>
+            <a:r>
+              <a:rPr lang="en" sz="2000" b="0" i="0" u="none" strike="noStrike" cap="none">
+                <a:solidFill>
+                  <a:schemeClr val="dk1"/>
+                </a:solidFill>
+                <a:latin typeface="Calibri"/>
+                <a:ea typeface="Calibri"/>
+                <a:cs typeface="Calibri"/>
+                <a:sym typeface="Calibri"/>
+              </a:rPr>
+              <a:t>    tbox::Pointer&lt;hier::PatchHierarchy&lt;NDIM&gt; &gt; hierarchy,</a:t>
+            </a:r>
+            <a:endParaRPr sz="1800" b="0" i="0" u="none" strike="noStrike" cap="none">
+              <a:solidFill>
+                <a:schemeClr val="dk1"/>
+              </a:solidFill>
+              <a:latin typeface="Calibri"/>
+              <a:ea typeface="Calibri"/>
+              <a:cs typeface="Calibri"/>
+              <a:sym typeface="Calibri"/>
+            </a:endParaRPr>
+          </a:p>
+          <a:p>
+            <a:pPr marL="0" marR="0" lvl="0" indent="0" algn="l" rtl="0">
+              <a:spcBef>
+                <a:spcPts val="640"/>
+              </a:spcBef>
+              <a:spcAft>
+                <a:spcPts val="0"/>
+              </a:spcAft>
+              <a:buClr>
+                <a:schemeClr val="dk1"/>
+              </a:buClr>
+              <a:buFont typeface="Calibri"/>
+              <a:buNone/>
+            </a:pPr>
+            <a:r>
+              <a:rPr lang="en" sz="2000" b="0" i="0" u="none" strike="noStrike" cap="none">
+                <a:solidFill>
+                  <a:schemeClr val="dk1"/>
+                </a:solidFill>
+                <a:latin typeface="Calibri"/>
+                <a:ea typeface="Calibri"/>
+                <a:cs typeface="Calibri"/>
+                <a:sym typeface="Calibri"/>
+              </a:rPr>
+              <a:t>    LDataManager* const l_data_manager,</a:t>
+            </a:r>
+            <a:endParaRPr sz="1800" b="0" i="0" u="none" strike="noStrike" cap="none">
+              <a:solidFill>
+                <a:schemeClr val="dk1"/>
+              </a:solidFill>
+              <a:latin typeface="Calibri"/>
+              <a:ea typeface="Calibri"/>
+              <a:cs typeface="Calibri"/>
+              <a:sym typeface="Calibri"/>
+            </a:endParaRPr>
+          </a:p>
+          <a:p>
+            <a:pPr marL="0" marR="0" lvl="0" indent="0" algn="l" rtl="0">
+              <a:spcBef>
+                <a:spcPts val="640"/>
+              </a:spcBef>
+              <a:spcAft>
+                <a:spcPts val="0"/>
+              </a:spcAft>
+              <a:buClr>
+                <a:schemeClr val="dk1"/>
+              </a:buClr>
+              <a:buFont typeface="Calibri"/>
+              <a:buNone/>
+            </a:pPr>
+            <a:r>
+              <a:rPr lang="en" sz="2000" b="0" i="0" u="none" strike="noStrike" cap="none">
+                <a:solidFill>
+                  <a:schemeClr val="dk1"/>
+                </a:solidFill>
+                <a:latin typeface="Calibri"/>
+                <a:ea typeface="Calibri"/>
+                <a:cs typeface="Calibri"/>
+                <a:sym typeface="Calibri"/>
+              </a:rPr>
+              <a:t>    const double current_time,</a:t>
+            </a:r>
+            <a:endParaRPr sz="1800" b="0" i="0" u="none" strike="noStrike" cap="none">
+              <a:solidFill>
+                <a:schemeClr val="dk1"/>
+              </a:solidFill>
+              <a:latin typeface="Calibri"/>
+              <a:ea typeface="Calibri"/>
+              <a:cs typeface="Calibri"/>
+              <a:sym typeface="Calibri"/>
+            </a:endParaRPr>
+          </a:p>
+          <a:p>
+            <a:pPr marL="0" marR="0" lvl="0" indent="0" algn="l" rtl="0">
+              <a:spcBef>
+                <a:spcPts val="640"/>
+              </a:spcBef>
+              <a:spcAft>
+                <a:spcPts val="0"/>
+              </a:spcAft>
+              <a:buClr>
+                <a:schemeClr val="dk1"/>
+              </a:buClr>
+              <a:buFont typeface="Calibri"/>
+              <a:buNone/>
+            </a:pPr>
+            <a:r>
+              <a:rPr lang="en" sz="2000" b="0" i="0" u="none" strike="noStrike" cap="none">
+                <a:solidFill>
+                  <a:schemeClr val="dk1"/>
+                </a:solidFill>
+                <a:latin typeface="Calibri"/>
+                <a:ea typeface="Calibri"/>
+                <a:cs typeface="Calibri"/>
+                <a:sym typeface="Calibri"/>
+              </a:rPr>
+              <a:t>    const double dt)</a:t>
+            </a:r>
+            <a:endParaRPr sz="1800" b="0" i="0" u="none" strike="noStrike" cap="none">
+              <a:solidFill>
+                <a:schemeClr val="dk1"/>
+              </a:solidFill>
+              <a:latin typeface="Calibri"/>
+              <a:ea typeface="Calibri"/>
+              <a:cs typeface="Calibri"/>
+              <a:sym typeface="Calibri"/>
+            </a:endParaRPr>
+          </a:p>
+          <a:p>
+            <a:pPr marL="0" marR="0" lvl="0" indent="0" algn="l" rtl="0">
+              <a:spcBef>
+                <a:spcPts val="640"/>
+              </a:spcBef>
+              <a:spcAft>
+                <a:spcPts val="0"/>
+              </a:spcAft>
+              <a:buNone/>
+            </a:pPr>
+            <a:endParaRPr sz="2000"/>
+          </a:p>
+          <a:p>
+            <a:pPr marL="457200" marR="0" lvl="0" indent="-317500" algn="l" rtl="0">
+              <a:spcBef>
+                <a:spcPts val="640"/>
+              </a:spcBef>
+              <a:spcAft>
+                <a:spcPts val="0"/>
+              </a:spcAft>
+              <a:buSzPts val="1400"/>
+              <a:buChar char="●"/>
+            </a:pPr>
+            <a:r>
+              <a:rPr lang="en" sz="2000" b="0" i="0" u="none" strike="noStrike" cap="none">
+                <a:solidFill>
+                  <a:schemeClr val="dk1"/>
+                </a:solidFill>
+                <a:latin typeface="Calibri"/>
+                <a:ea typeface="Calibri"/>
+                <a:cs typeface="Calibri"/>
+                <a:sym typeface="Calibri"/>
+              </a:rPr>
+              <a:t>You have access to the current_time and time step (dt).</a:t>
+            </a:r>
+            <a:endParaRPr sz="1800" b="0" i="0" u="none" strike="noStrike" cap="none">
+              <a:solidFill>
+                <a:schemeClr val="dk1"/>
+              </a:solidFill>
+              <a:latin typeface="Calibri"/>
+              <a:ea typeface="Calibri"/>
+              <a:cs typeface="Calibri"/>
+              <a:sym typeface="Calibri"/>
+            </a:endParaRPr>
+          </a:p>
+          <a:p>
+            <a:pPr marL="457200" marR="0" lvl="0" indent="-317500" algn="l" rtl="0">
+              <a:spcBef>
+                <a:spcPts val="0"/>
+              </a:spcBef>
+              <a:spcAft>
+                <a:spcPts val="0"/>
+              </a:spcAft>
+              <a:buSzPts val="1400"/>
+              <a:buChar char="●"/>
+            </a:pPr>
+            <a:r>
+              <a:rPr lang="en" sz="2000" b="0" i="0" u="none" strike="noStrike" cap="none">
+                <a:solidFill>
+                  <a:schemeClr val="dk1"/>
+                </a:solidFill>
+                <a:latin typeface="Calibri"/>
+                <a:ea typeface="Calibri"/>
+                <a:cs typeface="Calibri"/>
+                <a:sym typeface="Calibri"/>
+              </a:rPr>
+              <a:t>You also have access to the patch hierarchy and can get the nodes the particular processor is working on.</a:t>
+            </a:r>
+            <a:endParaRPr sz="1800" b="0" i="0" u="none" strike="noStrike" cap="none">
+              <a:solidFill>
+                <a:schemeClr val="dk1"/>
+              </a:solidFill>
+              <a:latin typeface="Calibri"/>
+              <a:ea typeface="Calibri"/>
+              <a:cs typeface="Calibri"/>
+              <a:sym typeface="Calibri"/>
+            </a:endParaRPr>
+          </a:p>
+          <a:p>
+            <a:pPr marL="0" marR="0" lvl="0" indent="0" algn="l" rtl="0">
+              <a:spcBef>
+                <a:spcPts val="640"/>
+              </a:spcBef>
+              <a:spcAft>
+                <a:spcPts val="0"/>
+              </a:spcAft>
+              <a:buNone/>
+            </a:pPr>
+            <a:endParaRPr sz="1800" b="0" i="0" u="none" strike="noStrike" cap="none">
+              <a:solidFill>
+                <a:schemeClr val="dk1"/>
+              </a:solidFill>
+              <a:latin typeface="Calibri"/>
+              <a:ea typeface="Calibri"/>
+              <a:cs typeface="Calibri"/>
+              <a:sym typeface="Calibri"/>
+            </a:endParaRPr>
+          </a:p>
+        </p:txBody>
+      </p:sp>
+    </p:spTree>
+  </p:cSld>
+  <p:clrMapOvr>
+    <a:masterClrMapping/>
+  </p:clrMapOvr>
+</p:sld>
+</file>
+
+<file path=ppt/slides/slide18.xml><?xml version="1.0" encoding="utf-8"?>
+<p:sld xmlns:a="http://schemas.openxmlformats.org/drawingml/2006/main" xmlns:r="http://schemas.openxmlformats.org/officeDocument/2006/relationships" xmlns:p="http://schemas.openxmlformats.org/presentationml/2006/main">
+  <p:cSld>
+    <p:spTree>
+      <p:nvGrpSpPr>
+        <p:cNvPr id="1" name="Shape 91"/>
+        <p:cNvGrpSpPr/>
+        <p:nvPr/>
+      </p:nvGrpSpPr>
+      <p:grpSpPr>
+        <a:xfrm>
+          <a:off x="0" y="0"/>
+          <a:ext cx="0" cy="0"/>
+          <a:chOff x="0" y="0"/>
+          <a:chExt cx="0" cy="0"/>
+        </a:xfrm>
+      </p:grpSpPr>
+      <p:sp>
+        <p:nvSpPr>
+          <p:cNvPr id="92" name="Google Shape;92;p24"/>
+          <p:cNvSpPr txBox="1">
+            <a:spLocks noGrp="1"/>
+          </p:cNvSpPr>
+          <p:nvPr>
+            <p:ph type="title"/>
+          </p:nvPr>
+        </p:nvSpPr>
+        <p:spPr>
+          <a:xfrm>
+            <a:off x="457200" y="274637"/>
+            <a:ext cx="8229600" cy="1143000"/>
+          </a:xfrm>
+          <a:prstGeom prst="rect">
+            <a:avLst/>
+          </a:prstGeom>
+          <a:noFill/>
+          <a:ln>
+            <a:noFill/>
+          </a:ln>
+        </p:spPr>
+        <p:txBody>
+          <a:bodyPr spcFirstLastPara="1" wrap="square" lIns="91425" tIns="45700" rIns="91425" bIns="45700" anchor="ctr" anchorCtr="0">
+            <a:noAutofit/>
+          </a:bodyPr>
+          <a:lstStyle/>
+          <a:p>
+            <a:pPr marL="0" marR="0" lvl="0" indent="0" algn="ctr" rtl="0">
+              <a:spcBef>
+                <a:spcPts val="0"/>
+              </a:spcBef>
+              <a:spcAft>
+                <a:spcPts val="0"/>
+              </a:spcAft>
+              <a:buClr>
+                <a:schemeClr val="dk1"/>
+              </a:buClr>
+              <a:buFont typeface="Calibri"/>
+              <a:buNone/>
+            </a:pPr>
+            <a:r>
+              <a:rPr lang="en" sz="3600" b="0" i="0" u="none" strike="noStrike" cap="none">
+                <a:solidFill>
+                  <a:schemeClr val="dk1"/>
+                </a:solidFill>
+                <a:latin typeface="Calibri"/>
+                <a:ea typeface="Calibri"/>
+                <a:cs typeface="Calibri"/>
+                <a:sym typeface="Calibri"/>
+              </a:rPr>
+              <a:t>update_target_point_position example</a:t>
+            </a:r>
+            <a:endParaRPr sz="4400" b="0" i="0" u="none" strike="noStrike" cap="none">
+              <a:solidFill>
+                <a:schemeClr val="dk1"/>
+              </a:solidFill>
+              <a:latin typeface="Calibri"/>
+              <a:ea typeface="Calibri"/>
+              <a:cs typeface="Calibri"/>
+              <a:sym typeface="Calibri"/>
+            </a:endParaRPr>
+          </a:p>
+        </p:txBody>
+      </p:sp>
+      <p:sp>
+        <p:nvSpPr>
+          <p:cNvPr id="93" name="Google Shape;93;p24"/>
+          <p:cNvSpPr txBox="1">
+            <a:spLocks noGrp="1"/>
+          </p:cNvSpPr>
+          <p:nvPr>
+            <p:ph type="body" idx="1"/>
+          </p:nvPr>
+        </p:nvSpPr>
+        <p:spPr>
+          <a:xfrm>
+            <a:off x="457200" y="1600200"/>
+            <a:ext cx="8229600" cy="4525962"/>
+          </a:xfrm>
+          <a:prstGeom prst="rect">
+            <a:avLst/>
+          </a:prstGeom>
+          <a:noFill/>
+          <a:ln>
+            <a:noFill/>
+          </a:ln>
+        </p:spPr>
+        <p:txBody>
+          <a:bodyPr spcFirstLastPara="1" wrap="square" lIns="91425" tIns="45700" rIns="91425" bIns="45700" anchor="t" anchorCtr="0">
+            <a:noAutofit/>
+          </a:bodyPr>
+          <a:lstStyle/>
+          <a:p>
+            <a:pPr marL="0" marR="0" lvl="0" indent="0" algn="l" rtl="0">
+              <a:lnSpc>
+                <a:spcPct val="90000"/>
+              </a:lnSpc>
+              <a:spcBef>
+                <a:spcPts val="640"/>
+              </a:spcBef>
+              <a:spcAft>
+                <a:spcPts val="0"/>
+              </a:spcAft>
+              <a:buClr>
+                <a:schemeClr val="dk1"/>
+              </a:buClr>
+              <a:buFont typeface="Calibri"/>
+              <a:buNone/>
+            </a:pPr>
+            <a:r>
+              <a:rPr lang="en" sz="1400" b="0" i="0" u="none" strike="noStrike" cap="none" dirty="0">
+                <a:solidFill>
+                  <a:schemeClr val="dk1"/>
+                </a:solidFill>
+                <a:latin typeface="Calibri"/>
+                <a:ea typeface="Calibri"/>
+                <a:cs typeface="Calibri"/>
+                <a:sym typeface="Calibri"/>
+              </a:rPr>
+              <a:t>const std::pair&lt;int,int&gt;&amp; wing_lag_idxs = l_data_manager-&gt;getLagrangianStructureIndexRange(0, finest_ln);</a:t>
+            </a:r>
+            <a:endParaRPr sz="1400" b="0" i="0" u="none" strike="noStrike" cap="none" dirty="0">
+              <a:solidFill>
+                <a:schemeClr val="dk1"/>
+              </a:solidFill>
+              <a:latin typeface="Calibri"/>
+              <a:ea typeface="Calibri"/>
+              <a:cs typeface="Calibri"/>
+              <a:sym typeface="Calibri"/>
+            </a:endParaRPr>
+          </a:p>
+          <a:p>
+            <a:pPr marL="0" marR="0" lvl="0" indent="0" algn="l" rtl="0">
+              <a:lnSpc>
+                <a:spcPct val="90000"/>
+              </a:lnSpc>
+              <a:spcBef>
+                <a:spcPts val="640"/>
+              </a:spcBef>
+              <a:spcAft>
+                <a:spcPts val="0"/>
+              </a:spcAft>
+              <a:buClr>
+                <a:schemeClr val="dk1"/>
+              </a:buClr>
+              <a:buFont typeface="Calibri"/>
+              <a:buNone/>
+            </a:pPr>
+            <a:r>
+              <a:rPr lang="en" sz="1400" b="0" i="0" u="none" strike="noStrike" cap="none" dirty="0">
+                <a:solidFill>
+                  <a:schemeClr val="dk1"/>
+                </a:solidFill>
+                <a:latin typeface="Calibri"/>
+                <a:ea typeface="Calibri"/>
+                <a:cs typeface="Calibri"/>
+                <a:sym typeface="Calibri"/>
+              </a:rPr>
+              <a:t>//wing_lag_idxs.first is the first point on the wing. If you have more than one boundary, you can use this to determine which boundary you are on.</a:t>
+            </a:r>
+            <a:endParaRPr sz="1400" b="0" i="0" u="none" strike="noStrike" cap="none" dirty="0">
+              <a:solidFill>
+                <a:schemeClr val="dk1"/>
+              </a:solidFill>
+              <a:latin typeface="Calibri"/>
+              <a:ea typeface="Calibri"/>
+              <a:cs typeface="Calibri"/>
+              <a:sym typeface="Calibri"/>
+            </a:endParaRPr>
+          </a:p>
+          <a:p>
+            <a:pPr marL="0" marR="0" lvl="0" indent="0" algn="l" rtl="0">
+              <a:spcBef>
+                <a:spcPts val="640"/>
+              </a:spcBef>
+              <a:spcAft>
+                <a:spcPts val="0"/>
+              </a:spcAft>
+              <a:buNone/>
+            </a:pPr>
+            <a:endParaRPr sz="1400" b="0" i="0" u="none" strike="noStrike" cap="none" dirty="0">
+              <a:solidFill>
+                <a:schemeClr val="dk1"/>
+              </a:solidFill>
+              <a:latin typeface="Calibri"/>
+              <a:ea typeface="Calibri"/>
+              <a:cs typeface="Calibri"/>
+              <a:sym typeface="Calibri"/>
+            </a:endParaRPr>
+          </a:p>
+          <a:p>
+            <a:pPr marL="0" marR="0" lvl="0" indent="0" algn="l" rtl="0">
+              <a:lnSpc>
+                <a:spcPct val="90000"/>
+              </a:lnSpc>
+              <a:spcBef>
+                <a:spcPts val="640"/>
+              </a:spcBef>
+              <a:spcAft>
+                <a:spcPts val="0"/>
+              </a:spcAft>
+              <a:buClr>
+                <a:schemeClr val="dk1"/>
+              </a:buClr>
+              <a:buFont typeface="Calibri"/>
+              <a:buNone/>
+            </a:pPr>
+            <a:r>
+              <a:rPr lang="en" sz="1400" b="0" i="0" u="none" strike="noStrike" cap="none" dirty="0">
+                <a:solidFill>
+                  <a:schemeClr val="dk1"/>
+                </a:solidFill>
+                <a:latin typeface="Calibri"/>
+                <a:ea typeface="Calibri"/>
+                <a:cs typeface="Calibri"/>
+                <a:sym typeface="Calibri"/>
+              </a:rPr>
+              <a:t>for (vector&lt;LNode*&gt;::iterator it = nodes.begin(); it != nodes.end(); ++it)</a:t>
+            </a:r>
+            <a:endParaRPr sz="1400" b="0" i="0" u="none" strike="noStrike" cap="none" dirty="0">
+              <a:solidFill>
+                <a:schemeClr val="dk1"/>
+              </a:solidFill>
+              <a:latin typeface="Calibri"/>
+              <a:ea typeface="Calibri"/>
+              <a:cs typeface="Calibri"/>
+              <a:sym typeface="Calibri"/>
+            </a:endParaRPr>
+          </a:p>
+          <a:p>
+            <a:pPr marL="0" marR="0" lvl="0" indent="0" algn="l" rtl="0">
+              <a:lnSpc>
+                <a:spcPct val="90000"/>
+              </a:lnSpc>
+              <a:spcBef>
+                <a:spcPts val="640"/>
+              </a:spcBef>
+              <a:spcAft>
+                <a:spcPts val="0"/>
+              </a:spcAft>
+              <a:buClr>
+                <a:schemeClr val="dk1"/>
+              </a:buClr>
+              <a:buFont typeface="Calibri"/>
+              <a:buNone/>
+            </a:pPr>
+            <a:r>
+              <a:rPr lang="en" sz="1400" b="0" i="0" u="none" strike="noStrike" cap="none" dirty="0">
+                <a:solidFill>
+                  <a:schemeClr val="dk1"/>
+                </a:solidFill>
+                <a:latin typeface="Calibri"/>
+                <a:ea typeface="Calibri"/>
+                <a:cs typeface="Calibri"/>
+                <a:sym typeface="Calibri"/>
+              </a:rPr>
+              <a:t>//loops over all of the nodes</a:t>
+            </a:r>
+            <a:endParaRPr sz="1400" b="0" i="0" u="none" strike="noStrike" cap="none" dirty="0">
+              <a:solidFill>
+                <a:schemeClr val="dk1"/>
+              </a:solidFill>
+              <a:latin typeface="Calibri"/>
+              <a:ea typeface="Calibri"/>
+              <a:cs typeface="Calibri"/>
+              <a:sym typeface="Calibri"/>
+            </a:endParaRPr>
+          </a:p>
+          <a:p>
+            <a:pPr marL="0" marR="0" lvl="0" indent="0" algn="l" rtl="0">
+              <a:spcBef>
+                <a:spcPts val="640"/>
+              </a:spcBef>
+              <a:spcAft>
+                <a:spcPts val="0"/>
+              </a:spcAft>
+              <a:buNone/>
+            </a:pPr>
+            <a:endParaRPr sz="1400" b="0" i="0" u="none" strike="noStrike" cap="none" dirty="0">
+              <a:solidFill>
+                <a:schemeClr val="dk1"/>
+              </a:solidFill>
+              <a:latin typeface="Calibri"/>
+              <a:ea typeface="Calibri"/>
+              <a:cs typeface="Calibri"/>
+              <a:sym typeface="Calibri"/>
+            </a:endParaRPr>
+          </a:p>
+          <a:p>
+            <a:pPr marL="0" marR="0" lvl="0" indent="0" algn="l" rtl="0">
+              <a:lnSpc>
+                <a:spcPct val="90000"/>
+              </a:lnSpc>
+              <a:spcBef>
+                <a:spcPts val="640"/>
+              </a:spcBef>
+              <a:spcAft>
+                <a:spcPts val="0"/>
+              </a:spcAft>
+              <a:buClr>
+                <a:schemeClr val="dk1"/>
+              </a:buClr>
+              <a:buFont typeface="Calibri"/>
+              <a:buNone/>
+            </a:pPr>
+            <a:r>
+              <a:rPr lang="en" sz="1400" b="0" i="0" u="none" strike="noStrike" cap="none" dirty="0">
+                <a:solidFill>
+                  <a:schemeClr val="dk1"/>
+                </a:solidFill>
+                <a:latin typeface="Calibri"/>
+                <a:ea typeface="Calibri"/>
+                <a:cs typeface="Calibri"/>
+                <a:sym typeface="Calibri"/>
+              </a:rPr>
+              <a:t>IBTargetPointForceSpec* force_spec = node_idx-&gt;getNodeDataItem&lt;IBTargetPointForceSpec&gt;()</a:t>
+            </a:r>
+            <a:endParaRPr sz="1400" b="0" i="0" u="none" strike="noStrike" cap="none" dirty="0">
+              <a:solidFill>
+                <a:schemeClr val="dk1"/>
+              </a:solidFill>
+              <a:latin typeface="Calibri"/>
+              <a:ea typeface="Calibri"/>
+              <a:cs typeface="Calibri"/>
+              <a:sym typeface="Calibri"/>
+            </a:endParaRPr>
+          </a:p>
+          <a:p>
+            <a:pPr marL="0" marR="0" lvl="0" indent="0" algn="l" rtl="0">
+              <a:lnSpc>
+                <a:spcPct val="90000"/>
+              </a:lnSpc>
+              <a:spcBef>
+                <a:spcPts val="640"/>
+              </a:spcBef>
+              <a:spcAft>
+                <a:spcPts val="0"/>
+              </a:spcAft>
+              <a:buClr>
+                <a:schemeClr val="dk1"/>
+              </a:buClr>
+              <a:buFont typeface="Calibri"/>
+              <a:buNone/>
+            </a:pPr>
+            <a:r>
+              <a:rPr lang="en" sz="1400" b="0" i="0" u="none" strike="noStrike" cap="none" dirty="0">
+                <a:solidFill>
+                  <a:schemeClr val="dk1"/>
+                </a:solidFill>
+                <a:latin typeface="Calibri"/>
+                <a:ea typeface="Calibri"/>
+                <a:cs typeface="Calibri"/>
+                <a:sym typeface="Calibri"/>
+              </a:rPr>
+              <a:t>//get data from the target point, such as its position.</a:t>
+            </a:r>
+            <a:endParaRPr sz="1400" b="0" i="0" u="none" strike="noStrike" cap="none" dirty="0">
+              <a:solidFill>
+                <a:schemeClr val="dk1"/>
+              </a:solidFill>
+              <a:latin typeface="Calibri"/>
+              <a:ea typeface="Calibri"/>
+              <a:cs typeface="Calibri"/>
+              <a:sym typeface="Calibri"/>
+            </a:endParaRPr>
+          </a:p>
+          <a:p>
+            <a:pPr marL="0" marR="0" lvl="0" indent="0" algn="l" rtl="0">
+              <a:spcBef>
+                <a:spcPts val="640"/>
+              </a:spcBef>
+              <a:spcAft>
+                <a:spcPts val="0"/>
+              </a:spcAft>
+              <a:buNone/>
+            </a:pPr>
+            <a:endParaRPr sz="1400" b="0" i="0" u="none" strike="noStrike" cap="none" dirty="0">
+              <a:solidFill>
+                <a:schemeClr val="dk1"/>
+              </a:solidFill>
+              <a:latin typeface="Calibri"/>
+              <a:ea typeface="Calibri"/>
+              <a:cs typeface="Calibri"/>
+              <a:sym typeface="Calibri"/>
+            </a:endParaRPr>
+          </a:p>
+          <a:p>
+            <a:pPr marL="0" marR="0" lvl="0" indent="0" algn="l" rtl="0">
+              <a:lnSpc>
+                <a:spcPct val="90000"/>
+              </a:lnSpc>
+              <a:spcBef>
+                <a:spcPts val="640"/>
+              </a:spcBef>
+              <a:spcAft>
+                <a:spcPts val="0"/>
+              </a:spcAft>
+              <a:buClr>
+                <a:schemeClr val="dk1"/>
+              </a:buClr>
+              <a:buFont typeface="Calibri"/>
+              <a:buNone/>
+            </a:pPr>
+            <a:r>
+              <a:rPr lang="en" sz="1400" b="0" i="0" u="none" strike="noStrike" cap="none" dirty="0">
+                <a:solidFill>
+                  <a:schemeClr val="dk1"/>
+                </a:solidFill>
+                <a:latin typeface="Calibri"/>
+                <a:ea typeface="Calibri"/>
+                <a:cs typeface="Calibri"/>
+                <a:sym typeface="Calibri"/>
+              </a:rPr>
+              <a:t>if (force_spec == NULL) continue;</a:t>
+            </a:r>
+            <a:endParaRPr sz="1400" b="0" i="0" u="none" strike="noStrike" cap="none" dirty="0">
+              <a:solidFill>
+                <a:schemeClr val="dk1"/>
+              </a:solidFill>
+              <a:latin typeface="Calibri"/>
+              <a:ea typeface="Calibri"/>
+              <a:cs typeface="Calibri"/>
+              <a:sym typeface="Calibri"/>
+            </a:endParaRPr>
+          </a:p>
+          <a:p>
+            <a:pPr marL="0" marR="0" lvl="0" indent="0" algn="l" rtl="0">
+              <a:lnSpc>
+                <a:spcPct val="90000"/>
+              </a:lnSpc>
+              <a:spcBef>
+                <a:spcPts val="640"/>
+              </a:spcBef>
+              <a:spcAft>
+                <a:spcPts val="0"/>
+              </a:spcAft>
+              <a:buClr>
+                <a:schemeClr val="dk1"/>
+              </a:buClr>
+              <a:buFont typeface="Calibri"/>
+              <a:buNone/>
+            </a:pPr>
+            <a:r>
+              <a:rPr lang="en" sz="1400" b="0" i="0" u="none" strike="noStrike" cap="none" dirty="0">
+                <a:solidFill>
+                  <a:schemeClr val="dk1"/>
+                </a:solidFill>
+                <a:latin typeface="Calibri"/>
+                <a:ea typeface="Calibri"/>
+                <a:cs typeface="Calibri"/>
+                <a:sym typeface="Calibri"/>
+              </a:rPr>
+              <a:t>//check if there is a target point associated with the node.</a:t>
+            </a:r>
+            <a:endParaRPr sz="1400" b="0" i="0" u="none" strike="noStrike" cap="none" dirty="0">
+              <a:solidFill>
+                <a:schemeClr val="dk1"/>
+              </a:solidFill>
+              <a:latin typeface="Calibri"/>
+              <a:ea typeface="Calibri"/>
+              <a:cs typeface="Calibri"/>
+              <a:sym typeface="Calibri"/>
+            </a:endParaRPr>
+          </a:p>
+          <a:p>
+            <a:pPr marL="0" marR="0" lvl="0" indent="0" algn="l" rtl="0">
+              <a:spcBef>
+                <a:spcPts val="640"/>
+              </a:spcBef>
+              <a:spcAft>
+                <a:spcPts val="0"/>
+              </a:spcAft>
+              <a:buNone/>
+            </a:pPr>
+            <a:endParaRPr sz="1400" b="0" i="0" u="none" strike="noStrike" cap="none" dirty="0">
+              <a:solidFill>
+                <a:schemeClr val="dk1"/>
+              </a:solidFill>
+              <a:latin typeface="Calibri"/>
+              <a:ea typeface="Calibri"/>
+              <a:cs typeface="Calibri"/>
+              <a:sym typeface="Calibri"/>
+            </a:endParaRPr>
+          </a:p>
+          <a:p>
+            <a:pPr marL="0" marR="0" lvl="0" indent="0" algn="l" rtl="0">
+              <a:lnSpc>
+                <a:spcPct val="90000"/>
+              </a:lnSpc>
+              <a:spcBef>
+                <a:spcPts val="640"/>
+              </a:spcBef>
+              <a:spcAft>
+                <a:spcPts val="0"/>
+              </a:spcAft>
+              <a:buClr>
+                <a:schemeClr val="dk1"/>
+              </a:buClr>
+              <a:buFont typeface="Calibri"/>
+              <a:buNone/>
+            </a:pPr>
+            <a:r>
+              <a:rPr lang="en" sz="1400" b="0" i="0" u="none" strike="noStrike" cap="none" dirty="0">
+                <a:solidFill>
+                  <a:schemeClr val="dk1"/>
+                </a:solidFill>
+                <a:latin typeface="Calibri"/>
+                <a:ea typeface="Calibri"/>
+                <a:cs typeface="Calibri"/>
+                <a:sym typeface="Calibri"/>
+              </a:rPr>
+              <a:t>const int lag_idx = node_idx-&gt;getLagrangianIndex();</a:t>
+            </a:r>
+            <a:endParaRPr sz="1400" b="0" i="0" u="none" strike="noStrike" cap="none" dirty="0">
+              <a:solidFill>
+                <a:schemeClr val="dk1"/>
+              </a:solidFill>
+              <a:latin typeface="Calibri"/>
+              <a:ea typeface="Calibri"/>
+              <a:cs typeface="Calibri"/>
+              <a:sym typeface="Calibri"/>
+            </a:endParaRPr>
+          </a:p>
+          <a:p>
+            <a:pPr marL="0" marR="0" lvl="0" indent="0" algn="l" rtl="0">
+              <a:lnSpc>
+                <a:spcPct val="90000"/>
+              </a:lnSpc>
+              <a:spcBef>
+                <a:spcPts val="640"/>
+              </a:spcBef>
+              <a:spcAft>
+                <a:spcPts val="0"/>
+              </a:spcAft>
+              <a:buClr>
+                <a:schemeClr val="dk1"/>
+              </a:buClr>
+              <a:buFont typeface="Calibri"/>
+              <a:buNone/>
+            </a:pPr>
+            <a:r>
+              <a:rPr lang="en" sz="1400" b="0" i="0" u="none" strike="noStrike" cap="none" dirty="0">
+                <a:solidFill>
+                  <a:schemeClr val="dk1"/>
+                </a:solidFill>
+                <a:latin typeface="Calibri"/>
+                <a:ea typeface="Calibri"/>
+                <a:cs typeface="Calibri"/>
+                <a:sym typeface="Calibri"/>
+              </a:rPr>
+              <a:t>//get the Lagrangian index for that node</a:t>
+            </a:r>
+            <a:endParaRPr sz="1400" b="0" i="0" u="none" strike="noStrike" cap="none" dirty="0">
+              <a:solidFill>
+                <a:schemeClr val="dk1"/>
+              </a:solidFill>
+              <a:latin typeface="Calibri"/>
+              <a:ea typeface="Calibri"/>
+              <a:cs typeface="Calibri"/>
+              <a:sym typeface="Calibri"/>
+            </a:endParaRPr>
+          </a:p>
+          <a:p>
+            <a:pPr marL="0" marR="0" lvl="0" indent="0" algn="l" rtl="0">
+              <a:spcBef>
+                <a:spcPts val="640"/>
+              </a:spcBef>
+              <a:spcAft>
+                <a:spcPts val="0"/>
+              </a:spcAft>
+              <a:buNone/>
+            </a:pPr>
+            <a:endParaRPr sz="1400" b="0" i="0" u="none" strike="noStrike" cap="none" dirty="0">
+              <a:solidFill>
+                <a:schemeClr val="dk1"/>
+              </a:solidFill>
+              <a:latin typeface="Calibri"/>
+              <a:ea typeface="Calibri"/>
+              <a:cs typeface="Calibri"/>
+              <a:sym typeface="Calibri"/>
+            </a:endParaRPr>
+          </a:p>
+        </p:txBody>
+      </p:sp>
+    </p:spTree>
+  </p:cSld>
+  <p:clrMapOvr>
+    <a:masterClrMapping/>
+  </p:clrMapOvr>
+</p:sld>
+</file>
+
+<file path=ppt/slides/slide19.xml><?xml version="1.0" encoding="utf-8"?>
+<p:sld xmlns:a="http://schemas.openxmlformats.org/drawingml/2006/main" xmlns:r="http://schemas.openxmlformats.org/officeDocument/2006/relationships" xmlns:p="http://schemas.openxmlformats.org/presentationml/2006/main">
+  <p:cSld>
+    <p:spTree>
+      <p:nvGrpSpPr>
+        <p:cNvPr id="1" name="Shape 97"/>
+        <p:cNvGrpSpPr/>
+        <p:nvPr/>
+      </p:nvGrpSpPr>
+      <p:grpSpPr>
+        <a:xfrm>
+          <a:off x="0" y="0"/>
+          <a:ext cx="0" cy="0"/>
+          <a:chOff x="0" y="0"/>
+          <a:chExt cx="0" cy="0"/>
+        </a:xfrm>
+      </p:grpSpPr>
+      <p:sp>
+        <p:nvSpPr>
+          <p:cNvPr id="98" name="Google Shape;98;p25"/>
+          <p:cNvSpPr txBox="1">
+            <a:spLocks noGrp="1"/>
+          </p:cNvSpPr>
+          <p:nvPr>
+            <p:ph type="body" idx="1"/>
+          </p:nvPr>
+        </p:nvSpPr>
+        <p:spPr>
+          <a:xfrm>
+            <a:off x="457200" y="1295400"/>
+            <a:ext cx="8229600" cy="4526100"/>
+          </a:xfrm>
+          <a:prstGeom prst="rect">
+            <a:avLst/>
+          </a:prstGeom>
+          <a:noFill/>
+          <a:ln>
+            <a:noFill/>
+          </a:ln>
+        </p:spPr>
+        <p:txBody>
+          <a:bodyPr spcFirstLastPara="1" wrap="square" lIns="91425" tIns="45700" rIns="91425" bIns="45700" anchor="t" anchorCtr="0">
+            <a:noAutofit/>
+          </a:bodyPr>
+          <a:lstStyle/>
+          <a:p>
+            <a:pPr marL="0" marR="0" lvl="0" indent="0" algn="l" rtl="0">
+              <a:spcBef>
+                <a:spcPts val="640"/>
+              </a:spcBef>
+              <a:spcAft>
+                <a:spcPts val="0"/>
+              </a:spcAft>
+              <a:buClr>
+                <a:schemeClr val="dk1"/>
+              </a:buClr>
+              <a:buFont typeface="Calibri"/>
+              <a:buNone/>
+            </a:pPr>
+            <a:r>
+              <a:rPr lang="en" sz="1400" b="0" i="0" u="none" strike="noStrike" cap="none" dirty="0">
+                <a:solidFill>
+                  <a:schemeClr val="dk1"/>
+                </a:solidFill>
+                <a:latin typeface="Calibri"/>
+                <a:ea typeface="Calibri"/>
+                <a:cs typeface="Calibri"/>
+                <a:sym typeface="Calibri"/>
+              </a:rPr>
+              <a:t>//Depending on the version of IBAMR, you need to select one of the ways of accessing target point positions</a:t>
+            </a:r>
+            <a:endParaRPr sz="1400" b="0" i="0" u="none" strike="noStrike" cap="none" dirty="0">
+              <a:solidFill>
+                <a:schemeClr val="dk1"/>
+              </a:solidFill>
+              <a:latin typeface="Calibri"/>
+              <a:ea typeface="Calibri"/>
+              <a:cs typeface="Calibri"/>
+              <a:sym typeface="Calibri"/>
+            </a:endParaRPr>
+          </a:p>
+          <a:p>
+            <a:pPr marL="0" marR="0" lvl="0" indent="0" algn="l" rtl="0">
+              <a:spcBef>
+                <a:spcPts val="640"/>
+              </a:spcBef>
+              <a:spcAft>
+                <a:spcPts val="0"/>
+              </a:spcAft>
+              <a:buClr>
+                <a:schemeClr val="dk1"/>
+              </a:buClr>
+              <a:buFont typeface="Calibri"/>
+              <a:buNone/>
+            </a:pPr>
+            <a:r>
+              <a:rPr lang="en" sz="1400" b="0" i="0" u="none" strike="noStrike" cap="none" dirty="0">
+                <a:solidFill>
+                  <a:schemeClr val="dk1"/>
+                </a:solidFill>
+                <a:latin typeface="Calibri"/>
+                <a:ea typeface="Calibri"/>
+                <a:cs typeface="Calibri"/>
+                <a:sym typeface="Calibri"/>
+              </a:rPr>
+              <a:t>//TinyVector&lt;double,NDIM&gt;&amp; X_target = force_spec-&gt;getTargetPointPosition();</a:t>
+            </a:r>
+            <a:endParaRPr sz="1400" b="0" i="0" u="none" strike="noStrike" cap="none" dirty="0">
+              <a:solidFill>
+                <a:schemeClr val="dk1"/>
+              </a:solidFill>
+              <a:latin typeface="Calibri"/>
+              <a:ea typeface="Calibri"/>
+              <a:cs typeface="Calibri"/>
+              <a:sym typeface="Calibri"/>
+            </a:endParaRPr>
+          </a:p>
+          <a:p>
+            <a:pPr marL="0" marR="0" lvl="0" indent="0" algn="l" rtl="0">
+              <a:spcBef>
+                <a:spcPts val="640"/>
+              </a:spcBef>
+              <a:spcAft>
+                <a:spcPts val="0"/>
+              </a:spcAft>
+              <a:buClr>
+                <a:schemeClr val="dk1"/>
+              </a:buClr>
+              <a:buFont typeface="Calibri"/>
+              <a:buNone/>
+            </a:pPr>
+            <a:r>
+              <a:rPr lang="en" sz="1400" dirty="0"/>
+              <a:t>//</a:t>
+            </a:r>
+            <a:r>
+              <a:rPr lang="en" sz="1400" b="0" i="0" u="none" strike="noStrike" cap="none" dirty="0">
+                <a:solidFill>
+                  <a:schemeClr val="dk1"/>
+                </a:solidFill>
+                <a:latin typeface="Calibri"/>
+                <a:ea typeface="Calibri"/>
+                <a:cs typeface="Calibri"/>
+                <a:sym typeface="Calibri"/>
+              </a:rPr>
+              <a:t>IBTK::Vector&lt;double,NDIM&gt;&amp; X_target = force_spec-&gt;getTargetPointPosition();</a:t>
+            </a:r>
+            <a:endParaRPr sz="1400" b="0" i="0" u="none" strike="noStrike" cap="none" dirty="0">
+              <a:solidFill>
+                <a:schemeClr val="dk1"/>
+              </a:solidFill>
+              <a:latin typeface="Calibri"/>
+              <a:ea typeface="Calibri"/>
+              <a:cs typeface="Calibri"/>
+              <a:sym typeface="Calibri"/>
+            </a:endParaRPr>
+          </a:p>
+          <a:p>
+            <a:pPr marL="0" marR="0" lvl="0" indent="0" algn="l" rtl="0">
+              <a:spcBef>
+                <a:spcPts val="640"/>
+              </a:spcBef>
+              <a:spcAft>
+                <a:spcPts val="0"/>
+              </a:spcAft>
+              <a:buClr>
+                <a:schemeClr val="dk1"/>
+              </a:buClr>
+              <a:buFont typeface="Calibri"/>
+              <a:buNone/>
+            </a:pPr>
+            <a:r>
+              <a:rPr lang="en" sz="1400" dirty="0"/>
+              <a:t>Point&amp; X_target = force_spec-&gt;getTargetPointPosition();</a:t>
+            </a:r>
+            <a:endParaRPr sz="1400" dirty="0"/>
+          </a:p>
+          <a:p>
+            <a:pPr marL="0" marR="0" lvl="0" indent="0" algn="l" rtl="0">
+              <a:spcBef>
+                <a:spcPts val="640"/>
+              </a:spcBef>
+              <a:spcAft>
+                <a:spcPts val="0"/>
+              </a:spcAft>
+              <a:buClr>
+                <a:schemeClr val="dk1"/>
+              </a:buClr>
+              <a:buFont typeface="Calibri"/>
+              <a:buNone/>
+            </a:pPr>
+            <a:r>
+              <a:rPr lang="en" sz="1400" b="0" i="0" u="none" strike="noStrike" cap="none" dirty="0">
+                <a:solidFill>
+                  <a:schemeClr val="dk1"/>
+                </a:solidFill>
+                <a:latin typeface="Calibri"/>
+                <a:ea typeface="Calibri"/>
+                <a:cs typeface="Calibri"/>
+                <a:sym typeface="Calibri"/>
+              </a:rPr>
+              <a:t>//get the target point position since we are going to modify it.</a:t>
+            </a:r>
+            <a:endParaRPr sz="1400" b="0" i="0" u="none" strike="noStrike" cap="none" dirty="0">
+              <a:solidFill>
+                <a:schemeClr val="dk1"/>
+              </a:solidFill>
+              <a:latin typeface="Calibri"/>
+              <a:ea typeface="Calibri"/>
+              <a:cs typeface="Calibri"/>
+              <a:sym typeface="Calibri"/>
+            </a:endParaRPr>
+          </a:p>
+          <a:p>
+            <a:pPr marL="0" marR="0" lvl="0" indent="0" algn="l" rtl="0">
+              <a:spcBef>
+                <a:spcPts val="640"/>
+              </a:spcBef>
+              <a:spcAft>
+                <a:spcPts val="0"/>
+              </a:spcAft>
+              <a:buNone/>
+            </a:pPr>
+            <a:endParaRPr sz="1400" b="0" i="0" u="none" strike="noStrike" cap="none" dirty="0">
+              <a:solidFill>
+                <a:schemeClr val="dk1"/>
+              </a:solidFill>
+              <a:latin typeface="Calibri"/>
+              <a:ea typeface="Calibri"/>
+              <a:cs typeface="Calibri"/>
+              <a:sym typeface="Calibri"/>
+            </a:endParaRPr>
+          </a:p>
+          <a:p>
+            <a:pPr marL="0" marR="0" lvl="0" indent="0" algn="l" rtl="0">
+              <a:spcBef>
+                <a:spcPts val="640"/>
+              </a:spcBef>
+              <a:spcAft>
+                <a:spcPts val="0"/>
+              </a:spcAft>
+              <a:buClr>
+                <a:schemeClr val="dk1"/>
+              </a:buClr>
+              <a:buFont typeface="Calibri"/>
+              <a:buNone/>
+            </a:pPr>
+            <a:r>
+              <a:rPr lang="en" sz="1400" b="0" i="0" u="none" strike="noStrike" cap="none" dirty="0">
+                <a:solidFill>
+                  <a:schemeClr val="dk1"/>
+                </a:solidFill>
+                <a:latin typeface="Calibri"/>
+                <a:ea typeface="Calibri"/>
+                <a:cs typeface="Calibri"/>
+                <a:sym typeface="Calibri"/>
+              </a:rPr>
+              <a:t>if (current_time &lt;= time_to_acc)</a:t>
+            </a:r>
+            <a:endParaRPr sz="1400" b="0" i="0" u="none" strike="noStrike" cap="none" dirty="0">
+              <a:solidFill>
+                <a:schemeClr val="dk1"/>
+              </a:solidFill>
+              <a:latin typeface="Calibri"/>
+              <a:ea typeface="Calibri"/>
+              <a:cs typeface="Calibri"/>
+              <a:sym typeface="Calibri"/>
+            </a:endParaRPr>
+          </a:p>
+          <a:p>
+            <a:pPr marL="0" marR="0" lvl="0" indent="0" algn="l" rtl="0">
+              <a:spcBef>
+                <a:spcPts val="640"/>
+              </a:spcBef>
+              <a:spcAft>
+                <a:spcPts val="0"/>
+              </a:spcAft>
+              <a:buClr>
+                <a:schemeClr val="dk1"/>
+              </a:buClr>
+              <a:buFont typeface="Calibri"/>
+              <a:buNone/>
+            </a:pPr>
+            <a:r>
+              <a:rPr lang="en" sz="1400" b="0" i="0" u="none" strike="noStrike" cap="none" dirty="0">
+                <a:solidFill>
+                  <a:schemeClr val="dk1"/>
+                </a:solidFill>
+                <a:latin typeface="Calibri"/>
+                <a:ea typeface="Calibri"/>
+                <a:cs typeface="Calibri"/>
+                <a:sym typeface="Calibri"/>
+              </a:rPr>
+              <a:t>//check to see if we are in the acceleration phase of the wing.</a:t>
+            </a:r>
+            <a:endParaRPr sz="1400" b="0" i="0" u="none" strike="noStrike" cap="none" dirty="0">
+              <a:solidFill>
+                <a:schemeClr val="dk1"/>
+              </a:solidFill>
+              <a:latin typeface="Calibri"/>
+              <a:ea typeface="Calibri"/>
+              <a:cs typeface="Calibri"/>
+              <a:sym typeface="Calibri"/>
+            </a:endParaRPr>
+          </a:p>
+          <a:p>
+            <a:pPr marL="0" marR="0" lvl="0" indent="0" algn="l" rtl="0">
+              <a:spcBef>
+                <a:spcPts val="640"/>
+              </a:spcBef>
+              <a:spcAft>
+                <a:spcPts val="0"/>
+              </a:spcAft>
+              <a:buNone/>
+            </a:pPr>
+            <a:endParaRPr sz="1400" b="0" i="0" u="none" strike="noStrike" cap="none" dirty="0">
+              <a:solidFill>
+                <a:schemeClr val="dk1"/>
+              </a:solidFill>
+              <a:latin typeface="Calibri"/>
+              <a:ea typeface="Calibri"/>
+              <a:cs typeface="Calibri"/>
+              <a:sym typeface="Calibri"/>
+            </a:endParaRPr>
+          </a:p>
+          <a:p>
+            <a:pPr marL="0" marR="0" lvl="0" indent="0" algn="l" rtl="0">
+              <a:spcBef>
+                <a:spcPts val="640"/>
+              </a:spcBef>
+              <a:spcAft>
+                <a:spcPts val="0"/>
+              </a:spcAft>
+              <a:buClr>
+                <a:schemeClr val="dk1"/>
+              </a:buClr>
+              <a:buFont typeface="Calibri"/>
+              <a:buNone/>
+            </a:pPr>
+            <a:r>
+              <a:rPr lang="en" sz="1400" b="0" i="0" u="none" strike="noStrike" cap="none" dirty="0">
+                <a:solidFill>
+                  <a:schemeClr val="dk1"/>
+                </a:solidFill>
+                <a:latin typeface="Calibri"/>
+                <a:ea typeface="Calibri"/>
+                <a:cs typeface="Calibri"/>
+                <a:sym typeface="Calibri"/>
+              </a:rPr>
+              <a:t>if (wing_lag_idxs.first &lt;= lag_idx &amp;&amp; lag_idx &lt; wing_lag_idxs.second)</a:t>
+            </a:r>
+            <a:endParaRPr sz="1400" b="0" i="0" u="none" strike="noStrike" cap="none" dirty="0">
+              <a:solidFill>
+                <a:schemeClr val="dk1"/>
+              </a:solidFill>
+              <a:latin typeface="Calibri"/>
+              <a:ea typeface="Calibri"/>
+              <a:cs typeface="Calibri"/>
+              <a:sym typeface="Calibri"/>
+            </a:endParaRPr>
+          </a:p>
+          <a:p>
+            <a:pPr marL="0" marR="0" lvl="0" indent="0" algn="l" rtl="0">
+              <a:spcBef>
+                <a:spcPts val="640"/>
+              </a:spcBef>
+              <a:spcAft>
+                <a:spcPts val="0"/>
+              </a:spcAft>
+              <a:buClr>
+                <a:schemeClr val="dk1"/>
+              </a:buClr>
+              <a:buFont typeface="Calibri"/>
+              <a:buNone/>
+            </a:pPr>
+            <a:r>
+              <a:rPr lang="en" sz="1400" b="0" i="0" u="none" strike="noStrike" cap="none" dirty="0">
+                <a:solidFill>
+                  <a:schemeClr val="dk1"/>
+                </a:solidFill>
+                <a:latin typeface="Calibri"/>
+                <a:ea typeface="Calibri"/>
+                <a:cs typeface="Calibri"/>
+                <a:sym typeface="Calibri"/>
+              </a:rPr>
+              <a:t>//check to see if the node is on the first wing (it is because we only have one wing in this case).</a:t>
+            </a:r>
+            <a:endParaRPr sz="1400" b="0" i="0" u="none" strike="noStrike" cap="none" dirty="0">
+              <a:solidFill>
+                <a:schemeClr val="dk1"/>
+              </a:solidFill>
+              <a:latin typeface="Calibri"/>
+              <a:ea typeface="Calibri"/>
+              <a:cs typeface="Calibri"/>
+              <a:sym typeface="Calibri"/>
+            </a:endParaRPr>
+          </a:p>
+          <a:p>
+            <a:pPr marL="0" marR="0" lvl="0" indent="0" algn="l" rtl="0">
+              <a:spcBef>
+                <a:spcPts val="640"/>
+              </a:spcBef>
+              <a:spcAft>
+                <a:spcPts val="0"/>
+              </a:spcAft>
+              <a:buNone/>
+            </a:pPr>
+            <a:endParaRPr sz="1400" b="0" i="0" u="none" strike="noStrike" cap="none" dirty="0">
+              <a:solidFill>
+                <a:schemeClr val="dk1"/>
+              </a:solidFill>
+              <a:latin typeface="Calibri"/>
+              <a:ea typeface="Calibri"/>
+              <a:cs typeface="Calibri"/>
+              <a:sym typeface="Calibri"/>
+            </a:endParaRPr>
+          </a:p>
+          <a:p>
+            <a:pPr marL="0" marR="0" lvl="0" indent="0" algn="l" rtl="0">
+              <a:spcBef>
+                <a:spcPts val="640"/>
+              </a:spcBef>
+              <a:spcAft>
+                <a:spcPts val="0"/>
+              </a:spcAft>
+              <a:buClr>
+                <a:schemeClr val="dk1"/>
+              </a:buClr>
+              <a:buFont typeface="Calibri"/>
+              <a:buNone/>
+            </a:pPr>
+            <a:r>
+              <a:rPr lang="en" sz="1400" b="0" i="0" u="none" strike="noStrike" cap="none" dirty="0">
+                <a:solidFill>
+                  <a:schemeClr val="dk1"/>
+                </a:solidFill>
+                <a:latin typeface="Calibri"/>
+                <a:ea typeface="Calibri"/>
+                <a:cs typeface="Calibri"/>
+                <a:sym typeface="Calibri"/>
+              </a:rPr>
+              <a:t>X_target[1]+=current_time/time_to_acc*V*dt;</a:t>
+            </a:r>
+            <a:endParaRPr sz="1400" b="0" i="0" u="none" strike="noStrike" cap="none" dirty="0">
+              <a:solidFill>
+                <a:schemeClr val="dk1"/>
+              </a:solidFill>
+              <a:latin typeface="Calibri"/>
+              <a:ea typeface="Calibri"/>
+              <a:cs typeface="Calibri"/>
+              <a:sym typeface="Calibri"/>
+            </a:endParaRPr>
+          </a:p>
+          <a:p>
+            <a:pPr marL="0" marR="0" lvl="0" indent="0" algn="l" rtl="0">
+              <a:spcBef>
+                <a:spcPts val="640"/>
+              </a:spcBef>
+              <a:spcAft>
+                <a:spcPts val="0"/>
+              </a:spcAft>
+              <a:buClr>
+                <a:schemeClr val="dk1"/>
+              </a:buClr>
+              <a:buFont typeface="Calibri"/>
+              <a:buNone/>
+            </a:pPr>
+            <a:r>
+              <a:rPr lang="en" sz="1400" b="0" i="0" u="none" strike="noStrike" cap="none" dirty="0">
+                <a:solidFill>
+                  <a:schemeClr val="dk1"/>
+                </a:solidFill>
+                <a:latin typeface="Calibri"/>
+                <a:ea typeface="Calibri"/>
+                <a:cs typeface="Calibri"/>
+                <a:sym typeface="Calibri"/>
+              </a:rPr>
+              <a:t>//determine the new position in the y-direction. We aren’t moving in the x-direction here.</a:t>
+            </a:r>
+            <a:endParaRPr sz="1400" b="0" i="0" u="none" strike="noStrike" cap="none" dirty="0">
+              <a:solidFill>
+                <a:schemeClr val="dk1"/>
+              </a:solidFill>
+              <a:latin typeface="Calibri"/>
+              <a:ea typeface="Calibri"/>
+              <a:cs typeface="Calibri"/>
+              <a:sym typeface="Calibri"/>
+            </a:endParaRPr>
+          </a:p>
+          <a:p>
+            <a:pPr marL="0" marR="0" lvl="0" indent="0" algn="l" rtl="0">
+              <a:spcBef>
+                <a:spcPts val="640"/>
+              </a:spcBef>
+              <a:spcAft>
+                <a:spcPts val="0"/>
+              </a:spcAft>
+              <a:buNone/>
+            </a:pPr>
+            <a:endParaRPr sz="1400" b="0" i="0" u="none" strike="noStrike" cap="none" dirty="0">
+              <a:solidFill>
+                <a:schemeClr val="dk1"/>
+              </a:solidFill>
+              <a:latin typeface="Calibri"/>
+              <a:ea typeface="Calibri"/>
+              <a:cs typeface="Calibri"/>
+              <a:sym typeface="Calibri"/>
+            </a:endParaRPr>
+          </a:p>
+          <a:p>
+            <a:pPr marL="0" marR="0" lvl="0" indent="0" algn="l" rtl="0">
+              <a:spcBef>
+                <a:spcPts val="640"/>
+              </a:spcBef>
+              <a:spcAft>
+                <a:spcPts val="0"/>
+              </a:spcAft>
+              <a:buClr>
+                <a:schemeClr val="dk1"/>
+              </a:buClr>
+              <a:buFont typeface="Calibri"/>
+              <a:buNone/>
+            </a:pPr>
+            <a:r>
+              <a:rPr lang="en" sz="1400" b="0" i="0" u="none" strike="noStrike" cap="none" dirty="0">
+                <a:solidFill>
+                  <a:schemeClr val="dk1"/>
+                </a:solidFill>
+                <a:latin typeface="Calibri"/>
+                <a:ea typeface="Calibri"/>
+                <a:cs typeface="Calibri"/>
+                <a:sym typeface="Calibri"/>
+              </a:rPr>
+              <a:t>else</a:t>
+            </a:r>
+            <a:endParaRPr sz="1400" b="0" i="0" u="none" strike="noStrike" cap="none" dirty="0">
+              <a:solidFill>
+                <a:schemeClr val="dk1"/>
+              </a:solidFill>
+              <a:latin typeface="Calibri"/>
+              <a:ea typeface="Calibri"/>
+              <a:cs typeface="Calibri"/>
+              <a:sym typeface="Calibri"/>
+            </a:endParaRPr>
+          </a:p>
+          <a:p>
+            <a:pPr marL="0" marR="0" lvl="0" indent="0" algn="l" rtl="0">
+              <a:spcBef>
+                <a:spcPts val="640"/>
+              </a:spcBef>
+              <a:spcAft>
+                <a:spcPts val="0"/>
+              </a:spcAft>
+              <a:buClr>
+                <a:schemeClr val="dk1"/>
+              </a:buClr>
+              <a:buFont typeface="Calibri"/>
+              <a:buNone/>
+            </a:pPr>
+            <a:r>
+              <a:rPr lang="en" sz="1400" b="0" i="0" u="none" strike="noStrike" cap="none" dirty="0">
+                <a:solidFill>
+                  <a:schemeClr val="dk1"/>
+                </a:solidFill>
+                <a:latin typeface="Calibri"/>
+                <a:ea typeface="Calibri"/>
+                <a:cs typeface="Calibri"/>
+                <a:sym typeface="Calibri"/>
+              </a:rPr>
+              <a:t>//here we move the wing at a constant speed.</a:t>
+            </a:r>
+            <a:endParaRPr sz="1400" b="0" i="0" u="none" strike="noStrike" cap="none" dirty="0">
+              <a:solidFill>
+                <a:schemeClr val="dk1"/>
+              </a:solidFill>
+              <a:latin typeface="Calibri"/>
+              <a:ea typeface="Calibri"/>
+              <a:cs typeface="Calibri"/>
+              <a:sym typeface="Calibri"/>
+            </a:endParaRPr>
+          </a:p>
+        </p:txBody>
+      </p:sp>
+      <p:sp>
+        <p:nvSpPr>
+          <p:cNvPr id="99" name="Google Shape;99;p25"/>
+          <p:cNvSpPr txBox="1">
+            <a:spLocks noGrp="1"/>
+          </p:cNvSpPr>
+          <p:nvPr>
+            <p:ph type="title"/>
+          </p:nvPr>
+        </p:nvSpPr>
+        <p:spPr>
+          <a:xfrm>
+            <a:off x="457200" y="152400"/>
+            <a:ext cx="8229600" cy="1143000"/>
+          </a:xfrm>
+          <a:prstGeom prst="rect">
+            <a:avLst/>
+          </a:prstGeom>
+          <a:noFill/>
+          <a:ln>
+            <a:noFill/>
+          </a:ln>
+        </p:spPr>
+        <p:txBody>
+          <a:bodyPr spcFirstLastPara="1" wrap="square" lIns="91425" tIns="45700" rIns="91425" bIns="45700" anchor="ctr" anchorCtr="0">
+            <a:noAutofit/>
+          </a:bodyPr>
+          <a:lstStyle/>
+          <a:p>
+            <a:pPr marL="0" marR="0" lvl="0" indent="0" algn="ctr" rtl="0">
+              <a:spcBef>
+                <a:spcPts val="0"/>
+              </a:spcBef>
+              <a:spcAft>
+                <a:spcPts val="0"/>
+              </a:spcAft>
+              <a:buClr>
+                <a:schemeClr val="dk1"/>
+              </a:buClr>
+              <a:buFont typeface="Calibri"/>
+              <a:buNone/>
+            </a:pPr>
+            <a:r>
+              <a:rPr lang="en" sz="3600" b="0" i="0" u="none" strike="noStrike" cap="none">
+                <a:solidFill>
+                  <a:schemeClr val="dk1"/>
+                </a:solidFill>
+                <a:latin typeface="Calibri"/>
+                <a:ea typeface="Calibri"/>
+                <a:cs typeface="Calibri"/>
+                <a:sym typeface="Calibri"/>
+              </a:rPr>
+              <a:t>update_target_point_position example</a:t>
+            </a:r>
+            <a:endParaRPr sz="4400" b="0" i="0" u="none" strike="noStrike" cap="none">
+              <a:solidFill>
+                <a:schemeClr val="dk1"/>
+              </a:solidFill>
+              <a:latin typeface="Calibri"/>
+              <a:ea typeface="Calibri"/>
+              <a:cs typeface="Calibri"/>
+              <a:sym typeface="Calibri"/>
+            </a:endParaRPr>
+          </a:p>
+        </p:txBody>
+      </p:sp>
+    </p:spTree>
+  </p:cSld>
+  <p:clrMapOvr>
+    <a:masterClrMapping/>
+  </p:clrMapOvr>
+</p:sld>
+</file>
+
+<file path=ppt/slides/slide2.xml><?xml version="1.0" encoding="utf-8"?>
+<p:sld xmlns:a="http://schemas.openxmlformats.org/drawingml/2006/main" xmlns:r="http://schemas.openxmlformats.org/officeDocument/2006/relationships" xmlns:p="http://schemas.openxmlformats.org/presentationml/2006/main">
+  <p:cSld>
+    <p:spTree>
+      <p:nvGrpSpPr>
+        <p:cNvPr id="1" name=""/>
+        <p:cNvGrpSpPr/>
+        <p:nvPr/>
+      </p:nvGrpSpPr>
+      <p:grpSpPr>
+        <a:xfrm>
+          <a:off x="0" y="0"/>
+          <a:ext cx="0" cy="0"/>
+          <a:chOff x="0" y="0"/>
+          <a:chExt cx="0" cy="0"/>
+        </a:xfrm>
+      </p:grpSpPr>
+      <p:sp>
+        <p:nvSpPr>
+          <p:cNvPr id="2" name="Title 1"/>
+          <p:cNvSpPr>
+            <a:spLocks noGrp="1"/>
+          </p:cNvSpPr>
+          <p:nvPr>
+            <p:ph type="title"/>
+          </p:nvPr>
+        </p:nvSpPr>
+        <p:spPr/>
+        <p:txBody>
+          <a:bodyPr/>
+          <a:lstStyle/>
+          <a:p>
+            <a:pPr indent="0">
+              <a:buNone/>
+            </a:pPr>
+            <a:r>
+              <a:rPr lang="en-US" dirty="0"/>
+              <a:t>Moving boundaries</a:t>
+            </a:r>
+          </a:p>
+        </p:txBody>
+      </p:sp>
+      <p:sp>
+        <p:nvSpPr>
+          <p:cNvPr id="3" name="Text Placeholder 2"/>
+          <p:cNvSpPr>
+            <a:spLocks noGrp="1"/>
+          </p:cNvSpPr>
+          <p:nvPr>
+            <p:ph type="body" idx="1"/>
+          </p:nvPr>
+        </p:nvSpPr>
+        <p:spPr/>
+        <p:txBody>
+          <a:bodyPr/>
+          <a:lstStyle/>
+          <a:p>
+            <a:r>
+              <a:rPr lang="en-US" dirty="0"/>
+              <a:t>You can make boundaries actively move using</a:t>
+            </a:r>
+          </a:p>
+          <a:p>
+            <a:pPr lvl="1"/>
+            <a:r>
+              <a:rPr lang="en-US" dirty="0"/>
+              <a:t>Target points to provide a preferred motion</a:t>
+            </a:r>
+          </a:p>
+          <a:p>
+            <a:pPr lvl="1"/>
+            <a:r>
+              <a:rPr lang="en-US" dirty="0"/>
+              <a:t>Springs whose stiffness or resting lengths change in time</a:t>
+            </a:r>
+          </a:p>
+          <a:p>
+            <a:pPr lvl="1"/>
+            <a:r>
+              <a:rPr lang="en-US" dirty="0"/>
+              <a:t>Beams whose resting curvature changes in time</a:t>
+            </a:r>
+          </a:p>
+          <a:p>
+            <a:pPr lvl="1"/>
+            <a:r>
+              <a:rPr lang="en-US" dirty="0"/>
+              <a:t>Muscle models / muscle springs</a:t>
+            </a:r>
+          </a:p>
+        </p:txBody>
+      </p:sp>
+    </p:spTree>
+    <p:extLst>
+      <p:ext uri="{BB962C8B-B14F-4D97-AF65-F5344CB8AC3E}">
+        <p14:creationId xmlns:p14="http://schemas.microsoft.com/office/powerpoint/2010/main" val="3946931788"/>
+      </p:ext>
+    </p:extLst>
+  </p:cSld>
+  <p:clrMapOvr>
+    <a:masterClrMapping/>
+  </p:clrMapOvr>
+</p:sld>
+</file>
+
+<file path=ppt/slides/slide20.xml><?xml version="1.0" encoding="utf-8"?>
+<p:sld xmlns:a="http://schemas.openxmlformats.org/drawingml/2006/main" xmlns:r="http://schemas.openxmlformats.org/officeDocument/2006/relationships" xmlns:p="http://schemas.openxmlformats.org/presentationml/2006/main">
+  <p:cSld>
+    <p:spTree>
+      <p:nvGrpSpPr>
+        <p:cNvPr id="1" name="Shape 103"/>
+        <p:cNvGrpSpPr/>
+        <p:nvPr/>
+      </p:nvGrpSpPr>
+      <p:grpSpPr>
+        <a:xfrm>
+          <a:off x="0" y="0"/>
+          <a:ext cx="0" cy="0"/>
+          <a:chOff x="0" y="0"/>
+          <a:chExt cx="0" cy="0"/>
+        </a:xfrm>
+      </p:grpSpPr>
+      <p:sp>
+        <p:nvSpPr>
+          <p:cNvPr id="104" name="Google Shape;104;p26"/>
+          <p:cNvSpPr txBox="1">
+            <a:spLocks noGrp="1"/>
+          </p:cNvSpPr>
+          <p:nvPr>
+            <p:ph type="title"/>
+          </p:nvPr>
+        </p:nvSpPr>
+        <p:spPr>
+          <a:xfrm>
+            <a:off x="457200" y="274637"/>
+            <a:ext cx="8229600" cy="1143000"/>
+          </a:xfrm>
+          <a:prstGeom prst="rect">
+            <a:avLst/>
+          </a:prstGeom>
+        </p:spPr>
+        <p:txBody>
+          <a:bodyPr spcFirstLastPara="1" wrap="square" lIns="91425" tIns="91425" rIns="91425" bIns="91425" anchor="t" anchorCtr="0">
+            <a:noAutofit/>
+          </a:bodyPr>
+          <a:lstStyle/>
+          <a:p>
+            <a:pPr marL="0" lvl="0" indent="0" algn="ctr" rtl="0">
+              <a:spcBef>
+                <a:spcPts val="0"/>
+              </a:spcBef>
+              <a:spcAft>
+                <a:spcPts val="0"/>
+              </a:spcAft>
+              <a:buNone/>
+            </a:pPr>
+            <a:r>
+              <a:rPr lang="en"/>
+              <a:t>update_target_point_position.C continued</a:t>
+            </a:r>
+            <a:endParaRPr/>
+          </a:p>
+        </p:txBody>
+      </p:sp>
+      <p:sp>
+        <p:nvSpPr>
+          <p:cNvPr id="105" name="Google Shape;105;p26"/>
+          <p:cNvSpPr txBox="1">
+            <a:spLocks noGrp="1"/>
+          </p:cNvSpPr>
+          <p:nvPr>
+            <p:ph type="body" idx="1"/>
+          </p:nvPr>
+        </p:nvSpPr>
+        <p:spPr>
+          <a:xfrm>
+            <a:off x="457200" y="1600200"/>
+            <a:ext cx="8229600" cy="4526100"/>
+          </a:xfrm>
+          <a:prstGeom prst="rect">
+            <a:avLst/>
+          </a:prstGeom>
+        </p:spPr>
+        <p:txBody>
+          <a:bodyPr spcFirstLastPara="1" wrap="square" lIns="91425" tIns="91425" rIns="91425" bIns="91425" anchor="t" anchorCtr="0">
+            <a:noAutofit/>
+          </a:bodyPr>
+          <a:lstStyle/>
+          <a:p>
+            <a:pPr marL="0" lvl="0" indent="0" algn="l" rtl="0">
+              <a:spcBef>
+                <a:spcPts val="640"/>
+              </a:spcBef>
+              <a:spcAft>
+                <a:spcPts val="0"/>
+              </a:spcAft>
+              <a:buClr>
+                <a:schemeClr val="dk1"/>
+              </a:buClr>
+              <a:buFont typeface="Calibri"/>
+              <a:buNone/>
+            </a:pPr>
+            <a:r>
+              <a:rPr lang="en" sz="1400"/>
+              <a:t>else</a:t>
+            </a:r>
+            <a:endParaRPr sz="1400"/>
+          </a:p>
+          <a:p>
+            <a:pPr marL="0" lvl="0" indent="0" algn="l" rtl="0">
+              <a:spcBef>
+                <a:spcPts val="640"/>
+              </a:spcBef>
+              <a:spcAft>
+                <a:spcPts val="0"/>
+              </a:spcAft>
+              <a:buNone/>
+            </a:pPr>
+            <a:r>
+              <a:rPr lang="en" sz="1400"/>
+              <a:t>//here we move the wing at a constant speed.</a:t>
+            </a:r>
+            <a:endParaRPr sz="1400"/>
+          </a:p>
+          <a:p>
+            <a:pPr marL="0" lvl="0" indent="0" algn="l" rtl="0">
+              <a:spcBef>
+                <a:spcPts val="640"/>
+              </a:spcBef>
+              <a:spcAft>
+                <a:spcPts val="0"/>
+              </a:spcAft>
+              <a:buNone/>
+            </a:pPr>
+            <a:endParaRPr sz="1400"/>
+          </a:p>
+          <a:p>
+            <a:pPr marL="0" lvl="0" indent="0" algn="l" rtl="0">
+              <a:spcBef>
+                <a:spcPts val="640"/>
+              </a:spcBef>
+              <a:spcAft>
+                <a:spcPts val="0"/>
+              </a:spcAft>
+              <a:buNone/>
+            </a:pPr>
+            <a:r>
+              <a:rPr lang="en" sz="1400"/>
+              <a:t>if (wing_lag_idxs.first &lt;= lag_idx &amp;&amp; lag_idx &lt; wing_lag_idxs.second)</a:t>
+            </a:r>
+            <a:endParaRPr sz="1400"/>
+          </a:p>
+          <a:p>
+            <a:pPr marL="0" lvl="0" indent="0" algn="l" rtl="0">
+              <a:spcBef>
+                <a:spcPts val="640"/>
+              </a:spcBef>
+              <a:spcAft>
+                <a:spcPts val="0"/>
+              </a:spcAft>
+              <a:buNone/>
+            </a:pPr>
+            <a:r>
+              <a:rPr lang="en" sz="1400"/>
+              <a:t>//check to see if the node is on the first wing (it is because we only have one wing in this case).</a:t>
+            </a:r>
+            <a:endParaRPr sz="1400"/>
+          </a:p>
+          <a:p>
+            <a:pPr marL="0" lvl="0" indent="0" algn="l" rtl="0">
+              <a:spcBef>
+                <a:spcPts val="640"/>
+              </a:spcBef>
+              <a:spcAft>
+                <a:spcPts val="0"/>
+              </a:spcAft>
+              <a:buClr>
+                <a:schemeClr val="dk1"/>
+              </a:buClr>
+              <a:buFont typeface="Arial"/>
+              <a:buNone/>
+            </a:pPr>
+            <a:endParaRPr sz="1400"/>
+          </a:p>
+          <a:p>
+            <a:pPr marL="0" lvl="0" indent="0" algn="l" rtl="0">
+              <a:spcBef>
+                <a:spcPts val="640"/>
+              </a:spcBef>
+              <a:spcAft>
+                <a:spcPts val="0"/>
+              </a:spcAft>
+              <a:buClr>
+                <a:schemeClr val="dk1"/>
+              </a:buClr>
+              <a:buFont typeface="Calibri"/>
+              <a:buNone/>
+            </a:pPr>
+            <a:r>
+              <a:rPr lang="en" sz="1400"/>
+              <a:t>X_target[1]+=V*dt;</a:t>
+            </a:r>
+            <a:endParaRPr sz="1400"/>
+          </a:p>
+        </p:txBody>
+      </p:sp>
+    </p:spTree>
+  </p:cSld>
+  <p:clrMapOvr>
+    <a:masterClrMapping/>
+  </p:clrMapOvr>
+</p:sld>
+</file>
+
+<file path=ppt/slides/slide3.xml><?xml version="1.0" encoding="utf-8"?>
+<p:sld xmlns:a="http://schemas.openxmlformats.org/drawingml/2006/main" xmlns:r="http://schemas.openxmlformats.org/officeDocument/2006/relationships" xmlns:p="http://schemas.openxmlformats.org/presentationml/2006/main">
+  <p:cSld>
+    <p:spTree>
+      <p:nvGrpSpPr>
+        <p:cNvPr id="1" name=""/>
+        <p:cNvGrpSpPr/>
+        <p:nvPr/>
+      </p:nvGrpSpPr>
+      <p:grpSpPr>
+        <a:xfrm>
+          <a:off x="0" y="0"/>
+          <a:ext cx="0" cy="0"/>
+          <a:chOff x="0" y="0"/>
+          <a:chExt cx="0" cy="0"/>
+        </a:xfrm>
+      </p:grpSpPr>
+      <p:sp>
+        <p:nvSpPr>
+          <p:cNvPr id="2" name="Title 1"/>
+          <p:cNvSpPr>
+            <a:spLocks noGrp="1"/>
+          </p:cNvSpPr>
+          <p:nvPr>
+            <p:ph type="title"/>
+          </p:nvPr>
+        </p:nvSpPr>
+        <p:spPr/>
+        <p:txBody>
+          <a:bodyPr/>
+          <a:lstStyle/>
+          <a:p>
+            <a:pPr indent="0">
+              <a:buNone/>
+            </a:pPr>
+            <a:r>
+              <a:rPr lang="en-US" dirty="0"/>
+              <a:t>IB2d – Example </a:t>
+            </a:r>
+            <a:r>
+              <a:rPr lang="en-US" dirty="0" err="1"/>
+              <a:t>Sawtooth</a:t>
+            </a:r>
+            <a:endParaRPr lang="en-US" dirty="0"/>
+          </a:p>
+        </p:txBody>
+      </p:sp>
+      <p:pic>
+        <p:nvPicPr>
+          <p:cNvPr id="4" name="Picture 3"/>
+          <p:cNvPicPr>
+            <a:picLocks noChangeAspect="1"/>
+          </p:cNvPicPr>
+          <p:nvPr/>
+        </p:nvPicPr>
+        <p:blipFill>
+          <a:blip r:embed="rId2"/>
+          <a:stretch>
+            <a:fillRect/>
+          </a:stretch>
+        </p:blipFill>
+        <p:spPr>
+          <a:xfrm>
+            <a:off x="176840" y="3613363"/>
+            <a:ext cx="8509960" cy="2802855"/>
+          </a:xfrm>
+          <a:prstGeom prst="rect">
+            <a:avLst/>
+          </a:prstGeom>
+        </p:spPr>
+      </p:pic>
+      <p:sp>
+        <p:nvSpPr>
+          <p:cNvPr id="5" name="TextBox 4"/>
+          <p:cNvSpPr txBox="1"/>
+          <p:nvPr/>
+        </p:nvSpPr>
+        <p:spPr>
+          <a:xfrm>
+            <a:off x="760700" y="1738364"/>
+            <a:ext cx="6894836" cy="1554272"/>
+          </a:xfrm>
+          <a:prstGeom prst="rect">
+            <a:avLst/>
+          </a:prstGeom>
+          <a:noFill/>
+        </p:spPr>
+        <p:txBody>
+          <a:bodyPr wrap="none" rtlCol="0">
+            <a:spAutoFit/>
+          </a:bodyPr>
+          <a:lstStyle/>
+          <a:p>
+            <a:pPr indent="-285750">
+              <a:spcAft>
+                <a:spcPts val="600"/>
+              </a:spcAft>
+              <a:buFont typeface="Arial" panose="020B0604020202020204" pitchFamily="34" charset="0"/>
+              <a:buChar char="•"/>
+            </a:pPr>
+            <a:r>
+              <a:rPr lang="en-US" sz="2000" dirty="0"/>
+              <a:t>Vertices make up a saw tooth channel.</a:t>
+            </a:r>
+          </a:p>
+          <a:p>
+            <a:pPr indent="-285750">
+              <a:spcAft>
+                <a:spcPts val="600"/>
+              </a:spcAft>
+              <a:buFont typeface="Arial" panose="020B0604020202020204" pitchFamily="34" charset="0"/>
+              <a:buChar char="•"/>
+            </a:pPr>
+            <a:r>
+              <a:rPr lang="en-US" sz="2000" dirty="0"/>
+              <a:t>The top of the channel moves up and down to drive flow.</a:t>
+            </a:r>
+          </a:p>
+          <a:p>
+            <a:pPr indent="-285750">
+              <a:spcAft>
+                <a:spcPts val="600"/>
+              </a:spcAft>
+              <a:buFont typeface="Arial" panose="020B0604020202020204" pitchFamily="34" charset="0"/>
+              <a:buChar char="•"/>
+            </a:pPr>
+            <a:r>
+              <a:rPr lang="en-US" sz="2000" dirty="0"/>
+              <a:t>Target points are used to impose a preferred motion.</a:t>
+            </a:r>
+          </a:p>
+          <a:p>
+            <a:pPr indent="-285750">
+              <a:spcAft>
+                <a:spcPts val="600"/>
+              </a:spcAft>
+              <a:buFont typeface="Arial" panose="020B0604020202020204" pitchFamily="34" charset="0"/>
+              <a:buChar char="•"/>
+            </a:pPr>
+            <a:r>
+              <a:rPr lang="en-US" sz="2000" dirty="0"/>
+              <a:t>The bottom of the channel does not move.</a:t>
+            </a:r>
+          </a:p>
+        </p:txBody>
+      </p:sp>
+    </p:spTree>
+    <p:extLst>
+      <p:ext uri="{BB962C8B-B14F-4D97-AF65-F5344CB8AC3E}">
+        <p14:creationId xmlns:p14="http://schemas.microsoft.com/office/powerpoint/2010/main" val="2241024837"/>
+      </p:ext>
+    </p:extLst>
+  </p:cSld>
+  <p:clrMapOvr>
+    <a:masterClrMapping/>
+  </p:clrMapOvr>
+</p:sld>
+</file>
+
+<file path=ppt/slides/slide4.xml><?xml version="1.0" encoding="utf-8"?>
+<p:sld xmlns:a="http://schemas.openxmlformats.org/drawingml/2006/main" xmlns:r="http://schemas.openxmlformats.org/officeDocument/2006/relationships" xmlns:p="http://schemas.openxmlformats.org/presentationml/2006/main">
+  <p:cSld>
+    <p:spTree>
+      <p:nvGrpSpPr>
+        <p:cNvPr id="1" name=""/>
+        <p:cNvGrpSpPr/>
+        <p:nvPr/>
+      </p:nvGrpSpPr>
+      <p:grpSpPr>
+        <a:xfrm>
+          <a:off x="0" y="0"/>
+          <a:ext cx="0" cy="0"/>
+          <a:chOff x="0" y="0"/>
+          <a:chExt cx="0" cy="0"/>
+        </a:xfrm>
+      </p:grpSpPr>
+      <p:sp>
+        <p:nvSpPr>
+          <p:cNvPr id="2" name="Title 1">
+            <a:extLst>
+              <a:ext uri="{FF2B5EF4-FFF2-40B4-BE49-F238E27FC236}">
+                <a16:creationId xmlns:a16="http://schemas.microsoft.com/office/drawing/2014/main" id="{7A62B6CD-5495-44F4-A178-C727AF4BB822}"/>
+              </a:ext>
+            </a:extLst>
+          </p:cNvPr>
+          <p:cNvSpPr>
+            <a:spLocks noGrp="1"/>
+          </p:cNvSpPr>
+          <p:nvPr>
+            <p:ph type="title"/>
+          </p:nvPr>
+        </p:nvSpPr>
+        <p:spPr/>
+        <p:txBody>
+          <a:bodyPr/>
+          <a:lstStyle/>
+          <a:p>
+            <a:pPr indent="0">
+              <a:buNone/>
+            </a:pPr>
+            <a:r>
+              <a:rPr lang="en-US" sz="3600" dirty="0" err="1"/>
+              <a:t>Generate_mesh</a:t>
+            </a:r>
+            <a:r>
+              <a:rPr lang="en-US" sz="3600" dirty="0"/>
+              <a:t>, or</a:t>
+            </a:r>
+            <a:br>
+              <a:rPr lang="en-US" sz="3600" dirty="0"/>
+            </a:br>
+            <a:r>
+              <a:rPr lang="en-US" sz="3600" dirty="0" err="1"/>
+              <a:t>give_Me_Sawtooth_Geometry</a:t>
+            </a:r>
+            <a:endParaRPr lang="en-US" sz="3600" dirty="0"/>
+          </a:p>
+        </p:txBody>
+      </p:sp>
+      <p:sp>
+        <p:nvSpPr>
+          <p:cNvPr id="3" name="Text Placeholder 2">
+            <a:extLst>
+              <a:ext uri="{FF2B5EF4-FFF2-40B4-BE49-F238E27FC236}">
+                <a16:creationId xmlns:a16="http://schemas.microsoft.com/office/drawing/2014/main" id="{CF9BF43D-7141-489F-84FB-1C5A1D0EAF9F}"/>
+              </a:ext>
+            </a:extLst>
+          </p:cNvPr>
+          <p:cNvSpPr>
+            <a:spLocks noGrp="1"/>
+          </p:cNvSpPr>
+          <p:nvPr>
+            <p:ph type="body" idx="1"/>
+          </p:nvPr>
+        </p:nvSpPr>
+        <p:spPr/>
+        <p:txBody>
+          <a:bodyPr/>
+          <a:lstStyle/>
+          <a:p>
+            <a:pPr marL="139700" indent="0">
+              <a:buNone/>
+            </a:pPr>
+            <a:r>
+              <a:rPr lang="en-US" sz="1800" b="0" i="0" dirty="0">
+                <a:effectLst/>
+                <a:latin typeface="Menlo"/>
+              </a:rPr>
+              <a:t>Lx = 12; </a:t>
+            </a:r>
+            <a:r>
+              <a:rPr lang="en-US" sz="1800" b="0" i="0" dirty="0">
+                <a:solidFill>
+                  <a:srgbClr val="028009"/>
+                </a:solidFill>
+                <a:effectLst/>
+                <a:latin typeface="Menlo"/>
+              </a:rPr>
+              <a:t>% Length of Computational Domain in X (m)</a:t>
+            </a:r>
+            <a:endParaRPr lang="en-US" sz="1800" b="0" i="0" dirty="0">
+              <a:effectLst/>
+              <a:latin typeface="Menlo"/>
+            </a:endParaRPr>
+          </a:p>
+          <a:p>
+            <a:pPr marL="139700" indent="0">
+              <a:buNone/>
+            </a:pPr>
+            <a:r>
+              <a:rPr lang="en-US" sz="1800" b="0" i="0" dirty="0">
+                <a:effectLst/>
+                <a:latin typeface="Menlo"/>
+              </a:rPr>
+              <a:t>Ly = 3.0; </a:t>
+            </a:r>
+            <a:r>
+              <a:rPr lang="en-US" sz="1800" b="0" i="0" dirty="0">
+                <a:solidFill>
+                  <a:srgbClr val="028009"/>
+                </a:solidFill>
+                <a:effectLst/>
+                <a:latin typeface="Menlo"/>
+              </a:rPr>
+              <a:t>% Length of Computational Domain in Y (m)</a:t>
+            </a:r>
+            <a:endParaRPr lang="en-US" sz="1800" b="0" i="0" dirty="0">
+              <a:effectLst/>
+              <a:latin typeface="Menlo"/>
+            </a:endParaRPr>
+          </a:p>
+          <a:p>
+            <a:pPr marL="139700" indent="0">
+              <a:buNone/>
+            </a:pPr>
+            <a:r>
+              <a:rPr lang="en-US" sz="1800" b="0" i="0" dirty="0" err="1">
+                <a:effectLst/>
+                <a:latin typeface="Menlo"/>
+              </a:rPr>
+              <a:t>Nx</a:t>
+            </a:r>
+            <a:r>
+              <a:rPr lang="en-US" sz="1800" b="0" i="0" dirty="0">
+                <a:effectLst/>
+                <a:latin typeface="Menlo"/>
+              </a:rPr>
+              <a:t> = 1024; </a:t>
+            </a:r>
+            <a:r>
+              <a:rPr lang="en-US" sz="1800" b="0" i="0" dirty="0">
+                <a:solidFill>
+                  <a:srgbClr val="028009"/>
+                </a:solidFill>
+                <a:effectLst/>
+                <a:latin typeface="Menlo"/>
+              </a:rPr>
+              <a:t>% Grid Resolution in X</a:t>
+            </a:r>
+            <a:endParaRPr lang="en-US" sz="1800" b="0" i="0" dirty="0">
+              <a:effectLst/>
+              <a:latin typeface="Menlo"/>
+            </a:endParaRPr>
+          </a:p>
+          <a:p>
+            <a:pPr marL="139700" indent="0">
+              <a:buNone/>
+            </a:pPr>
+            <a:r>
+              <a:rPr lang="en-US" sz="1800" b="0" i="0" dirty="0">
+                <a:effectLst/>
+                <a:latin typeface="Menlo"/>
+              </a:rPr>
+              <a:t>Ny = 256; </a:t>
+            </a:r>
+            <a:r>
+              <a:rPr lang="en-US" sz="1800" b="0" i="0" dirty="0">
+                <a:solidFill>
+                  <a:srgbClr val="028009"/>
+                </a:solidFill>
+                <a:effectLst/>
+                <a:latin typeface="Menlo"/>
+              </a:rPr>
+              <a:t>% Grid Resolution in Y</a:t>
+            </a:r>
+            <a:endParaRPr lang="en-US" sz="1800" b="0" i="0" dirty="0">
+              <a:effectLst/>
+              <a:latin typeface="Menlo"/>
+            </a:endParaRPr>
+          </a:p>
+          <a:p>
+            <a:pPr marL="139700" indent="0">
+              <a:buNone/>
+            </a:pPr>
+            <a:r>
+              <a:rPr lang="en-US" sz="1800" b="0" i="0" dirty="0">
+                <a:effectLst/>
+                <a:latin typeface="Menlo"/>
+              </a:rPr>
+              <a:t>ds = Lx/(2.1*</a:t>
+            </a:r>
+            <a:r>
+              <a:rPr lang="en-US" sz="1800" b="0" i="0" dirty="0" err="1">
+                <a:effectLst/>
+                <a:latin typeface="Menlo"/>
+              </a:rPr>
+              <a:t>Nx</a:t>
+            </a:r>
+            <a:r>
+              <a:rPr lang="en-US" sz="1800" b="0" i="0" dirty="0">
+                <a:effectLst/>
+                <a:latin typeface="Menlo"/>
+              </a:rPr>
+              <a:t>); </a:t>
+            </a:r>
+            <a:r>
+              <a:rPr lang="en-US" sz="1800" b="0" i="0" dirty="0">
+                <a:solidFill>
+                  <a:srgbClr val="028009"/>
+                </a:solidFill>
+                <a:effectLst/>
+                <a:latin typeface="Menlo"/>
+              </a:rPr>
+              <a:t>% Makes </a:t>
+            </a:r>
+            <a:r>
+              <a:rPr lang="en-US" sz="1800" b="0" i="0" dirty="0" err="1">
+                <a:solidFill>
+                  <a:srgbClr val="028009"/>
+                </a:solidFill>
+                <a:effectLst/>
+                <a:latin typeface="Menlo"/>
+              </a:rPr>
+              <a:t>Lagrangian</a:t>
+            </a:r>
+            <a:r>
+              <a:rPr lang="en-US" sz="1800" b="0" i="0" dirty="0">
+                <a:solidFill>
+                  <a:srgbClr val="028009"/>
+                </a:solidFill>
+                <a:effectLst/>
+                <a:latin typeface="Menlo"/>
+              </a:rPr>
+              <a:t> Spaced based on 512x512 finest grid</a:t>
+            </a:r>
+            <a:endParaRPr lang="en-US" sz="1800" b="0" i="0" dirty="0">
+              <a:effectLst/>
+              <a:latin typeface="Menlo"/>
+            </a:endParaRPr>
+          </a:p>
+          <a:p>
+            <a:pPr marL="139700" indent="0">
+              <a:buNone/>
+            </a:pPr>
+            <a:endParaRPr lang="en-US" dirty="0"/>
+          </a:p>
+          <a:p>
+            <a:r>
+              <a:rPr lang="en-US" sz="2400" dirty="0"/>
+              <a:t>Note that </a:t>
+            </a:r>
+            <a:r>
+              <a:rPr lang="en-US" sz="2400" dirty="0" err="1"/>
+              <a:t>Nx</a:t>
+            </a:r>
+            <a:r>
+              <a:rPr lang="en-US" sz="2400" dirty="0"/>
+              <a:t> and Ny are different given that Lx and Ly are not equal</a:t>
+            </a:r>
+          </a:p>
+          <a:p>
+            <a:r>
+              <a:rPr lang="en-US" sz="2400" dirty="0"/>
+              <a:t>They are chosen so that dx = dy.</a:t>
+            </a:r>
+          </a:p>
+          <a:p>
+            <a:r>
+              <a:rPr lang="en-US" sz="2400" dirty="0"/>
+              <a:t>ds is a little bit less than dx/2, this was probably a choice by Nick to tweak the simulation.</a:t>
+            </a:r>
+          </a:p>
+        </p:txBody>
+      </p:sp>
+    </p:spTree>
+    <p:extLst>
+      <p:ext uri="{BB962C8B-B14F-4D97-AF65-F5344CB8AC3E}">
+        <p14:creationId xmlns:p14="http://schemas.microsoft.com/office/powerpoint/2010/main" val="440506857"/>
+      </p:ext>
+    </p:extLst>
+  </p:cSld>
+  <p:clrMapOvr>
+    <a:masterClrMapping/>
+  </p:clrMapOvr>
+</p:sld>
+</file>
+
+<file path=ppt/slides/slide5.xml><?xml version="1.0" encoding="utf-8"?>
+<p:sld xmlns:a="http://schemas.openxmlformats.org/drawingml/2006/main" xmlns:r="http://schemas.openxmlformats.org/officeDocument/2006/relationships" xmlns:p="http://schemas.openxmlformats.org/presentationml/2006/main">
+  <p:cSld>
+    <p:spTree>
+      <p:nvGrpSpPr>
+        <p:cNvPr id="1" name=""/>
+        <p:cNvGrpSpPr/>
+        <p:nvPr/>
+      </p:nvGrpSpPr>
+      <p:grpSpPr>
+        <a:xfrm>
+          <a:off x="0" y="0"/>
+          <a:ext cx="0" cy="0"/>
+          <a:chOff x="0" y="0"/>
+          <a:chExt cx="0" cy="0"/>
+        </a:xfrm>
+      </p:grpSpPr>
+      <p:sp>
+        <p:nvSpPr>
+          <p:cNvPr id="3" name="Text Placeholder 2">
+            <a:extLst>
+              <a:ext uri="{FF2B5EF4-FFF2-40B4-BE49-F238E27FC236}">
+                <a16:creationId xmlns:a16="http://schemas.microsoft.com/office/drawing/2014/main" id="{E681FA24-656E-4A94-B258-07832D0F9AF5}"/>
+              </a:ext>
+            </a:extLst>
+          </p:cNvPr>
+          <p:cNvSpPr>
+            <a:spLocks noGrp="1"/>
+          </p:cNvSpPr>
+          <p:nvPr>
+            <p:ph type="body" idx="1"/>
+          </p:nvPr>
+        </p:nvSpPr>
+        <p:spPr/>
+        <p:txBody>
+          <a:bodyPr/>
+          <a:lstStyle/>
+          <a:p>
+            <a:pPr marL="139700" indent="0">
+              <a:buNone/>
+            </a:pPr>
+            <a:r>
+              <a:rPr lang="en-US" sz="1200" b="0" i="0" dirty="0">
+                <a:solidFill>
+                  <a:srgbClr val="028009"/>
+                </a:solidFill>
+                <a:effectLst/>
+                <a:latin typeface="Menlo"/>
+              </a:rPr>
+              <a:t>% Geometric Parameters</a:t>
+            </a:r>
+            <a:endParaRPr lang="en-US" sz="1200" b="0" i="0" dirty="0">
+              <a:effectLst/>
+              <a:latin typeface="Menlo"/>
+            </a:endParaRPr>
+          </a:p>
+          <a:p>
+            <a:pPr marL="139700" indent="0">
+              <a:buNone/>
+            </a:pPr>
+            <a:r>
+              <a:rPr lang="en-US" sz="1200" b="0" i="0" dirty="0">
+                <a:effectLst/>
+                <a:latin typeface="Menlo"/>
+              </a:rPr>
+              <a:t>d = 0.63; </a:t>
+            </a:r>
+            <a:r>
+              <a:rPr lang="en-US" sz="1200" b="0" i="0" dirty="0">
+                <a:solidFill>
+                  <a:srgbClr val="028009"/>
+                </a:solidFill>
+                <a:effectLst/>
+                <a:latin typeface="Menlo"/>
+              </a:rPr>
+              <a:t>% height of tooth</a:t>
+            </a:r>
+            <a:endParaRPr lang="en-US" sz="1200" b="0" i="0" dirty="0">
+              <a:effectLst/>
+              <a:latin typeface="Menlo"/>
+            </a:endParaRPr>
+          </a:p>
+          <a:p>
+            <a:pPr marL="139700" indent="0">
+              <a:buNone/>
+            </a:pPr>
+            <a:r>
+              <a:rPr lang="en-US" sz="1200" b="0" i="0" dirty="0">
+                <a:effectLst/>
+                <a:latin typeface="Menlo"/>
+              </a:rPr>
+              <a:t>w = 0.63; </a:t>
+            </a:r>
+            <a:r>
+              <a:rPr lang="en-US" sz="1200" b="0" i="0" dirty="0">
+                <a:solidFill>
+                  <a:srgbClr val="028009"/>
+                </a:solidFill>
+                <a:effectLst/>
+                <a:latin typeface="Menlo"/>
+              </a:rPr>
+              <a:t>% width of tooth</a:t>
+            </a:r>
+            <a:endParaRPr lang="en-US" sz="1200" b="0" i="0" dirty="0">
+              <a:effectLst/>
+              <a:latin typeface="Menlo"/>
+            </a:endParaRPr>
+          </a:p>
+          <a:p>
+            <a:pPr marL="139700" indent="0">
+              <a:buNone/>
+            </a:pPr>
+            <a:r>
+              <a:rPr lang="en-US" sz="1200" b="0" i="0" dirty="0">
+                <a:effectLst/>
+                <a:latin typeface="Menlo"/>
+              </a:rPr>
+              <a:t>G = 0.325; </a:t>
+            </a:r>
+            <a:r>
+              <a:rPr lang="en-US" sz="1200" b="0" i="0" dirty="0">
+                <a:solidFill>
+                  <a:srgbClr val="028009"/>
+                </a:solidFill>
+                <a:effectLst/>
+                <a:latin typeface="Menlo"/>
+              </a:rPr>
+              <a:t>% vertical distance between teeth (gap)</a:t>
+            </a:r>
+            <a:endParaRPr lang="en-US" sz="1200" b="0" i="0" dirty="0">
+              <a:effectLst/>
+              <a:latin typeface="Menlo"/>
+            </a:endParaRPr>
+          </a:p>
+          <a:p>
+            <a:pPr marL="139700" indent="0">
+              <a:buNone/>
+            </a:pPr>
+            <a:endParaRPr lang="en-US" sz="1200" b="0" i="0" dirty="0">
+              <a:effectLst/>
+              <a:latin typeface="Menlo"/>
+            </a:endParaRPr>
+          </a:p>
+          <a:p>
+            <a:pPr marL="139700" indent="0">
+              <a:buNone/>
+            </a:pPr>
+            <a:r>
+              <a:rPr lang="en-US" sz="1200" b="0" i="0" dirty="0">
+                <a:solidFill>
+                  <a:srgbClr val="028009"/>
+                </a:solidFill>
+                <a:effectLst/>
+                <a:latin typeface="Menlo"/>
+              </a:rPr>
+              <a:t>%</a:t>
+            </a:r>
+            <a:endParaRPr lang="en-US" sz="1200" b="0" i="0" dirty="0">
+              <a:effectLst/>
+              <a:latin typeface="Menlo"/>
+            </a:endParaRPr>
+          </a:p>
+          <a:p>
+            <a:pPr marL="139700" indent="0">
+              <a:buNone/>
+            </a:pPr>
+            <a:r>
+              <a:rPr lang="en-US" sz="1200" b="0" i="0" dirty="0">
+                <a:solidFill>
+                  <a:srgbClr val="028009"/>
+                </a:solidFill>
+                <a:effectLst/>
+                <a:latin typeface="Menlo"/>
+              </a:rPr>
+              <a:t>% Gives Sawtooth Geometry</a:t>
+            </a:r>
+            <a:endParaRPr lang="en-US" sz="1200" b="0" i="0" dirty="0">
+              <a:effectLst/>
+              <a:latin typeface="Menlo"/>
+            </a:endParaRPr>
+          </a:p>
+          <a:p>
+            <a:pPr marL="139700" indent="0">
+              <a:buNone/>
+            </a:pPr>
+            <a:r>
+              <a:rPr lang="en-US" sz="1200" b="0" i="0" dirty="0">
+                <a:solidFill>
+                  <a:srgbClr val="028009"/>
+                </a:solidFill>
+                <a:effectLst/>
+                <a:latin typeface="Menlo"/>
+              </a:rPr>
+              <a:t>% </a:t>
+            </a:r>
+            <a:endParaRPr lang="en-US" sz="1200" b="0" i="0" dirty="0">
+              <a:effectLst/>
+              <a:latin typeface="Menlo"/>
+            </a:endParaRPr>
+          </a:p>
+          <a:p>
+            <a:pPr marL="139700" indent="0">
+              <a:buNone/>
+            </a:pPr>
+            <a:r>
+              <a:rPr lang="en-US" sz="1200" b="0" i="0" dirty="0">
+                <a:effectLst/>
+                <a:latin typeface="Menlo"/>
+              </a:rPr>
+              <a:t>[</a:t>
+            </a:r>
+            <a:r>
+              <a:rPr lang="en-US" sz="1200" b="0" i="0" dirty="0" err="1">
+                <a:effectLst/>
+                <a:latin typeface="Menlo"/>
+              </a:rPr>
+              <a:t>xLag</a:t>
+            </a:r>
+            <a:r>
+              <a:rPr lang="en-US" sz="1200" b="0" i="0" dirty="0">
+                <a:effectLst/>
+                <a:latin typeface="Menlo"/>
+              </a:rPr>
+              <a:t>, </a:t>
+            </a:r>
+            <a:r>
+              <a:rPr lang="en-US" sz="1200" b="0" i="0" dirty="0" err="1">
+                <a:effectLst/>
+                <a:latin typeface="Menlo"/>
+              </a:rPr>
+              <a:t>yLag</a:t>
+            </a:r>
+            <a:r>
+              <a:rPr lang="en-US" sz="1200" b="0" i="0" dirty="0">
+                <a:effectLst/>
+                <a:latin typeface="Menlo"/>
+              </a:rPr>
+              <a:t>] = </a:t>
+            </a:r>
+            <a:r>
+              <a:rPr lang="en-US" sz="1200" b="0" i="0" dirty="0" err="1">
+                <a:effectLst/>
+                <a:latin typeface="Menlo"/>
+              </a:rPr>
+              <a:t>give_Me_Lagrangian_Geometry</a:t>
+            </a:r>
+            <a:r>
+              <a:rPr lang="en-US" sz="1200" b="0" i="0" dirty="0">
+                <a:effectLst/>
+                <a:latin typeface="Menlo"/>
+              </a:rPr>
+              <a:t>(</a:t>
+            </a:r>
+            <a:r>
+              <a:rPr lang="en-US" sz="1200" b="0" i="0" dirty="0" err="1">
+                <a:effectLst/>
+                <a:latin typeface="Menlo"/>
+              </a:rPr>
+              <a:t>ds,d,w,G</a:t>
+            </a:r>
+            <a:r>
+              <a:rPr lang="en-US" sz="1200" b="0" i="0" dirty="0">
+                <a:effectLst/>
+                <a:latin typeface="Menlo"/>
+              </a:rPr>
+              <a:t>);</a:t>
+            </a:r>
+          </a:p>
+          <a:p>
+            <a:pPr marL="139700" indent="0">
+              <a:buNone/>
+            </a:pPr>
+            <a:r>
+              <a:rPr lang="en-US" sz="1200" b="0" i="0" dirty="0" err="1">
+                <a:effectLst/>
+                <a:latin typeface="Menlo"/>
+              </a:rPr>
+              <a:t>xLag</a:t>
+            </a:r>
+            <a:r>
+              <a:rPr lang="en-US" sz="1200" b="0" i="0" dirty="0">
+                <a:effectLst/>
+                <a:latin typeface="Menlo"/>
+              </a:rPr>
+              <a:t> = </a:t>
+            </a:r>
+            <a:r>
+              <a:rPr lang="en-US" sz="1200" b="0" i="0" dirty="0" err="1">
+                <a:effectLst/>
+                <a:latin typeface="Menlo"/>
+              </a:rPr>
+              <a:t>xLag</a:t>
+            </a:r>
+            <a:r>
+              <a:rPr lang="en-US" sz="1200" b="0" i="0" dirty="0">
+                <a:effectLst/>
+                <a:latin typeface="Menlo"/>
+              </a:rPr>
+              <a:t> + ( Lx/2- </a:t>
+            </a:r>
+            <a:r>
+              <a:rPr lang="en-US" sz="1200" b="0" i="0" dirty="0" err="1">
+                <a:effectLst/>
+                <a:latin typeface="Menlo"/>
+              </a:rPr>
+              <a:t>xLag</a:t>
+            </a:r>
+            <a:r>
+              <a:rPr lang="en-US" sz="1200" b="0" i="0" dirty="0">
+                <a:effectLst/>
+                <a:latin typeface="Menlo"/>
+              </a:rPr>
+              <a:t>(end/4) ); </a:t>
+            </a:r>
+            <a:r>
+              <a:rPr lang="en-US" sz="1200" b="0" i="0" dirty="0">
+                <a:solidFill>
+                  <a:srgbClr val="028009"/>
+                </a:solidFill>
+                <a:effectLst/>
+                <a:latin typeface="Menlo"/>
+              </a:rPr>
+              <a:t>% shift geometry to center of domain</a:t>
+            </a:r>
+            <a:endParaRPr lang="en-US" sz="1200" b="0" i="0" dirty="0">
+              <a:effectLst/>
+              <a:latin typeface="Menlo"/>
+            </a:endParaRPr>
+          </a:p>
+          <a:p>
+            <a:pPr marL="139700" indent="0">
+              <a:buNone/>
+            </a:pPr>
+            <a:r>
+              <a:rPr lang="en-US" sz="1200" b="0" i="0" dirty="0" err="1">
+                <a:effectLst/>
+                <a:latin typeface="Menlo"/>
+              </a:rPr>
+              <a:t>yLag</a:t>
+            </a:r>
+            <a:r>
+              <a:rPr lang="en-US" sz="1200" b="0" i="0" dirty="0">
+                <a:effectLst/>
+                <a:latin typeface="Menlo"/>
+              </a:rPr>
+              <a:t> = </a:t>
+            </a:r>
+            <a:r>
+              <a:rPr lang="en-US" sz="1200" b="0" i="0" dirty="0" err="1">
+                <a:effectLst/>
+                <a:latin typeface="Menlo"/>
+              </a:rPr>
+              <a:t>yLag</a:t>
+            </a:r>
+            <a:r>
+              <a:rPr lang="en-US" sz="1200" b="0" i="0" dirty="0">
+                <a:effectLst/>
+                <a:latin typeface="Menlo"/>
+              </a:rPr>
+              <a:t> + ( Ly/2 ); </a:t>
+            </a:r>
+            <a:r>
+              <a:rPr lang="en-US" sz="1200" b="0" i="0" dirty="0">
+                <a:solidFill>
+                  <a:srgbClr val="028009"/>
+                </a:solidFill>
+                <a:effectLst/>
+                <a:latin typeface="Menlo"/>
+              </a:rPr>
+              <a:t>% shift geometry accordingly to center of domain</a:t>
+            </a:r>
+          </a:p>
+          <a:p>
+            <a:pPr marL="139700" indent="0">
+              <a:buNone/>
+            </a:pPr>
+            <a:endParaRPr lang="en-US" sz="1200" b="0" i="0" dirty="0">
+              <a:effectLst/>
+              <a:latin typeface="Menlo"/>
+            </a:endParaRPr>
+          </a:p>
+          <a:p>
+            <a:r>
+              <a:rPr lang="en-US" sz="2000" dirty="0"/>
+              <a:t>Custom code written by Nick to generate the sawtooth geometry.</a:t>
+            </a:r>
+          </a:p>
+          <a:p>
+            <a:r>
+              <a:rPr lang="en-US" sz="2000" dirty="0"/>
+              <a:t>Also makes a plot of the geometry to check</a:t>
+            </a:r>
+          </a:p>
+          <a:p>
+            <a:endParaRPr lang="en-US" dirty="0"/>
+          </a:p>
+        </p:txBody>
+      </p:sp>
+      <p:sp>
+        <p:nvSpPr>
+          <p:cNvPr id="4" name="Title 1">
+            <a:extLst>
+              <a:ext uri="{FF2B5EF4-FFF2-40B4-BE49-F238E27FC236}">
+                <a16:creationId xmlns:a16="http://schemas.microsoft.com/office/drawing/2014/main" id="{3B2BB623-4080-458E-9553-49762853CC51}"/>
+              </a:ext>
+            </a:extLst>
+          </p:cNvPr>
+          <p:cNvSpPr>
+            <a:spLocks noGrp="1"/>
+          </p:cNvSpPr>
+          <p:nvPr>
+            <p:ph type="title"/>
+          </p:nvPr>
+        </p:nvSpPr>
+        <p:spPr>
+          <a:xfrm>
+            <a:off x="457200" y="274637"/>
+            <a:ext cx="8229600" cy="1143000"/>
+          </a:xfrm>
+        </p:spPr>
+        <p:txBody>
+          <a:bodyPr/>
+          <a:lstStyle/>
+          <a:p>
+            <a:pPr indent="0">
+              <a:buNone/>
+            </a:pPr>
+            <a:r>
+              <a:rPr lang="en-US" sz="3600" dirty="0" err="1"/>
+              <a:t>Generate_mesh</a:t>
+            </a:r>
+            <a:r>
+              <a:rPr lang="en-US" sz="3600" dirty="0"/>
+              <a:t>, or</a:t>
+            </a:r>
+            <a:br>
+              <a:rPr lang="en-US" sz="3600" dirty="0"/>
+            </a:br>
+            <a:r>
+              <a:rPr lang="en-US" sz="3600" dirty="0" err="1"/>
+              <a:t>give_Me_Sawtooth_Geometry</a:t>
+            </a:r>
+            <a:endParaRPr lang="en-US" sz="3600" dirty="0"/>
+          </a:p>
+        </p:txBody>
+      </p:sp>
+    </p:spTree>
+    <p:extLst>
+      <p:ext uri="{BB962C8B-B14F-4D97-AF65-F5344CB8AC3E}">
+        <p14:creationId xmlns:p14="http://schemas.microsoft.com/office/powerpoint/2010/main" val="1694832916"/>
+      </p:ext>
+    </p:extLst>
+  </p:cSld>
+  <p:clrMapOvr>
+    <a:masterClrMapping/>
+  </p:clrMapOvr>
+</p:sld>
+</file>
+
+<file path=ppt/slides/slide6.xml><?xml version="1.0" encoding="utf-8"?>
+<p:sld xmlns:a="http://schemas.openxmlformats.org/drawingml/2006/main" xmlns:r="http://schemas.openxmlformats.org/officeDocument/2006/relationships" xmlns:p="http://schemas.openxmlformats.org/presentationml/2006/main">
+  <p:cSld>
+    <p:spTree>
+      <p:nvGrpSpPr>
+        <p:cNvPr id="1" name=""/>
+        <p:cNvGrpSpPr/>
+        <p:nvPr/>
+      </p:nvGrpSpPr>
+      <p:grpSpPr>
+        <a:xfrm>
+          <a:off x="0" y="0"/>
+          <a:ext cx="0" cy="0"/>
+          <a:chOff x="0" y="0"/>
+          <a:chExt cx="0" cy="0"/>
+        </a:xfrm>
+      </p:grpSpPr>
+      <p:sp>
+        <p:nvSpPr>
+          <p:cNvPr id="2" name="Title 1">
+            <a:extLst>
+              <a:ext uri="{FF2B5EF4-FFF2-40B4-BE49-F238E27FC236}">
+                <a16:creationId xmlns:a16="http://schemas.microsoft.com/office/drawing/2014/main" id="{EB86B78E-37E6-462F-A05F-2B4BD2B49614}"/>
+              </a:ext>
+            </a:extLst>
+          </p:cNvPr>
+          <p:cNvSpPr>
+            <a:spLocks noGrp="1"/>
+          </p:cNvSpPr>
+          <p:nvPr>
+            <p:ph type="title"/>
+          </p:nvPr>
+        </p:nvSpPr>
+        <p:spPr/>
+        <p:txBody>
+          <a:bodyPr/>
+          <a:lstStyle/>
+          <a:p>
+            <a:pPr indent="0">
+              <a:buNone/>
+            </a:pPr>
+            <a:r>
+              <a:rPr lang="en-US" dirty="0"/>
+              <a:t>Information that is printed</a:t>
+            </a:r>
+          </a:p>
+        </p:txBody>
+      </p:sp>
+      <p:sp>
+        <p:nvSpPr>
+          <p:cNvPr id="3" name="Text Placeholder 2">
+            <a:extLst>
+              <a:ext uri="{FF2B5EF4-FFF2-40B4-BE49-F238E27FC236}">
+                <a16:creationId xmlns:a16="http://schemas.microsoft.com/office/drawing/2014/main" id="{3186C4BA-F114-456D-B2FC-9EA5FBA41C04}"/>
+              </a:ext>
+            </a:extLst>
+          </p:cNvPr>
+          <p:cNvSpPr>
+            <a:spLocks noGrp="1"/>
+          </p:cNvSpPr>
+          <p:nvPr>
+            <p:ph type="body" idx="1"/>
+          </p:nvPr>
+        </p:nvSpPr>
+        <p:spPr>
+          <a:xfrm>
+            <a:off x="457200" y="1828800"/>
+            <a:ext cx="3770243" cy="4297362"/>
+          </a:xfrm>
+        </p:spPr>
+        <p:txBody>
+          <a:bodyPr/>
+          <a:lstStyle/>
+          <a:p>
+            <a:pPr marL="139700" indent="0">
+              <a:buNone/>
+            </a:pPr>
+            <a:r>
+              <a:rPr lang="en-US" sz="1800" dirty="0"/>
+              <a:t> Info for </a:t>
+            </a:r>
+            <a:r>
+              <a:rPr lang="en-US" sz="1800" dirty="0" err="1"/>
+              <a:t>Update_Target_Point_Positions</a:t>
+            </a:r>
+            <a:r>
+              <a:rPr lang="en-US" sz="1800" dirty="0"/>
+              <a:t>():</a:t>
+            </a:r>
+          </a:p>
+          <a:p>
+            <a:pPr marL="139700" indent="0">
+              <a:buNone/>
+            </a:pPr>
+            <a:endParaRPr lang="en-US" sz="1800" dirty="0"/>
+          </a:p>
+          <a:p>
+            <a:pPr marL="139700" indent="0">
+              <a:buNone/>
+            </a:pPr>
+            <a:r>
+              <a:rPr lang="en-US" sz="1800" dirty="0"/>
+              <a:t>G = 3.250000e-01 (vertical gap </a:t>
+            </a:r>
+            <a:r>
+              <a:rPr lang="en-US" sz="1800" dirty="0" err="1"/>
+              <a:t>btwn</a:t>
+            </a:r>
+            <a:r>
+              <a:rPr lang="en-US" sz="1800" dirty="0"/>
+              <a:t> top and bottom)</a:t>
+            </a:r>
+          </a:p>
+          <a:p>
+            <a:pPr marL="139700" indent="0">
+              <a:buNone/>
+            </a:pPr>
+            <a:r>
+              <a:rPr lang="en-US" sz="1800" dirty="0" err="1"/>
+              <a:t>N_Top</a:t>
+            </a:r>
+            <a:r>
+              <a:rPr lang="en-US" sz="1800" dirty="0"/>
+              <a:t> = 3276 (# of points on top of sawtooth)</a:t>
+            </a:r>
+          </a:p>
+        </p:txBody>
+      </p:sp>
+      <p:pic>
+        <p:nvPicPr>
+          <p:cNvPr id="5" name="Picture 4">
+            <a:extLst>
+              <a:ext uri="{FF2B5EF4-FFF2-40B4-BE49-F238E27FC236}">
+                <a16:creationId xmlns:a16="http://schemas.microsoft.com/office/drawing/2014/main" id="{1CF14226-7480-4E64-878D-98BBEBE04781}"/>
+              </a:ext>
+            </a:extLst>
+          </p:cNvPr>
+          <p:cNvPicPr>
+            <a:picLocks noChangeAspect="1"/>
+          </p:cNvPicPr>
+          <p:nvPr/>
+        </p:nvPicPr>
+        <p:blipFill>
+          <a:blip r:embed="rId2"/>
+          <a:stretch>
+            <a:fillRect/>
+          </a:stretch>
+        </p:blipFill>
+        <p:spPr>
+          <a:xfrm>
+            <a:off x="4916559" y="1669895"/>
+            <a:ext cx="3611217" cy="2754881"/>
+          </a:xfrm>
+          <a:prstGeom prst="rect">
+            <a:avLst/>
+          </a:prstGeom>
+        </p:spPr>
+      </p:pic>
+      <p:sp>
+        <p:nvSpPr>
+          <p:cNvPr id="6" name="TextBox 5">
+            <a:extLst>
+              <a:ext uri="{FF2B5EF4-FFF2-40B4-BE49-F238E27FC236}">
+                <a16:creationId xmlns:a16="http://schemas.microsoft.com/office/drawing/2014/main" id="{8728385F-39A9-48B9-9427-814BA5EFD3AD}"/>
+              </a:ext>
+            </a:extLst>
+          </p:cNvPr>
+          <p:cNvSpPr txBox="1"/>
+          <p:nvPr/>
+        </p:nvSpPr>
+        <p:spPr>
+          <a:xfrm>
+            <a:off x="702365" y="4943061"/>
+            <a:ext cx="8110331" cy="1754326"/>
+          </a:xfrm>
+          <a:prstGeom prst="rect">
+            <a:avLst/>
+          </a:prstGeom>
+          <a:noFill/>
+        </p:spPr>
+        <p:txBody>
+          <a:bodyPr wrap="square" rtlCol="0">
+            <a:spAutoFit/>
+          </a:bodyPr>
+          <a:lstStyle/>
+          <a:p>
+            <a:pPr marL="285750" indent="-285750">
+              <a:buFont typeface="Arial" panose="020B0604020202020204" pitchFamily="34" charset="0"/>
+              <a:buChar char="•"/>
+            </a:pPr>
+            <a:r>
+              <a:rPr lang="en-US" sz="1800" dirty="0"/>
+              <a:t>This information is important, and if you change the geometry or the resolution, you need to update the function </a:t>
+            </a:r>
+            <a:r>
+              <a:rPr lang="en-US" sz="1800" dirty="0" err="1"/>
+              <a:t>Update_Target_Point_Positions</a:t>
+            </a:r>
+            <a:r>
+              <a:rPr lang="en-US" sz="1800" dirty="0"/>
+              <a:t>(): manually. </a:t>
+            </a:r>
+          </a:p>
+          <a:p>
+            <a:pPr marL="285750" indent="-285750">
+              <a:buFont typeface="Arial" panose="020B0604020202020204" pitchFamily="34" charset="0"/>
+              <a:buChar char="•"/>
+            </a:pPr>
+            <a:r>
+              <a:rPr lang="en-US" sz="1800" dirty="0"/>
+              <a:t>This is because you need to loop through all vertices and determine which to move (1-3276) and which to not move (3277-6552).</a:t>
+            </a:r>
+          </a:p>
+          <a:p>
+            <a:pPr marL="285750" indent="-285750">
+              <a:buFont typeface="Arial" panose="020B0604020202020204" pitchFamily="34" charset="0"/>
+              <a:buChar char="•"/>
+            </a:pPr>
+            <a:endParaRPr lang="en-US" sz="1800" dirty="0"/>
+          </a:p>
+        </p:txBody>
+      </p:sp>
+    </p:spTree>
+    <p:extLst>
+      <p:ext uri="{BB962C8B-B14F-4D97-AF65-F5344CB8AC3E}">
+        <p14:creationId xmlns:p14="http://schemas.microsoft.com/office/powerpoint/2010/main" val="1594196213"/>
+      </p:ext>
+    </p:extLst>
+  </p:cSld>
+  <p:clrMapOvr>
+    <a:masterClrMapping/>
+  </p:clrMapOvr>
+</p:sld>
+</file>
+
+<file path=ppt/slides/slide7.xml><?xml version="1.0" encoding="utf-8"?>
+<p:sld xmlns:a="http://schemas.openxmlformats.org/drawingml/2006/main" xmlns:r="http://schemas.openxmlformats.org/officeDocument/2006/relationships" xmlns:p="http://schemas.openxmlformats.org/presentationml/2006/main">
+  <p:cSld>
+    <p:spTree>
+      <p:nvGrpSpPr>
+        <p:cNvPr id="1" name=""/>
+        <p:cNvGrpSpPr/>
+        <p:nvPr/>
+      </p:nvGrpSpPr>
+      <p:grpSpPr>
+        <a:xfrm>
+          <a:off x="0" y="0"/>
+          <a:ext cx="0" cy="0"/>
+          <a:chOff x="0" y="0"/>
+          <a:chExt cx="0" cy="0"/>
+        </a:xfrm>
+      </p:grpSpPr>
+      <p:sp>
+        <p:nvSpPr>
+          <p:cNvPr id="2" name="Title 1"/>
+          <p:cNvSpPr>
+            <a:spLocks noGrp="1"/>
+          </p:cNvSpPr>
+          <p:nvPr>
+            <p:ph type="title"/>
+          </p:nvPr>
+        </p:nvSpPr>
+        <p:spPr/>
+        <p:txBody>
+          <a:bodyPr/>
+          <a:lstStyle/>
+          <a:p>
+            <a:pPr indent="0">
+              <a:buNone/>
+            </a:pPr>
+            <a:r>
+              <a:rPr lang="en-US" dirty="0" err="1"/>
+              <a:t>update_Target_Point_Positions</a:t>
+            </a:r>
+            <a:endParaRPr lang="en-US" dirty="0"/>
+          </a:p>
+        </p:txBody>
+      </p:sp>
+      <p:sp>
+        <p:nvSpPr>
+          <p:cNvPr id="3" name="Text Placeholder 2"/>
+          <p:cNvSpPr>
+            <a:spLocks noGrp="1"/>
+          </p:cNvSpPr>
+          <p:nvPr>
+            <p:ph type="body" idx="1"/>
+          </p:nvPr>
+        </p:nvSpPr>
+        <p:spPr>
+          <a:xfrm>
+            <a:off x="457200" y="1509764"/>
+            <a:ext cx="8229600" cy="4525962"/>
+          </a:xfrm>
+        </p:spPr>
+        <p:txBody>
+          <a:bodyPr/>
+          <a:lstStyle/>
+          <a:p>
+            <a:r>
+              <a:rPr lang="en-US" sz="2400" dirty="0"/>
+              <a:t>function targets = </a:t>
+            </a:r>
+            <a:r>
+              <a:rPr lang="en-US" sz="2400" dirty="0" err="1"/>
+              <a:t>update_Target_Point_Positions</a:t>
+            </a:r>
+            <a:r>
+              <a:rPr lang="en-US" sz="2400" dirty="0"/>
+              <a:t>(</a:t>
+            </a:r>
+            <a:r>
+              <a:rPr lang="en-US" sz="2400" dirty="0" err="1"/>
+              <a:t>dt,current_time,targets</a:t>
+            </a:r>
+            <a:r>
+              <a:rPr lang="en-US" sz="2400" dirty="0"/>
+              <a:t>)</a:t>
+            </a:r>
+          </a:p>
+          <a:p>
+            <a:pPr lvl="1"/>
+            <a:r>
+              <a:rPr lang="en-US" sz="2000" dirty="0"/>
+              <a:t>Function reads in the time step, current time, and target points information.</a:t>
+            </a:r>
+          </a:p>
+          <a:p>
+            <a:pPr lvl="1"/>
+            <a:r>
+              <a:rPr lang="en-US" sz="2000" dirty="0"/>
+              <a:t>Function returns updated target point information.</a:t>
+            </a:r>
+          </a:p>
+          <a:p>
+            <a:r>
+              <a:rPr lang="en-US" sz="2400" dirty="0" err="1"/>
+              <a:t>yPts</a:t>
+            </a:r>
+            <a:r>
+              <a:rPr lang="en-US" sz="2400" dirty="0"/>
+              <a:t>= targets(:,3);               % Previous y-Values of y-Target Pts</a:t>
+            </a:r>
+          </a:p>
+          <a:p>
+            <a:pPr lvl="1"/>
+            <a:r>
+              <a:rPr lang="en-US" sz="2000" dirty="0"/>
+              <a:t>We are only modifying the y-values, which are stored in the third column.</a:t>
+            </a:r>
+          </a:p>
+          <a:p>
+            <a:pPr lvl="1"/>
+            <a:r>
+              <a:rPr lang="en-US" sz="2000" dirty="0"/>
+              <a:t>The </a:t>
+            </a:r>
+            <a:r>
+              <a:rPr lang="en-US" sz="2000" dirty="0" err="1"/>
+              <a:t>lagrangian</a:t>
+            </a:r>
+            <a:r>
+              <a:rPr lang="en-US" sz="2000" dirty="0"/>
+              <a:t> IDs are in the first column, and the x- positions are in the second. The fourth column stores the spring </a:t>
+            </a:r>
+            <a:r>
+              <a:rPr lang="en-US" sz="2000" dirty="0" err="1"/>
+              <a:t>stiffnesses</a:t>
+            </a:r>
+            <a:r>
+              <a:rPr lang="en-US" sz="2000" dirty="0"/>
+              <a:t>.</a:t>
+            </a:r>
+          </a:p>
+          <a:p>
+            <a:r>
+              <a:rPr lang="en-US" sz="2400" dirty="0" err="1"/>
+              <a:t>N_top</a:t>
+            </a:r>
+            <a:r>
+              <a:rPr lang="en-US" sz="2400" dirty="0"/>
+              <a:t> = 3276;                      % # of points along top</a:t>
+            </a:r>
+          </a:p>
+          <a:p>
+            <a:pPr lvl="1"/>
+            <a:r>
+              <a:rPr lang="en-US" sz="2000" dirty="0"/>
+              <a:t>Look at the </a:t>
+            </a:r>
+            <a:r>
+              <a:rPr lang="en-US" sz="2000" dirty="0" err="1"/>
+              <a:t>sawtooth.target</a:t>
+            </a:r>
+            <a:r>
+              <a:rPr lang="en-US" sz="2000" dirty="0"/>
+              <a:t> file. There are 6552 points. 1-3276 are the top of the </a:t>
+            </a:r>
+            <a:r>
+              <a:rPr lang="en-US" sz="2000" dirty="0" err="1"/>
+              <a:t>sawtooth</a:t>
+            </a:r>
+            <a:r>
+              <a:rPr lang="en-US" sz="2000" dirty="0"/>
+              <a:t>, 3277-6552 are the bottom.</a:t>
+            </a:r>
+          </a:p>
+          <a:p>
+            <a:pPr marL="596900" lvl="1" indent="0">
+              <a:buNone/>
+            </a:pPr>
+            <a:endParaRPr lang="en-US" sz="2000" dirty="0"/>
+          </a:p>
+          <a:p>
+            <a:endParaRPr lang="en-US" sz="2400" dirty="0"/>
+          </a:p>
+        </p:txBody>
+      </p:sp>
+    </p:spTree>
+    <p:extLst>
+      <p:ext uri="{BB962C8B-B14F-4D97-AF65-F5344CB8AC3E}">
+        <p14:creationId xmlns:p14="http://schemas.microsoft.com/office/powerpoint/2010/main" val="3797415975"/>
+      </p:ext>
+    </p:extLst>
+  </p:cSld>
+  <p:clrMapOvr>
+    <a:masterClrMapping/>
+  </p:clrMapOvr>
+</p:sld>
+</file>
+
+<file path=ppt/slides/slide8.xml><?xml version="1.0" encoding="utf-8"?>
+<p:sld xmlns:a="http://schemas.openxmlformats.org/drawingml/2006/main" xmlns:r="http://schemas.openxmlformats.org/officeDocument/2006/relationships" xmlns:p="http://schemas.openxmlformats.org/presentationml/2006/main">
+  <p:cSld>
+    <p:spTree>
+      <p:nvGrpSpPr>
+        <p:cNvPr id="1" name=""/>
+        <p:cNvGrpSpPr/>
+        <p:nvPr/>
+      </p:nvGrpSpPr>
+      <p:grpSpPr>
+        <a:xfrm>
+          <a:off x="0" y="0"/>
+          <a:ext cx="0" cy="0"/>
+          <a:chOff x="0" y="0"/>
+          <a:chExt cx="0" cy="0"/>
+        </a:xfrm>
+      </p:grpSpPr>
+      <p:sp>
+        <p:nvSpPr>
+          <p:cNvPr id="2" name="Title 1"/>
+          <p:cNvSpPr>
+            <a:spLocks noGrp="1"/>
+          </p:cNvSpPr>
+          <p:nvPr>
+            <p:ph type="title"/>
+          </p:nvPr>
+        </p:nvSpPr>
+        <p:spPr/>
+        <p:txBody>
+          <a:bodyPr/>
+          <a:lstStyle/>
+          <a:p>
+            <a:pPr indent="0">
+              <a:buNone/>
+            </a:pPr>
+            <a:r>
+              <a:rPr lang="en-US" dirty="0" err="1"/>
+              <a:t>update_Target_Point_Positions</a:t>
+            </a:r>
+            <a:endParaRPr lang="en-US" dirty="0"/>
+          </a:p>
+        </p:txBody>
+      </p:sp>
+      <p:sp>
+        <p:nvSpPr>
+          <p:cNvPr id="3" name="Text Placeholder 2"/>
+          <p:cNvSpPr>
+            <a:spLocks noGrp="1"/>
+          </p:cNvSpPr>
+          <p:nvPr>
+            <p:ph type="body" idx="1"/>
+          </p:nvPr>
+        </p:nvSpPr>
+        <p:spPr>
+          <a:xfrm>
+            <a:off x="457200" y="1417637"/>
+            <a:ext cx="8229600" cy="4525962"/>
+          </a:xfrm>
+        </p:spPr>
+        <p:txBody>
+          <a:bodyPr/>
+          <a:lstStyle/>
+          <a:p>
+            <a:r>
+              <a:rPr lang="en-US" sz="2400" dirty="0" err="1"/>
+              <a:t>yPTS</a:t>
+            </a:r>
+            <a:r>
+              <a:rPr lang="en-US" sz="2400" dirty="0"/>
+              <a:t> = </a:t>
+            </a:r>
+            <a:r>
+              <a:rPr lang="en-US" sz="2400" dirty="0" err="1"/>
+              <a:t>read_In_yPT_Positions</a:t>
+            </a:r>
+            <a:r>
+              <a:rPr lang="en-US" sz="2400" dirty="0"/>
+              <a:t>('</a:t>
+            </a:r>
+            <a:r>
+              <a:rPr lang="en-US" sz="2400" dirty="0" err="1"/>
+              <a:t>sawtooth.vertex</a:t>
+            </a:r>
+            <a:r>
+              <a:rPr lang="en-US" sz="2400" dirty="0"/>
+              <a:t>');</a:t>
+            </a:r>
+          </a:p>
+          <a:p>
+            <a:pPr lvl="1"/>
+            <a:r>
+              <a:rPr lang="en-US" sz="1800" dirty="0"/>
+              <a:t>This code is written such that the new positions are calculated using the original positions. You could also modify based on the position from the previous time step.</a:t>
+            </a:r>
+          </a:p>
+          <a:p>
+            <a:r>
+              <a:rPr lang="en-US" sz="2400" dirty="0"/>
+              <a:t>targets(1:N_top,3) = </a:t>
+            </a:r>
+            <a:r>
+              <a:rPr lang="en-US" sz="2400" dirty="0" err="1"/>
+              <a:t>yPTS</a:t>
+            </a:r>
+            <a:r>
+              <a:rPr lang="en-US" sz="2400" dirty="0"/>
+              <a:t>(1:N_top) - (a/2)*sin( 2*pi*</a:t>
+            </a:r>
+            <a:r>
+              <a:rPr lang="en-US" sz="2400" dirty="0" err="1"/>
+              <a:t>freq</a:t>
+            </a:r>
+            <a:r>
+              <a:rPr lang="en-US" sz="2400" dirty="0"/>
+              <a:t>*</a:t>
+            </a:r>
+            <a:r>
+              <a:rPr lang="en-US" sz="2400" dirty="0" err="1"/>
+              <a:t>current_time</a:t>
+            </a:r>
+            <a:r>
+              <a:rPr lang="en-US" sz="2400" dirty="0"/>
+              <a:t> );</a:t>
+            </a:r>
+          </a:p>
+          <a:p>
+            <a:pPr lvl="1"/>
+            <a:r>
+              <a:rPr lang="en-US" sz="1800" dirty="0"/>
+              <a:t>Note that we are only modifying target points 1-N_top, representing the top of the </a:t>
+            </a:r>
+            <a:r>
+              <a:rPr lang="en-US" sz="1800" dirty="0" err="1"/>
+              <a:t>sawtooth</a:t>
+            </a:r>
+            <a:r>
+              <a:rPr lang="en-US" sz="1800" dirty="0"/>
+              <a:t>. </a:t>
+            </a:r>
+          </a:p>
+          <a:p>
+            <a:pPr lvl="1"/>
+            <a:r>
+              <a:rPr lang="en-US" sz="1800" dirty="0"/>
+              <a:t>Recall that the third column are the y-positions.</a:t>
+            </a:r>
+          </a:p>
+          <a:p>
+            <a:r>
+              <a:rPr lang="en-US" sz="2200" dirty="0"/>
+              <a:t>Note that if you change the resolution, geometry, etc. you will need to update </a:t>
+            </a:r>
+            <a:r>
+              <a:rPr lang="en-US" sz="2200" dirty="0" err="1"/>
+              <a:t>N_top</a:t>
+            </a:r>
+            <a:r>
+              <a:rPr lang="en-US" sz="2200" dirty="0"/>
+              <a:t> in this file.</a:t>
+            </a:r>
+          </a:p>
+          <a:p>
+            <a:r>
+              <a:rPr lang="en-US" sz="2200" dirty="0"/>
+              <a:t>To move the bottom, you would want to do something like the following ---</a:t>
+            </a:r>
+          </a:p>
+          <a:p>
+            <a:pPr lvl="1"/>
+            <a:r>
+              <a:rPr lang="en-US" sz="1600" dirty="0"/>
+              <a:t>targets(N_top+1:2*N_top,3) = </a:t>
+            </a:r>
+            <a:r>
+              <a:rPr lang="en-US" sz="1600" dirty="0" err="1"/>
+              <a:t>yPTS</a:t>
+            </a:r>
+            <a:r>
+              <a:rPr lang="en-US" sz="1600" dirty="0"/>
+              <a:t>(N_top+1:2*</a:t>
+            </a:r>
+            <a:r>
+              <a:rPr lang="en-US" sz="1600" dirty="0" err="1"/>
+              <a:t>N_top</a:t>
+            </a:r>
+            <a:r>
+              <a:rPr lang="en-US" sz="1600" dirty="0"/>
+              <a:t>) + </a:t>
+            </a:r>
+            <a:r>
+              <a:rPr lang="en-US" sz="1600" i="1" dirty="0" err="1"/>
+              <a:t>movement_function</a:t>
+            </a:r>
+            <a:r>
+              <a:rPr lang="en-US" sz="1600" dirty="0"/>
+              <a:t>.</a:t>
+            </a:r>
+          </a:p>
+          <a:p>
+            <a:endParaRPr lang="en-US" sz="2200" dirty="0"/>
+          </a:p>
+          <a:p>
+            <a:pPr lvl="1"/>
+            <a:endParaRPr lang="en-US" sz="1800" dirty="0"/>
+          </a:p>
+          <a:p>
+            <a:endParaRPr lang="en-US" sz="2400" dirty="0"/>
+          </a:p>
+        </p:txBody>
+      </p:sp>
+    </p:spTree>
+    <p:extLst>
+      <p:ext uri="{BB962C8B-B14F-4D97-AF65-F5344CB8AC3E}">
+        <p14:creationId xmlns:p14="http://schemas.microsoft.com/office/powerpoint/2010/main" val="1074517670"/>
+      </p:ext>
+    </p:extLst>
+  </p:cSld>
+  <p:clrMapOvr>
+    <a:masterClrMapping/>
+  </p:clrMapOvr>
+</p:sld>
+</file>
+
+<file path=ppt/slides/slide9.xml><?xml version="1.0" encoding="utf-8"?>
+<p:sld xmlns:a="http://schemas.openxmlformats.org/drawingml/2006/main" xmlns:r="http://schemas.openxmlformats.org/officeDocument/2006/relationships" xmlns:p="http://schemas.openxmlformats.org/presentationml/2006/main">
+  <p:cSld>
+    <p:spTree>
+      <p:nvGrpSpPr>
+        <p:cNvPr id="1" name=""/>
+        <p:cNvGrpSpPr/>
+        <p:nvPr/>
+      </p:nvGrpSpPr>
+      <p:grpSpPr>
+        <a:xfrm>
+          <a:off x="0" y="0"/>
+          <a:ext cx="0" cy="0"/>
+          <a:chOff x="0" y="0"/>
+          <a:chExt cx="0" cy="0"/>
+        </a:xfrm>
+      </p:grpSpPr>
+      <p:sp>
+        <p:nvSpPr>
+          <p:cNvPr id="2" name="Title 1">
+            <a:extLst>
+              <a:ext uri="{FF2B5EF4-FFF2-40B4-BE49-F238E27FC236}">
+                <a16:creationId xmlns:a16="http://schemas.microsoft.com/office/drawing/2014/main" id="{E4EDBC3D-F3B4-4F1E-9404-E6B4076D1E10}"/>
+              </a:ext>
+            </a:extLst>
+          </p:cNvPr>
+          <p:cNvSpPr>
+            <a:spLocks noGrp="1"/>
+          </p:cNvSpPr>
+          <p:nvPr>
+            <p:ph type="title"/>
+          </p:nvPr>
+        </p:nvSpPr>
+        <p:spPr/>
+        <p:txBody>
+          <a:bodyPr/>
+          <a:lstStyle/>
+          <a:p>
+            <a:pPr indent="0">
+              <a:buNone/>
+            </a:pPr>
+            <a:r>
+              <a:rPr lang="en-US" dirty="0" err="1"/>
+              <a:t>update_Target_Point_Positions</a:t>
+            </a:r>
+            <a:endParaRPr lang="en-US" dirty="0"/>
+          </a:p>
+        </p:txBody>
+      </p:sp>
+      <p:sp>
+        <p:nvSpPr>
+          <p:cNvPr id="3" name="Text Placeholder 2">
+            <a:extLst>
+              <a:ext uri="{FF2B5EF4-FFF2-40B4-BE49-F238E27FC236}">
+                <a16:creationId xmlns:a16="http://schemas.microsoft.com/office/drawing/2014/main" id="{F45D2841-3DE3-4219-9F59-ABB4D9551D48}"/>
+              </a:ext>
+            </a:extLst>
+          </p:cNvPr>
+          <p:cNvSpPr>
+            <a:spLocks noGrp="1"/>
+          </p:cNvSpPr>
+          <p:nvPr>
+            <p:ph type="body" idx="1"/>
+          </p:nvPr>
+        </p:nvSpPr>
+        <p:spPr>
+          <a:xfrm>
+            <a:off x="457200" y="1166019"/>
+            <a:ext cx="8229600" cy="4525962"/>
+          </a:xfrm>
+        </p:spPr>
+        <p:txBody>
+          <a:bodyPr/>
+          <a:lstStyle/>
+          <a:p>
+            <a:pPr marL="139700" indent="0">
+              <a:buNone/>
+            </a:pPr>
+            <a:r>
+              <a:rPr lang="en-US" sz="1800" b="0" i="0" dirty="0">
+                <a:solidFill>
+                  <a:srgbClr val="028009"/>
+                </a:solidFill>
+                <a:effectLst/>
+                <a:latin typeface="Menlo"/>
+              </a:rPr>
+              <a:t>%IDs = targets(:,1); % Stores Lag-Pt IDs in col vector</a:t>
+            </a:r>
+            <a:endParaRPr lang="en-US" sz="1800" b="0" i="0" dirty="0">
+              <a:effectLst/>
+              <a:latin typeface="Menlo"/>
+            </a:endParaRPr>
+          </a:p>
+          <a:p>
+            <a:pPr marL="139700" indent="0">
+              <a:buNone/>
+            </a:pPr>
+            <a:r>
+              <a:rPr lang="en-US" sz="1800" b="0" i="0" dirty="0">
+                <a:solidFill>
+                  <a:srgbClr val="028009"/>
+                </a:solidFill>
+                <a:effectLst/>
+                <a:latin typeface="Menlo"/>
+              </a:rPr>
+              <a:t>%</a:t>
+            </a:r>
+            <a:r>
+              <a:rPr lang="en-US" sz="1800" b="0" i="0" dirty="0" err="1">
+                <a:solidFill>
+                  <a:srgbClr val="028009"/>
+                </a:solidFill>
+                <a:effectLst/>
+                <a:latin typeface="Menlo"/>
+              </a:rPr>
+              <a:t>xPts</a:t>
+            </a:r>
+            <a:r>
+              <a:rPr lang="en-US" sz="1800" b="0" i="0" dirty="0">
+                <a:solidFill>
+                  <a:srgbClr val="028009"/>
+                </a:solidFill>
+                <a:effectLst/>
+                <a:latin typeface="Menlo"/>
+              </a:rPr>
+              <a:t>= targets(:,2); % Previous x-Values of x-Target Pts.</a:t>
+            </a:r>
+            <a:endParaRPr lang="en-US" sz="1800" b="0" i="0" dirty="0">
+              <a:effectLst/>
+              <a:latin typeface="Menlo"/>
+            </a:endParaRPr>
+          </a:p>
+          <a:p>
+            <a:pPr marL="139700" indent="0">
+              <a:buNone/>
+            </a:pPr>
+            <a:r>
+              <a:rPr lang="en-US" sz="1800" b="0" i="0" dirty="0" err="1">
+                <a:effectLst/>
+                <a:latin typeface="Menlo"/>
+              </a:rPr>
+              <a:t>yPts</a:t>
+            </a:r>
+            <a:r>
+              <a:rPr lang="en-US" sz="1800" b="0" i="0" dirty="0">
+                <a:effectLst/>
+                <a:latin typeface="Menlo"/>
+              </a:rPr>
+              <a:t>= targets(:,3); </a:t>
+            </a:r>
+            <a:r>
+              <a:rPr lang="en-US" sz="1800" b="0" i="0" dirty="0">
+                <a:solidFill>
+                  <a:srgbClr val="028009"/>
+                </a:solidFill>
+                <a:effectLst/>
+                <a:latin typeface="Menlo"/>
+              </a:rPr>
+              <a:t>% Previous y-Values of y-Target Pts.</a:t>
+            </a:r>
+            <a:endParaRPr lang="en-US" sz="1800" b="0" i="0" dirty="0">
+              <a:effectLst/>
+              <a:latin typeface="Menlo"/>
+            </a:endParaRPr>
+          </a:p>
+          <a:p>
+            <a:pPr marL="139700" indent="0">
+              <a:buNone/>
+            </a:pPr>
+            <a:r>
+              <a:rPr lang="en-US" sz="1800" b="0" i="0" dirty="0">
+                <a:solidFill>
+                  <a:srgbClr val="028009"/>
+                </a:solidFill>
+                <a:effectLst/>
+                <a:latin typeface="Menlo"/>
+              </a:rPr>
+              <a:t>%</a:t>
+            </a:r>
+            <a:r>
+              <a:rPr lang="en-US" sz="1800" b="0" i="0" dirty="0" err="1">
+                <a:solidFill>
+                  <a:srgbClr val="028009"/>
+                </a:solidFill>
+                <a:effectLst/>
+                <a:latin typeface="Menlo"/>
+              </a:rPr>
+              <a:t>kStiffs</a:t>
+            </a:r>
+            <a:r>
+              <a:rPr lang="en-US" sz="1800" b="0" i="0" dirty="0">
+                <a:solidFill>
+                  <a:srgbClr val="028009"/>
+                </a:solidFill>
+                <a:effectLst/>
+                <a:latin typeface="Menlo"/>
+              </a:rPr>
+              <a:t> = targets(:,4); % Stores Target Stiffnesses </a:t>
+            </a:r>
+            <a:endParaRPr lang="en-US" sz="1800" b="0" i="0" dirty="0">
+              <a:effectLst/>
+              <a:latin typeface="Menlo"/>
+            </a:endParaRPr>
+          </a:p>
+          <a:p>
+            <a:pPr marL="139700" indent="0">
+              <a:buNone/>
+            </a:pPr>
+            <a:r>
+              <a:rPr lang="en-US" sz="1800" b="0" i="0" dirty="0">
+                <a:solidFill>
+                  <a:srgbClr val="028009"/>
+                </a:solidFill>
+                <a:effectLst/>
+                <a:latin typeface="Menlo"/>
+              </a:rPr>
+              <a:t>%</a:t>
+            </a:r>
+            <a:r>
+              <a:rPr lang="en-US" sz="1800" b="0" i="0" dirty="0" err="1">
+                <a:solidFill>
+                  <a:srgbClr val="028009"/>
+                </a:solidFill>
+                <a:effectLst/>
+                <a:latin typeface="Menlo"/>
+              </a:rPr>
+              <a:t>N_target</a:t>
+            </a:r>
+            <a:r>
+              <a:rPr lang="en-US" sz="1800" b="0" i="0" dirty="0">
+                <a:solidFill>
+                  <a:srgbClr val="028009"/>
+                </a:solidFill>
+                <a:effectLst/>
+                <a:latin typeface="Menlo"/>
+              </a:rPr>
+              <a:t> = length(targets(:,1)); % Gives total number of target pts!</a:t>
+            </a:r>
+          </a:p>
+          <a:p>
+            <a:pPr marL="139700" indent="0">
+              <a:buNone/>
+            </a:pPr>
+            <a:endParaRPr lang="en-US" sz="1800" b="0" i="0" dirty="0">
+              <a:effectLst/>
+              <a:latin typeface="Menlo"/>
+            </a:endParaRPr>
+          </a:p>
+          <a:p>
+            <a:r>
+              <a:rPr lang="en-US" sz="2800" dirty="0"/>
+              <a:t>Note the only thing read in are the previous y-Values of y-Target points.</a:t>
+            </a:r>
+          </a:p>
+          <a:p>
+            <a:r>
+              <a:rPr lang="en-US" sz="2800" dirty="0"/>
+              <a:t>We actually don’t use these values those because of this line –</a:t>
+            </a:r>
+          </a:p>
+          <a:p>
+            <a:pPr lvl="1"/>
+            <a:r>
+              <a:rPr lang="en-US" sz="1600" b="0" i="0" dirty="0" err="1">
+                <a:effectLst/>
+                <a:latin typeface="Menlo"/>
+              </a:rPr>
+              <a:t>yPTS</a:t>
+            </a:r>
+            <a:r>
+              <a:rPr lang="en-US" sz="1600" b="0" i="0" dirty="0">
+                <a:effectLst/>
+                <a:latin typeface="Menlo"/>
+              </a:rPr>
+              <a:t> = </a:t>
+            </a:r>
+            <a:r>
+              <a:rPr lang="en-US" sz="1600" b="0" i="0" dirty="0" err="1">
+                <a:effectLst/>
+                <a:latin typeface="Menlo"/>
+              </a:rPr>
+              <a:t>read_In_yPT_Positions</a:t>
+            </a:r>
+            <a:r>
+              <a:rPr lang="en-US" sz="1600" b="0" i="0" dirty="0">
+                <a:effectLst/>
+                <a:latin typeface="Menlo"/>
+              </a:rPr>
+              <a:t>(</a:t>
+            </a:r>
+            <a:r>
+              <a:rPr lang="en-US" sz="1600" b="0" i="0" dirty="0">
+                <a:solidFill>
+                  <a:srgbClr val="AA04F9"/>
+                </a:solidFill>
+                <a:effectLst/>
+                <a:latin typeface="Menlo"/>
+              </a:rPr>
+              <a:t>'</a:t>
+            </a:r>
+            <a:r>
+              <a:rPr lang="en-US" sz="1600" b="0" i="0" dirty="0" err="1">
+                <a:solidFill>
+                  <a:srgbClr val="AA04F9"/>
+                </a:solidFill>
+                <a:effectLst/>
+                <a:latin typeface="Menlo"/>
+              </a:rPr>
+              <a:t>sawtooth.vertex</a:t>
+            </a:r>
+            <a:r>
+              <a:rPr lang="en-US" sz="1600" b="0" i="0" dirty="0">
+                <a:solidFill>
+                  <a:srgbClr val="AA04F9"/>
+                </a:solidFill>
+                <a:effectLst/>
+                <a:latin typeface="Menlo"/>
+              </a:rPr>
+              <a:t>’</a:t>
+            </a:r>
+            <a:r>
+              <a:rPr lang="en-US" sz="1600" b="0" i="0" dirty="0">
+                <a:effectLst/>
+                <a:latin typeface="Menlo"/>
+              </a:rPr>
+              <a:t>);</a:t>
+            </a:r>
+          </a:p>
+          <a:p>
+            <a:r>
+              <a:rPr lang="en-US" sz="2800" dirty="0"/>
+              <a:t>Nick likely changes the way the movement was handled.</a:t>
+            </a:r>
+          </a:p>
+        </p:txBody>
+      </p:sp>
+    </p:spTree>
+    <p:extLst>
+      <p:ext uri="{BB962C8B-B14F-4D97-AF65-F5344CB8AC3E}">
+        <p14:creationId xmlns:p14="http://schemas.microsoft.com/office/powerpoint/2010/main" val="1888236004"/>
+      </p:ext>
+    </p:extLst>
   </p:cSld>
   <p:clrMapOvr>
     <a:masterClrMapping/>

--- a/UA Tutorials/Lecture 3 - Changing Target Positions IB2d and IBAMR.pptx
+++ b/UA Tutorials/Lecture 3 - Changing Target Positions IB2d and IBAMR.pptx
@@ -16314,7 +16314,7 @@
         </p:nvSpPr>
         <p:spPr>
           <a:xfrm>
-            <a:off x="702365" y="4943061"/>
+            <a:off x="628623" y="4782999"/>
             <a:ext cx="8110331" cy="1754326"/>
           </a:xfrm>
           <a:prstGeom prst="rect">
@@ -17045,48 +17045,48 @@
           </a:p>
           <a:p>
             <a:r>
-              <a:rPr lang="en-US" sz="2800" dirty="0"/>
+              <a:rPr lang="en-US" sz="2000" dirty="0"/>
               <a:t>Note the only thing read in are the previous y-Values of y-Target points.</a:t>
             </a:r>
           </a:p>
           <a:p>
             <a:r>
-              <a:rPr lang="en-US" sz="2800" dirty="0"/>
+              <a:rPr lang="en-US" sz="2000" dirty="0"/>
               <a:t>We actually don’t use these values those because of this line –</a:t>
             </a:r>
           </a:p>
           <a:p>
             <a:pPr lvl="1"/>
             <a:r>
-              <a:rPr lang="en-US" sz="1600" b="0" i="0" dirty="0" err="1">
+              <a:rPr lang="en-US" sz="1200" b="0" i="0" dirty="0" err="1">
                 <a:effectLst/>
                 <a:latin typeface="Menlo"/>
               </a:rPr>
               <a:t>yPTS</a:t>
             </a:r>
             <a:r>
-              <a:rPr lang="en-US" sz="1600" b="0" i="0" dirty="0">
+              <a:rPr lang="en-US" sz="1200" b="0" i="0" dirty="0">
                 <a:effectLst/>
                 <a:latin typeface="Menlo"/>
               </a:rPr>
               <a:t> = </a:t>
             </a:r>
             <a:r>
-              <a:rPr lang="en-US" sz="1600" b="0" i="0" dirty="0" err="1">
+              <a:rPr lang="en-US" sz="1200" b="0" i="0" dirty="0" err="1">
                 <a:effectLst/>
                 <a:latin typeface="Menlo"/>
               </a:rPr>
               <a:t>read_In_yPT_Positions</a:t>
             </a:r>
             <a:r>
-              <a:rPr lang="en-US" sz="1600" b="0" i="0" dirty="0">
+              <a:rPr lang="en-US" sz="1200" b="0" i="0" dirty="0">
                 <a:effectLst/>
                 <a:latin typeface="Menlo"/>
               </a:rPr>
               <a:t>(</a:t>
             </a:r>
             <a:r>
-              <a:rPr lang="en-US" sz="1600" b="0" i="0" dirty="0">
+              <a:rPr lang="en-US" sz="1200" b="0" i="0" dirty="0">
                 <a:solidFill>
                   <a:srgbClr val="AA04F9"/>
                 </a:solidFill>
@@ -17096,7 +17096,7 @@
               <a:t>'</a:t>
             </a:r>
             <a:r>
-              <a:rPr lang="en-US" sz="1600" b="0" i="0" dirty="0" err="1">
+              <a:rPr lang="en-US" sz="1200" b="0" i="0" dirty="0" err="1">
                 <a:solidFill>
                   <a:srgbClr val="AA04F9"/>
                 </a:solidFill>
@@ -17106,7 +17106,7 @@
               <a:t>sawtooth.vertex</a:t>
             </a:r>
             <a:r>
-              <a:rPr lang="en-US" sz="1600" b="0" i="0" dirty="0">
+              <a:rPr lang="en-US" sz="1200" b="0" i="0" dirty="0">
                 <a:solidFill>
                   <a:srgbClr val="AA04F9"/>
                 </a:solidFill>
@@ -17116,7 +17116,7 @@
               <a:t>’</a:t>
             </a:r>
             <a:r>
-              <a:rPr lang="en-US" sz="1600" b="0" i="0" dirty="0">
+              <a:rPr lang="en-US" sz="1200" b="0" i="0" dirty="0">
                 <a:effectLst/>
                 <a:latin typeface="Menlo"/>
               </a:rPr>
@@ -17125,8 +17125,12 @@
           </a:p>
           <a:p>
             <a:r>
+              <a:rPr lang="en-US" sz="2000" dirty="0"/>
+              <a:t>Nick likely changes the way the movement was </a:t>
+            </a:r>
+            <a:r>
               <a:rPr lang="en-US" sz="2800" dirty="0"/>
-              <a:t>Nick likely changes the way the movement was handled.</a:t>
+              <a:t>handled.</a:t>
             </a:r>
           </a:p>
         </p:txBody>
